--- a/靠著耶穌得勝.pptx
+++ b/靠著耶穌得勝.pptx
@@ -2,7 +2,7 @@
 <file path=ppt/presentation.xml><?xml version="1.0" encoding="utf-8"?>
 <p:presentation xmlns:a="http://schemas.openxmlformats.org/drawingml/2006/main" xmlns:r="http://schemas.openxmlformats.org/officeDocument/2006/relationships" xmlns:p="http://schemas.openxmlformats.org/presentationml/2006/main" saveSubsetFonts="1">
   <p:sldMasterIdLst>
-    <p:sldMasterId id="2147483660" r:id="rId1"/>
+    <p:sldMasterId id="2147483672" r:id="rId1"/>
   </p:sldMasterIdLst>
   <p:sldIdLst>
     <p:sldId id="256" r:id="rId2"/>
@@ -152,8 +152,8 @@
           <a:lstStyle/>
           <a:p>
             <a:r>
-              <a:rPr lang="zh-TW" altLang="en-US" smtClean="0"/>
-              <a:t>按一下以編輯母片標題樣式</a:t>
+              <a:rPr lang="en-US" altLang="zh-TW" smtClean="0"/>
+              <a:t>Click to edit Master title style</a:t>
             </a:r>
             <a:endParaRPr lang="zh-TW" altLang="en-US"/>
           </a:p>
@@ -271,8 +271,8 @@
           </a:lstStyle>
           <a:p>
             <a:r>
-              <a:rPr lang="zh-TW" altLang="en-US" smtClean="0"/>
-              <a:t>按一下以編輯母片副標題樣式</a:t>
+              <a:rPr lang="en-US" altLang="zh-TW" smtClean="0"/>
+              <a:t>Click to edit Master subtitle style</a:t>
             </a:r>
             <a:endParaRPr lang="zh-TW" altLang="en-US"/>
           </a:p>
@@ -295,7 +295,7 @@
           <a:p>
             <a:fld id="{90650502-3618-4BDE-8B7B-6341F82301FD}" type="datetimeFigureOut">
               <a:rPr lang="zh-TW" altLang="en-US" smtClean="0"/>
-              <a:t>2017/1/29</a:t>
+              <a:t>2019/5/25</a:t>
             </a:fld>
             <a:endParaRPr lang="zh-TW" altLang="en-US"/>
           </a:p>
@@ -384,8 +384,8 @@
           <a:lstStyle/>
           <a:p>
             <a:r>
-              <a:rPr lang="zh-TW" altLang="en-US" smtClean="0"/>
-              <a:t>按一下以編輯母片標題樣式</a:t>
+              <a:rPr lang="en-US" altLang="zh-TW" smtClean="0"/>
+              <a:t>Click to edit Master title style</a:t>
             </a:r>
             <a:endParaRPr lang="zh-TW" altLang="en-US"/>
           </a:p>
@@ -408,36 +408,36 @@
           <a:p>
             <a:pPr lvl="0"/>
             <a:r>
-              <a:rPr lang="zh-TW" altLang="en-US" smtClean="0"/>
-              <a:t>按一下以編輯母片文字樣式</a:t>
+              <a:rPr lang="en-US" altLang="zh-TW" smtClean="0"/>
+              <a:t>Click to edit Master text styles</a:t>
             </a:r>
           </a:p>
           <a:p>
             <a:pPr lvl="1"/>
             <a:r>
-              <a:rPr lang="zh-TW" altLang="en-US" smtClean="0"/>
-              <a:t>第二層</a:t>
+              <a:rPr lang="en-US" altLang="zh-TW" smtClean="0"/>
+              <a:t>Second level</a:t>
             </a:r>
           </a:p>
           <a:p>
             <a:pPr lvl="2"/>
             <a:r>
-              <a:rPr lang="zh-TW" altLang="en-US" smtClean="0"/>
-              <a:t>第三層</a:t>
+              <a:rPr lang="en-US" altLang="zh-TW" smtClean="0"/>
+              <a:t>Third level</a:t>
             </a:r>
           </a:p>
           <a:p>
             <a:pPr lvl="3"/>
             <a:r>
-              <a:rPr lang="zh-TW" altLang="en-US" smtClean="0"/>
-              <a:t>第四層</a:t>
+              <a:rPr lang="en-US" altLang="zh-TW" smtClean="0"/>
+              <a:t>Fourth level</a:t>
             </a:r>
           </a:p>
           <a:p>
             <a:pPr lvl="4"/>
             <a:r>
-              <a:rPr lang="zh-TW" altLang="en-US" smtClean="0"/>
-              <a:t>第五層</a:t>
+              <a:rPr lang="en-US" altLang="zh-TW" smtClean="0"/>
+              <a:t>Fifth level</a:t>
             </a:r>
             <a:endParaRPr lang="zh-TW" altLang="en-US"/>
           </a:p>
@@ -460,7 +460,7 @@
           <a:p>
             <a:fld id="{90650502-3618-4BDE-8B7B-6341F82301FD}" type="datetimeFigureOut">
               <a:rPr lang="zh-TW" altLang="en-US" smtClean="0"/>
-              <a:t>2017/1/29</a:t>
+              <a:t>2019/5/25</a:t>
             </a:fld>
             <a:endParaRPr lang="zh-TW" altLang="en-US"/>
           </a:p>
@@ -554,8 +554,8 @@
           <a:lstStyle/>
           <a:p>
             <a:r>
-              <a:rPr lang="zh-TW" altLang="en-US" smtClean="0"/>
-              <a:t>按一下以編輯母片標題樣式</a:t>
+              <a:rPr lang="en-US" altLang="zh-TW" smtClean="0"/>
+              <a:t>Click to edit Master title style</a:t>
             </a:r>
             <a:endParaRPr lang="zh-TW" altLang="en-US"/>
           </a:p>
@@ -583,36 +583,36 @@
           <a:p>
             <a:pPr lvl="0"/>
             <a:r>
-              <a:rPr lang="zh-TW" altLang="en-US" smtClean="0"/>
-              <a:t>按一下以編輯母片文字樣式</a:t>
+              <a:rPr lang="en-US" altLang="zh-TW" smtClean="0"/>
+              <a:t>Click to edit Master text styles</a:t>
             </a:r>
           </a:p>
           <a:p>
             <a:pPr lvl="1"/>
             <a:r>
-              <a:rPr lang="zh-TW" altLang="en-US" smtClean="0"/>
-              <a:t>第二層</a:t>
+              <a:rPr lang="en-US" altLang="zh-TW" smtClean="0"/>
+              <a:t>Second level</a:t>
             </a:r>
           </a:p>
           <a:p>
             <a:pPr lvl="2"/>
             <a:r>
-              <a:rPr lang="zh-TW" altLang="en-US" smtClean="0"/>
-              <a:t>第三層</a:t>
+              <a:rPr lang="en-US" altLang="zh-TW" smtClean="0"/>
+              <a:t>Third level</a:t>
             </a:r>
           </a:p>
           <a:p>
             <a:pPr lvl="3"/>
             <a:r>
-              <a:rPr lang="zh-TW" altLang="en-US" smtClean="0"/>
-              <a:t>第四層</a:t>
+              <a:rPr lang="en-US" altLang="zh-TW" smtClean="0"/>
+              <a:t>Fourth level</a:t>
             </a:r>
           </a:p>
           <a:p>
             <a:pPr lvl="4"/>
             <a:r>
-              <a:rPr lang="zh-TW" altLang="en-US" smtClean="0"/>
-              <a:t>第五層</a:t>
+              <a:rPr lang="en-US" altLang="zh-TW" smtClean="0"/>
+              <a:t>Fifth level</a:t>
             </a:r>
             <a:endParaRPr lang="zh-TW" altLang="en-US"/>
           </a:p>
@@ -635,7 +635,7 @@
           <a:p>
             <a:fld id="{90650502-3618-4BDE-8B7B-6341F82301FD}" type="datetimeFigureOut">
               <a:rPr lang="zh-TW" altLang="en-US" smtClean="0"/>
-              <a:t>2017/1/29</a:t>
+              <a:t>2019/5/25</a:t>
             </a:fld>
             <a:endParaRPr lang="zh-TW" altLang="en-US"/>
           </a:p>
@@ -724,8 +724,8 @@
           <a:lstStyle/>
           <a:p>
             <a:r>
-              <a:rPr lang="zh-TW" altLang="en-US" smtClean="0"/>
-              <a:t>按一下以編輯母片標題樣式</a:t>
+              <a:rPr lang="en-US" altLang="zh-TW" smtClean="0"/>
+              <a:t>Click to edit Master title style</a:t>
             </a:r>
             <a:endParaRPr lang="zh-TW" altLang="en-US"/>
           </a:p>
@@ -748,36 +748,36 @@
           <a:p>
             <a:pPr lvl="0"/>
             <a:r>
-              <a:rPr lang="zh-TW" altLang="en-US" smtClean="0"/>
-              <a:t>按一下以編輯母片文字樣式</a:t>
+              <a:rPr lang="en-US" altLang="zh-TW" smtClean="0"/>
+              <a:t>Click to edit Master text styles</a:t>
             </a:r>
           </a:p>
           <a:p>
             <a:pPr lvl="1"/>
             <a:r>
-              <a:rPr lang="zh-TW" altLang="en-US" smtClean="0"/>
-              <a:t>第二層</a:t>
+              <a:rPr lang="en-US" altLang="zh-TW" smtClean="0"/>
+              <a:t>Second level</a:t>
             </a:r>
           </a:p>
           <a:p>
             <a:pPr lvl="2"/>
             <a:r>
-              <a:rPr lang="zh-TW" altLang="en-US" smtClean="0"/>
-              <a:t>第三層</a:t>
+              <a:rPr lang="en-US" altLang="zh-TW" smtClean="0"/>
+              <a:t>Third level</a:t>
             </a:r>
           </a:p>
           <a:p>
             <a:pPr lvl="3"/>
             <a:r>
-              <a:rPr lang="zh-TW" altLang="en-US" smtClean="0"/>
-              <a:t>第四層</a:t>
+              <a:rPr lang="en-US" altLang="zh-TW" smtClean="0"/>
+              <a:t>Fourth level</a:t>
             </a:r>
           </a:p>
           <a:p>
             <a:pPr lvl="4"/>
             <a:r>
-              <a:rPr lang="zh-TW" altLang="en-US" smtClean="0"/>
-              <a:t>第五層</a:t>
+              <a:rPr lang="en-US" altLang="zh-TW" smtClean="0"/>
+              <a:t>Fifth level</a:t>
             </a:r>
             <a:endParaRPr lang="zh-TW" altLang="en-US"/>
           </a:p>
@@ -800,7 +800,7 @@
           <a:p>
             <a:fld id="{90650502-3618-4BDE-8B7B-6341F82301FD}" type="datetimeFigureOut">
               <a:rPr lang="zh-TW" altLang="en-US" smtClean="0"/>
-              <a:t>2017/1/29</a:t>
+              <a:t>2019/5/25</a:t>
             </a:fld>
             <a:endParaRPr lang="zh-TW" altLang="en-US"/>
           </a:p>
@@ -898,8 +898,8 @@
           </a:lstStyle>
           <a:p>
             <a:r>
-              <a:rPr lang="zh-TW" altLang="en-US" smtClean="0"/>
-              <a:t>按一下以編輯母片標題樣式</a:t>
+              <a:rPr lang="en-US" altLang="zh-TW" smtClean="0"/>
+              <a:t>Click to edit Master title style</a:t>
             </a:r>
             <a:endParaRPr lang="zh-TW" altLang="en-US"/>
           </a:p>
@@ -1018,8 +1018,8 @@
           <a:p>
             <a:pPr lvl="0"/>
             <a:r>
-              <a:rPr lang="zh-TW" altLang="en-US" smtClean="0"/>
-              <a:t>按一下以編輯母片文字樣式</a:t>
+              <a:rPr lang="en-US" altLang="zh-TW" smtClean="0"/>
+              <a:t>Click to edit Master text styles</a:t>
             </a:r>
           </a:p>
         </p:txBody>
@@ -1041,7 +1041,7 @@
           <a:p>
             <a:fld id="{90650502-3618-4BDE-8B7B-6341F82301FD}" type="datetimeFigureOut">
               <a:rPr lang="zh-TW" altLang="en-US" smtClean="0"/>
-              <a:t>2017/1/29</a:t>
+              <a:t>2019/5/25</a:t>
             </a:fld>
             <a:endParaRPr lang="zh-TW" altLang="en-US"/>
           </a:p>
@@ -1130,8 +1130,8 @@
           <a:lstStyle/>
           <a:p>
             <a:r>
-              <a:rPr lang="zh-TW" altLang="en-US" smtClean="0"/>
-              <a:t>按一下以編輯母片標題樣式</a:t>
+              <a:rPr lang="en-US" altLang="zh-TW" smtClean="0"/>
+              <a:t>Click to edit Master title style</a:t>
             </a:r>
             <a:endParaRPr lang="zh-TW" altLang="en-US"/>
           </a:p>
@@ -1187,36 +1187,36 @@
           <a:p>
             <a:pPr lvl="0"/>
             <a:r>
-              <a:rPr lang="zh-TW" altLang="en-US" smtClean="0"/>
-              <a:t>按一下以編輯母片文字樣式</a:t>
+              <a:rPr lang="en-US" altLang="zh-TW" smtClean="0"/>
+              <a:t>Click to edit Master text styles</a:t>
             </a:r>
           </a:p>
           <a:p>
             <a:pPr lvl="1"/>
             <a:r>
-              <a:rPr lang="zh-TW" altLang="en-US" smtClean="0"/>
-              <a:t>第二層</a:t>
+              <a:rPr lang="en-US" altLang="zh-TW" smtClean="0"/>
+              <a:t>Second level</a:t>
             </a:r>
           </a:p>
           <a:p>
             <a:pPr lvl="2"/>
             <a:r>
-              <a:rPr lang="zh-TW" altLang="en-US" smtClean="0"/>
-              <a:t>第三層</a:t>
+              <a:rPr lang="en-US" altLang="zh-TW" smtClean="0"/>
+              <a:t>Third level</a:t>
             </a:r>
           </a:p>
           <a:p>
             <a:pPr lvl="3"/>
             <a:r>
-              <a:rPr lang="zh-TW" altLang="en-US" smtClean="0"/>
-              <a:t>第四層</a:t>
+              <a:rPr lang="en-US" altLang="zh-TW" smtClean="0"/>
+              <a:t>Fourth level</a:t>
             </a:r>
           </a:p>
           <a:p>
             <a:pPr lvl="4"/>
             <a:r>
-              <a:rPr lang="zh-TW" altLang="en-US" smtClean="0"/>
-              <a:t>第五層</a:t>
+              <a:rPr lang="en-US" altLang="zh-TW" smtClean="0"/>
+              <a:t>Fifth level</a:t>
             </a:r>
             <a:endParaRPr lang="zh-TW" altLang="en-US"/>
           </a:p>
@@ -1272,36 +1272,36 @@
           <a:p>
             <a:pPr lvl="0"/>
             <a:r>
-              <a:rPr lang="zh-TW" altLang="en-US" smtClean="0"/>
-              <a:t>按一下以編輯母片文字樣式</a:t>
+              <a:rPr lang="en-US" altLang="zh-TW" smtClean="0"/>
+              <a:t>Click to edit Master text styles</a:t>
             </a:r>
           </a:p>
           <a:p>
             <a:pPr lvl="1"/>
             <a:r>
-              <a:rPr lang="zh-TW" altLang="en-US" smtClean="0"/>
-              <a:t>第二層</a:t>
+              <a:rPr lang="en-US" altLang="zh-TW" smtClean="0"/>
+              <a:t>Second level</a:t>
             </a:r>
           </a:p>
           <a:p>
             <a:pPr lvl="2"/>
             <a:r>
-              <a:rPr lang="zh-TW" altLang="en-US" smtClean="0"/>
-              <a:t>第三層</a:t>
+              <a:rPr lang="en-US" altLang="zh-TW" smtClean="0"/>
+              <a:t>Third level</a:t>
             </a:r>
           </a:p>
           <a:p>
             <a:pPr lvl="3"/>
             <a:r>
-              <a:rPr lang="zh-TW" altLang="en-US" smtClean="0"/>
-              <a:t>第四層</a:t>
+              <a:rPr lang="en-US" altLang="zh-TW" smtClean="0"/>
+              <a:t>Fourth level</a:t>
             </a:r>
           </a:p>
           <a:p>
             <a:pPr lvl="4"/>
             <a:r>
-              <a:rPr lang="zh-TW" altLang="en-US" smtClean="0"/>
-              <a:t>第五層</a:t>
+              <a:rPr lang="en-US" altLang="zh-TW" smtClean="0"/>
+              <a:t>Fifth level</a:t>
             </a:r>
             <a:endParaRPr lang="zh-TW" altLang="en-US"/>
           </a:p>
@@ -1324,7 +1324,7 @@
           <a:p>
             <a:fld id="{90650502-3618-4BDE-8B7B-6341F82301FD}" type="datetimeFigureOut">
               <a:rPr lang="zh-TW" altLang="en-US" smtClean="0"/>
-              <a:t>2017/1/29</a:t>
+              <a:t>2019/5/25</a:t>
             </a:fld>
             <a:endParaRPr lang="zh-TW" altLang="en-US"/>
           </a:p>
@@ -1417,8 +1417,8 @@
           </a:lstStyle>
           <a:p>
             <a:r>
-              <a:rPr lang="zh-TW" altLang="en-US" smtClean="0"/>
-              <a:t>按一下以編輯母片標題樣式</a:t>
+              <a:rPr lang="en-US" altLang="zh-TW" smtClean="0"/>
+              <a:t>Click to edit Master title style</a:t>
             </a:r>
             <a:endParaRPr lang="zh-TW" altLang="en-US"/>
           </a:p>
@@ -1483,8 +1483,8 @@
           <a:p>
             <a:pPr lvl="0"/>
             <a:r>
-              <a:rPr lang="zh-TW" altLang="en-US" smtClean="0"/>
-              <a:t>按一下以編輯母片文字樣式</a:t>
+              <a:rPr lang="en-US" altLang="zh-TW" smtClean="0"/>
+              <a:t>Click to edit Master text styles</a:t>
             </a:r>
           </a:p>
         </p:txBody>
@@ -1539,36 +1539,36 @@
           <a:p>
             <a:pPr lvl="0"/>
             <a:r>
-              <a:rPr lang="zh-TW" altLang="en-US" smtClean="0"/>
-              <a:t>按一下以編輯母片文字樣式</a:t>
+              <a:rPr lang="en-US" altLang="zh-TW" smtClean="0"/>
+              <a:t>Click to edit Master text styles</a:t>
             </a:r>
           </a:p>
           <a:p>
             <a:pPr lvl="1"/>
             <a:r>
-              <a:rPr lang="zh-TW" altLang="en-US" smtClean="0"/>
-              <a:t>第二層</a:t>
+              <a:rPr lang="en-US" altLang="zh-TW" smtClean="0"/>
+              <a:t>Second level</a:t>
             </a:r>
           </a:p>
           <a:p>
             <a:pPr lvl="2"/>
             <a:r>
-              <a:rPr lang="zh-TW" altLang="en-US" smtClean="0"/>
-              <a:t>第三層</a:t>
+              <a:rPr lang="en-US" altLang="zh-TW" smtClean="0"/>
+              <a:t>Third level</a:t>
             </a:r>
           </a:p>
           <a:p>
             <a:pPr lvl="3"/>
             <a:r>
-              <a:rPr lang="zh-TW" altLang="en-US" smtClean="0"/>
-              <a:t>第四層</a:t>
+              <a:rPr lang="en-US" altLang="zh-TW" smtClean="0"/>
+              <a:t>Fourth level</a:t>
             </a:r>
           </a:p>
           <a:p>
             <a:pPr lvl="4"/>
             <a:r>
-              <a:rPr lang="zh-TW" altLang="en-US" smtClean="0"/>
-              <a:t>第五層</a:t>
+              <a:rPr lang="en-US" altLang="zh-TW" smtClean="0"/>
+              <a:t>Fifth level</a:t>
             </a:r>
             <a:endParaRPr lang="zh-TW" altLang="en-US"/>
           </a:p>
@@ -1633,8 +1633,8 @@
           <a:p>
             <a:pPr lvl="0"/>
             <a:r>
-              <a:rPr lang="zh-TW" altLang="en-US" smtClean="0"/>
-              <a:t>按一下以編輯母片文字樣式</a:t>
+              <a:rPr lang="en-US" altLang="zh-TW" smtClean="0"/>
+              <a:t>Click to edit Master text styles</a:t>
             </a:r>
           </a:p>
         </p:txBody>
@@ -1689,36 +1689,36 @@
           <a:p>
             <a:pPr lvl="0"/>
             <a:r>
-              <a:rPr lang="zh-TW" altLang="en-US" smtClean="0"/>
-              <a:t>按一下以編輯母片文字樣式</a:t>
+              <a:rPr lang="en-US" altLang="zh-TW" smtClean="0"/>
+              <a:t>Click to edit Master text styles</a:t>
             </a:r>
           </a:p>
           <a:p>
             <a:pPr lvl="1"/>
             <a:r>
-              <a:rPr lang="zh-TW" altLang="en-US" smtClean="0"/>
-              <a:t>第二層</a:t>
+              <a:rPr lang="en-US" altLang="zh-TW" smtClean="0"/>
+              <a:t>Second level</a:t>
             </a:r>
           </a:p>
           <a:p>
             <a:pPr lvl="2"/>
             <a:r>
-              <a:rPr lang="zh-TW" altLang="en-US" smtClean="0"/>
-              <a:t>第三層</a:t>
+              <a:rPr lang="en-US" altLang="zh-TW" smtClean="0"/>
+              <a:t>Third level</a:t>
             </a:r>
           </a:p>
           <a:p>
             <a:pPr lvl="3"/>
             <a:r>
-              <a:rPr lang="zh-TW" altLang="en-US" smtClean="0"/>
-              <a:t>第四層</a:t>
+              <a:rPr lang="en-US" altLang="zh-TW" smtClean="0"/>
+              <a:t>Fourth level</a:t>
             </a:r>
           </a:p>
           <a:p>
             <a:pPr lvl="4"/>
             <a:r>
-              <a:rPr lang="zh-TW" altLang="en-US" smtClean="0"/>
-              <a:t>第五層</a:t>
+              <a:rPr lang="en-US" altLang="zh-TW" smtClean="0"/>
+              <a:t>Fifth level</a:t>
             </a:r>
             <a:endParaRPr lang="zh-TW" altLang="en-US"/>
           </a:p>
@@ -1741,7 +1741,7 @@
           <a:p>
             <a:fld id="{90650502-3618-4BDE-8B7B-6341F82301FD}" type="datetimeFigureOut">
               <a:rPr lang="zh-TW" altLang="en-US" smtClean="0"/>
-              <a:t>2017/1/29</a:t>
+              <a:t>2019/5/25</a:t>
             </a:fld>
             <a:endParaRPr lang="zh-TW" altLang="en-US"/>
           </a:p>
@@ -1830,8 +1830,8 @@
           <a:lstStyle/>
           <a:p>
             <a:r>
-              <a:rPr lang="zh-TW" altLang="en-US" smtClean="0"/>
-              <a:t>按一下以編輯母片標題樣式</a:t>
+              <a:rPr lang="en-US" altLang="zh-TW" smtClean="0"/>
+              <a:t>Click to edit Master title style</a:t>
             </a:r>
             <a:endParaRPr lang="zh-TW" altLang="en-US"/>
           </a:p>
@@ -1854,7 +1854,7 @@
           <a:p>
             <a:fld id="{90650502-3618-4BDE-8B7B-6341F82301FD}" type="datetimeFigureOut">
               <a:rPr lang="zh-TW" altLang="en-US" smtClean="0"/>
-              <a:t>2017/1/29</a:t>
+              <a:t>2019/5/25</a:t>
             </a:fld>
             <a:endParaRPr lang="zh-TW" altLang="en-US"/>
           </a:p>
@@ -1944,7 +1944,7 @@
           <a:p>
             <a:fld id="{90650502-3618-4BDE-8B7B-6341F82301FD}" type="datetimeFigureOut">
               <a:rPr lang="zh-TW" altLang="en-US" smtClean="0"/>
-              <a:t>2017/1/29</a:t>
+              <a:t>2019/5/25</a:t>
             </a:fld>
             <a:endParaRPr lang="zh-TW" altLang="en-US"/>
           </a:p>
@@ -2042,8 +2042,8 @@
           </a:lstStyle>
           <a:p>
             <a:r>
-              <a:rPr lang="zh-TW" altLang="en-US" smtClean="0"/>
-              <a:t>按一下以編輯母片標題樣式</a:t>
+              <a:rPr lang="en-US" altLang="zh-TW" smtClean="0"/>
+              <a:t>Click to edit Master title style</a:t>
             </a:r>
             <a:endParaRPr lang="zh-TW" altLang="en-US"/>
           </a:p>
@@ -2099,36 +2099,36 @@
           <a:p>
             <a:pPr lvl="0"/>
             <a:r>
-              <a:rPr lang="zh-TW" altLang="en-US" smtClean="0"/>
-              <a:t>按一下以編輯母片文字樣式</a:t>
+              <a:rPr lang="en-US" altLang="zh-TW" smtClean="0"/>
+              <a:t>Click to edit Master text styles</a:t>
             </a:r>
           </a:p>
           <a:p>
             <a:pPr lvl="1"/>
             <a:r>
-              <a:rPr lang="zh-TW" altLang="en-US" smtClean="0"/>
-              <a:t>第二層</a:t>
+              <a:rPr lang="en-US" altLang="zh-TW" smtClean="0"/>
+              <a:t>Second level</a:t>
             </a:r>
           </a:p>
           <a:p>
             <a:pPr lvl="2"/>
             <a:r>
-              <a:rPr lang="zh-TW" altLang="en-US" smtClean="0"/>
-              <a:t>第三層</a:t>
+              <a:rPr lang="en-US" altLang="zh-TW" smtClean="0"/>
+              <a:t>Third level</a:t>
             </a:r>
           </a:p>
           <a:p>
             <a:pPr lvl="3"/>
             <a:r>
-              <a:rPr lang="zh-TW" altLang="en-US" smtClean="0"/>
-              <a:t>第四層</a:t>
+              <a:rPr lang="en-US" altLang="zh-TW" smtClean="0"/>
+              <a:t>Fourth level</a:t>
             </a:r>
           </a:p>
           <a:p>
             <a:pPr lvl="4"/>
             <a:r>
-              <a:rPr lang="zh-TW" altLang="en-US" smtClean="0"/>
-              <a:t>第五層</a:t>
+              <a:rPr lang="en-US" altLang="zh-TW" smtClean="0"/>
+              <a:t>Fifth level</a:t>
             </a:r>
             <a:endParaRPr lang="zh-TW" altLang="en-US"/>
           </a:p>
@@ -2193,8 +2193,8 @@
           <a:p>
             <a:pPr lvl="0"/>
             <a:r>
-              <a:rPr lang="zh-TW" altLang="en-US" smtClean="0"/>
-              <a:t>按一下以編輯母片文字樣式</a:t>
+              <a:rPr lang="en-US" altLang="zh-TW" smtClean="0"/>
+              <a:t>Click to edit Master text styles</a:t>
             </a:r>
           </a:p>
         </p:txBody>
@@ -2216,7 +2216,7 @@
           <a:p>
             <a:fld id="{90650502-3618-4BDE-8B7B-6341F82301FD}" type="datetimeFigureOut">
               <a:rPr lang="zh-TW" altLang="en-US" smtClean="0"/>
-              <a:t>2017/1/29</a:t>
+              <a:t>2019/5/25</a:t>
             </a:fld>
             <a:endParaRPr lang="zh-TW" altLang="en-US"/>
           </a:p>
@@ -2314,8 +2314,8 @@
           </a:lstStyle>
           <a:p>
             <a:r>
-              <a:rPr lang="zh-TW" altLang="en-US" smtClean="0"/>
-              <a:t>按一下以編輯母片標題樣式</a:t>
+              <a:rPr lang="en-US" altLang="zh-TW" smtClean="0"/>
+              <a:t>Click to edit Master title style</a:t>
             </a:r>
             <a:endParaRPr lang="zh-TW" altLang="en-US"/>
           </a:p>
@@ -2379,8 +2379,8 @@
           </a:lstStyle>
           <a:p>
             <a:r>
-              <a:rPr lang="zh-TW" altLang="en-US" smtClean="0"/>
-              <a:t>按一下圖示以新增圖片</a:t>
+              <a:rPr lang="en-US" altLang="zh-TW" smtClean="0"/>
+              <a:t>Click icon to add picture</a:t>
             </a:r>
             <a:endParaRPr lang="zh-TW" altLang="en-US"/>
           </a:p>
@@ -2445,8 +2445,8 @@
           <a:p>
             <a:pPr lvl="0"/>
             <a:r>
-              <a:rPr lang="zh-TW" altLang="en-US" smtClean="0"/>
-              <a:t>按一下以編輯母片文字樣式</a:t>
+              <a:rPr lang="en-US" altLang="zh-TW" smtClean="0"/>
+              <a:t>Click to edit Master text styles</a:t>
             </a:r>
           </a:p>
         </p:txBody>
@@ -2468,7 +2468,7 @@
           <a:p>
             <a:fld id="{90650502-3618-4BDE-8B7B-6341F82301FD}" type="datetimeFigureOut">
               <a:rPr lang="zh-TW" altLang="en-US" smtClean="0"/>
-              <a:t>2017/1/29</a:t>
+              <a:t>2019/5/25</a:t>
             </a:fld>
             <a:endParaRPr lang="zh-TW" altLang="en-US"/>
           </a:p>
@@ -2681,7 +2681,7 @@
           <a:p>
             <a:fld id="{90650502-3618-4BDE-8B7B-6341F82301FD}" type="datetimeFigureOut">
               <a:rPr lang="zh-TW" altLang="en-US" smtClean="0"/>
-              <a:t>2017/1/29</a:t>
+              <a:t>2019/5/25</a:t>
             </a:fld>
             <a:endParaRPr lang="zh-TW" altLang="en-US"/>
           </a:p>
@@ -2769,17 +2769,17 @@
   </p:cSld>
   <p:clrMap bg1="lt1" tx1="dk1" bg2="lt2" tx2="dk2" accent1="accent1" accent2="accent2" accent3="accent3" accent4="accent4" accent5="accent5" accent6="accent6" hlink="hlink" folHlink="folHlink"/>
   <p:sldLayoutIdLst>
-    <p:sldLayoutId id="2147483661" r:id="rId1"/>
-    <p:sldLayoutId id="2147483662" r:id="rId2"/>
-    <p:sldLayoutId id="2147483663" r:id="rId3"/>
-    <p:sldLayoutId id="2147483664" r:id="rId4"/>
-    <p:sldLayoutId id="2147483665" r:id="rId5"/>
-    <p:sldLayoutId id="2147483666" r:id="rId6"/>
-    <p:sldLayoutId id="2147483667" r:id="rId7"/>
-    <p:sldLayoutId id="2147483668" r:id="rId8"/>
-    <p:sldLayoutId id="2147483669" r:id="rId9"/>
-    <p:sldLayoutId id="2147483670" r:id="rId10"/>
-    <p:sldLayoutId id="2147483671" r:id="rId11"/>
+    <p:sldLayoutId id="2147483673" r:id="rId1"/>
+    <p:sldLayoutId id="2147483674" r:id="rId2"/>
+    <p:sldLayoutId id="2147483675" r:id="rId3"/>
+    <p:sldLayoutId id="2147483676" r:id="rId4"/>
+    <p:sldLayoutId id="2147483677" r:id="rId5"/>
+    <p:sldLayoutId id="2147483678" r:id="rId6"/>
+    <p:sldLayoutId id="2147483679" r:id="rId7"/>
+    <p:sldLayoutId id="2147483680" r:id="rId8"/>
+    <p:sldLayoutId id="2147483681" r:id="rId9"/>
+    <p:sldLayoutId id="2147483682" r:id="rId10"/>
+    <p:sldLayoutId id="2147483683" r:id="rId11"/>
   </p:sldLayoutIdLst>
   <p:txStyles>
     <p:titleStyle>
@@ -3069,14 +3069,23 @@
           <a:lstStyle/>
           <a:p>
             <a:r>
-              <a:rPr lang="zh-TW" altLang="en-US" dirty="0"/>
+              <a:rPr lang="zh-TW" altLang="en-US" b="1" dirty="0">
+                <a:latin typeface="Microsoft JhengHei" pitchFamily="34" charset="-120"/>
+                <a:ea typeface="Microsoft JhengHei" pitchFamily="34" charset="-120"/>
+              </a:rPr>
               <a:t>靠著耶穌</a:t>
             </a:r>
             <a:r>
-              <a:rPr lang="zh-TW" altLang="en-US" dirty="0" smtClean="0"/>
+              <a:rPr lang="zh-TW" altLang="en-US" b="1" dirty="0" smtClean="0">
+                <a:latin typeface="Microsoft JhengHei" pitchFamily="34" charset="-120"/>
+                <a:ea typeface="Microsoft JhengHei" pitchFamily="34" charset="-120"/>
+              </a:rPr>
               <a:t>得勝</a:t>
             </a:r>
-            <a:endParaRPr lang="zh-TW" altLang="en-US" dirty="0"/>
+            <a:endParaRPr lang="zh-TW" altLang="en-US" b="1" dirty="0">
+              <a:latin typeface="Microsoft JhengHei" pitchFamily="34" charset="-120"/>
+              <a:ea typeface="Microsoft JhengHei" pitchFamily="34" charset="-120"/>
+            </a:endParaRPr>
           </a:p>
         </p:txBody>
       </p:sp>
@@ -3101,66 +3110,111 @@
               <a:buNone/>
             </a:pPr>
             <a:r>
-              <a:rPr lang="zh-TW" altLang="en-US" sz="5400" dirty="0"/>
+              <a:rPr lang="zh-TW" altLang="en-US" sz="5400" b="1" dirty="0">
+                <a:latin typeface="Microsoft JhengHei" pitchFamily="34" charset="-120"/>
+                <a:ea typeface="Microsoft JhengHei" pitchFamily="34" charset="-120"/>
+              </a:rPr>
               <a:t>在你愛裡我要</a:t>
             </a:r>
             <a:r>
-              <a:rPr lang="zh-TW" altLang="en-US" sz="5400" dirty="0" smtClean="0"/>
+              <a:rPr lang="zh-TW" altLang="en-US" sz="5400" b="1" dirty="0" smtClean="0">
+                <a:latin typeface="Microsoft JhengHei" pitchFamily="34" charset="-120"/>
+                <a:ea typeface="Microsoft JhengHei" pitchFamily="34" charset="-120"/>
+              </a:rPr>
               <a:t>宣告</a:t>
             </a:r>
-            <a:endParaRPr lang="en-US" altLang="zh-TW" sz="5400" dirty="0" smtClean="0"/>
+            <a:endParaRPr lang="en-US" altLang="zh-TW" sz="5400" b="1" dirty="0" smtClean="0">
+              <a:latin typeface="Microsoft JhengHei" pitchFamily="34" charset="-120"/>
+              <a:ea typeface="Microsoft JhengHei" pitchFamily="34" charset="-120"/>
+            </a:endParaRPr>
           </a:p>
           <a:p>
             <a:pPr algn="ctr">
               <a:buNone/>
             </a:pPr>
             <a:r>
-              <a:rPr lang="zh-TW" altLang="en-US" sz="5400" dirty="0" smtClean="0"/>
+              <a:rPr lang="zh-TW" altLang="en-US" sz="5400" b="1" dirty="0" smtClean="0">
+                <a:latin typeface="Microsoft JhengHei" pitchFamily="34" charset="-120"/>
+                <a:ea typeface="Microsoft JhengHei" pitchFamily="34" charset="-120"/>
+              </a:rPr>
               <a:t>軟弱</a:t>
             </a:r>
             <a:r>
-              <a:rPr lang="zh-TW" altLang="en-US" sz="5400" dirty="0"/>
+              <a:rPr lang="zh-TW" altLang="en-US" sz="5400" b="1" dirty="0">
+                <a:latin typeface="Microsoft JhengHei" pitchFamily="34" charset="-120"/>
+                <a:ea typeface="Microsoft JhengHei" pitchFamily="34" charset="-120"/>
+              </a:rPr>
               <a:t>己得</a:t>
             </a:r>
             <a:r>
-              <a:rPr lang="zh-TW" altLang="en-US" sz="5400" dirty="0" smtClean="0"/>
+              <a:rPr lang="zh-TW" altLang="en-US" sz="5400" b="1" dirty="0" smtClean="0">
+                <a:latin typeface="Microsoft JhengHei" pitchFamily="34" charset="-120"/>
+                <a:ea typeface="Microsoft JhengHei" pitchFamily="34" charset="-120"/>
+              </a:rPr>
               <a:t>改變</a:t>
             </a:r>
-            <a:endParaRPr lang="en-US" altLang="zh-TW" sz="5400" dirty="0"/>
+            <a:endParaRPr lang="en-US" altLang="zh-TW" sz="5400" b="1" dirty="0">
+              <a:latin typeface="Microsoft JhengHei" pitchFamily="34" charset="-120"/>
+              <a:ea typeface="Microsoft JhengHei" pitchFamily="34" charset="-120"/>
+            </a:endParaRPr>
           </a:p>
           <a:p>
             <a:pPr algn="ctr">
               <a:buNone/>
             </a:pPr>
             <a:r>
-              <a:rPr lang="zh-TW" altLang="en-US" sz="5400" dirty="0" smtClean="0"/>
+              <a:rPr lang="zh-TW" altLang="en-US" sz="5400" b="1" dirty="0" smtClean="0">
+                <a:latin typeface="Microsoft JhengHei" pitchFamily="34" charset="-120"/>
+                <a:ea typeface="Microsoft JhengHei" pitchFamily="34" charset="-120"/>
+              </a:rPr>
               <a:t>在</a:t>
             </a:r>
             <a:r>
-              <a:rPr lang="zh-TW" altLang="en-US" sz="5400" dirty="0"/>
+              <a:rPr lang="zh-TW" altLang="en-US" sz="5400" b="1" dirty="0">
+                <a:latin typeface="Microsoft JhengHei" pitchFamily="34" charset="-120"/>
+                <a:ea typeface="Microsoft JhengHei" pitchFamily="34" charset="-120"/>
+              </a:rPr>
               <a:t>你愛裡我要</a:t>
             </a:r>
             <a:r>
-              <a:rPr lang="zh-TW" altLang="en-US" sz="5400" dirty="0" smtClean="0"/>
+              <a:rPr lang="zh-TW" altLang="en-US" sz="5400" b="1" dirty="0" smtClean="0">
+                <a:latin typeface="Microsoft JhengHei" pitchFamily="34" charset="-120"/>
+                <a:ea typeface="Microsoft JhengHei" pitchFamily="34" charset="-120"/>
+              </a:rPr>
               <a:t>宣告</a:t>
             </a:r>
             <a:r>
-              <a:rPr lang="en-US" altLang="zh-TW" sz="5400" dirty="0" smtClean="0"/>
+              <a:rPr lang="en-US" altLang="zh-TW" sz="5400" b="1" dirty="0" smtClean="0">
+                <a:latin typeface="Microsoft JhengHei" pitchFamily="34" charset="-120"/>
+                <a:ea typeface="Microsoft JhengHei" pitchFamily="34" charset="-120"/>
+              </a:rPr>
               <a:t>  </a:t>
             </a:r>
             <a:r>
-              <a:rPr lang="zh-TW" altLang="en-US" sz="5400" dirty="0" smtClean="0"/>
+              <a:rPr lang="zh-TW" altLang="en-US" sz="5400" b="1" dirty="0" smtClean="0">
+                <a:latin typeface="Microsoft JhengHei" pitchFamily="34" charset="-120"/>
+                <a:ea typeface="Microsoft JhengHei" pitchFamily="34" charset="-120"/>
+              </a:rPr>
               <a:t>你</a:t>
             </a:r>
             <a:r>
-              <a:rPr lang="zh-TW" altLang="en-US" sz="5400" dirty="0"/>
+              <a:rPr lang="zh-TW" altLang="en-US" sz="5400" b="1" dirty="0">
+                <a:latin typeface="Microsoft JhengHei" pitchFamily="34" charset="-120"/>
+                <a:ea typeface="Microsoft JhengHei" pitchFamily="34" charset="-120"/>
+              </a:rPr>
               <a:t>是</a:t>
             </a:r>
             <a:r>
-              <a:rPr lang="zh-TW" altLang="en-US" sz="5400" dirty="0" smtClean="0"/>
+              <a:rPr lang="zh-TW" altLang="en-US" sz="5400" b="1" dirty="0" smtClean="0">
+                <a:latin typeface="Microsoft JhengHei" pitchFamily="34" charset="-120"/>
+                <a:ea typeface="Microsoft JhengHei" pitchFamily="34" charset="-120"/>
+              </a:rPr>
               <a:t>王</a:t>
             </a:r>
-            <a:endParaRPr lang="zh-TW" altLang="en-US" sz="5400" dirty="0"/>
+            <a:endParaRPr lang="zh-TW" altLang="en-US" sz="5400" b="1" dirty="0">
+              <a:latin typeface="Microsoft JhengHei" pitchFamily="34" charset="-120"/>
+              <a:ea typeface="Microsoft JhengHei" pitchFamily="34" charset="-120"/>
+            </a:endParaRPr>
           </a:p>
         </p:txBody>
       </p:sp>
@@ -3207,14 +3261,23 @@
           <a:lstStyle/>
           <a:p>
             <a:r>
-              <a:rPr lang="zh-TW" altLang="en-US" dirty="0"/>
+              <a:rPr lang="zh-TW" altLang="en-US" b="1" dirty="0">
+                <a:latin typeface="Microsoft JhengHei" pitchFamily="34" charset="-120"/>
+                <a:ea typeface="Microsoft JhengHei" pitchFamily="34" charset="-120"/>
+              </a:rPr>
               <a:t>靠著耶穌</a:t>
             </a:r>
             <a:r>
-              <a:rPr lang="zh-TW" altLang="en-US" dirty="0" smtClean="0"/>
+              <a:rPr lang="zh-TW" altLang="en-US" b="1" dirty="0">
+                <a:latin typeface="Microsoft JhengHei" pitchFamily="34" charset="-120"/>
+                <a:ea typeface="Microsoft JhengHei" pitchFamily="34" charset="-120"/>
+              </a:rPr>
               <a:t>得勝</a:t>
             </a:r>
-            <a:endParaRPr lang="zh-TW" altLang="en-US" dirty="0"/>
+            <a:endParaRPr lang="zh-TW" altLang="en-US" b="1" dirty="0">
+              <a:latin typeface="Microsoft JhengHei" pitchFamily="34" charset="-120"/>
+              <a:ea typeface="Microsoft JhengHei" pitchFamily="34" charset="-120"/>
+            </a:endParaRPr>
           </a:p>
         </p:txBody>
       </p:sp>
@@ -3239,50 +3302,83 @@
               <a:buNone/>
             </a:pPr>
             <a:r>
-              <a:rPr lang="zh-TW" altLang="en-US" sz="5400" dirty="0"/>
+              <a:rPr lang="zh-TW" altLang="en-US" sz="5400" b="1" dirty="0">
+                <a:latin typeface="Microsoft JhengHei" pitchFamily="34" charset="-120"/>
+                <a:ea typeface="Microsoft JhengHei" pitchFamily="34" charset="-120"/>
+              </a:rPr>
               <a:t>在你愛裡我要</a:t>
             </a:r>
             <a:r>
-              <a:rPr lang="zh-TW" altLang="en-US" sz="5400" dirty="0" smtClean="0"/>
+              <a:rPr lang="zh-TW" altLang="en-US" sz="5400" b="1" dirty="0">
+                <a:latin typeface="Microsoft JhengHei" pitchFamily="34" charset="-120"/>
+                <a:ea typeface="Microsoft JhengHei" pitchFamily="34" charset="-120"/>
+              </a:rPr>
               <a:t>宣告</a:t>
             </a:r>
-            <a:endParaRPr lang="zh-TW" altLang="en-US" sz="5400" dirty="0"/>
+            <a:endParaRPr lang="zh-TW" altLang="en-US" sz="5400" b="1" dirty="0">
+              <a:latin typeface="Microsoft JhengHei" pitchFamily="34" charset="-120"/>
+              <a:ea typeface="Microsoft JhengHei" pitchFamily="34" charset="-120"/>
+            </a:endParaRPr>
           </a:p>
           <a:p>
             <a:pPr algn="ctr">
               <a:buNone/>
             </a:pPr>
             <a:r>
-              <a:rPr lang="zh-TW" altLang="en-US" sz="5400" dirty="0" smtClean="0"/>
+              <a:rPr lang="zh-TW" altLang="en-US" sz="5400" b="1" dirty="0">
+                <a:latin typeface="Microsoft JhengHei" pitchFamily="34" charset="-120"/>
+                <a:ea typeface="Microsoft JhengHei" pitchFamily="34" charset="-120"/>
+              </a:rPr>
               <a:t>我</a:t>
             </a:r>
             <a:r>
-              <a:rPr lang="zh-TW" altLang="en-US" sz="5400" dirty="0"/>
+              <a:rPr lang="zh-TW" altLang="en-US" sz="5400" b="1" dirty="0">
+                <a:latin typeface="Microsoft JhengHei" pitchFamily="34" charset="-120"/>
+                <a:ea typeface="Microsoft JhengHei" pitchFamily="34" charset="-120"/>
+              </a:rPr>
               <a:t>不必罪中</a:t>
             </a:r>
             <a:r>
-              <a:rPr lang="zh-TW" altLang="en-US" sz="5400" dirty="0" smtClean="0"/>
+              <a:rPr lang="zh-TW" altLang="en-US" sz="5400" b="1" dirty="0">
+                <a:latin typeface="Microsoft JhengHei" pitchFamily="34" charset="-120"/>
+                <a:ea typeface="Microsoft JhengHei" pitchFamily="34" charset="-120"/>
+              </a:rPr>
               <a:t>打轉</a:t>
             </a:r>
-            <a:endParaRPr lang="en-US" altLang="zh-TW" sz="5400" dirty="0" smtClean="0"/>
+            <a:endParaRPr lang="en-US" altLang="zh-TW" sz="5400" b="1" dirty="0">
+              <a:latin typeface="Microsoft JhengHei" pitchFamily="34" charset="-120"/>
+              <a:ea typeface="Microsoft JhengHei" pitchFamily="34" charset="-120"/>
+            </a:endParaRPr>
           </a:p>
           <a:p>
             <a:pPr algn="ctr">
               <a:buNone/>
             </a:pPr>
             <a:r>
-              <a:rPr lang="zh-TW" altLang="en-US" sz="5400" dirty="0" smtClean="0"/>
+              <a:rPr lang="zh-TW" altLang="en-US" sz="5400" b="1" dirty="0">
+                <a:latin typeface="Microsoft JhengHei" pitchFamily="34" charset="-120"/>
+                <a:ea typeface="Microsoft JhengHei" pitchFamily="34" charset="-120"/>
+              </a:rPr>
               <a:t>是</a:t>
             </a:r>
             <a:r>
-              <a:rPr lang="zh-TW" altLang="en-US" sz="5400" dirty="0"/>
+              <a:rPr lang="zh-TW" altLang="en-US" sz="5400" b="1" dirty="0">
+                <a:latin typeface="Microsoft JhengHei" pitchFamily="34" charset="-120"/>
+                <a:ea typeface="Microsoft JhengHei" pitchFamily="34" charset="-120"/>
+              </a:rPr>
               <a:t>你帶領著我</a:t>
             </a:r>
             <a:r>
-              <a:rPr lang="zh-TW" altLang="en-US" sz="5400" dirty="0" smtClean="0"/>
+              <a:rPr lang="zh-TW" altLang="en-US" sz="5400" b="1" dirty="0">
+                <a:latin typeface="Microsoft JhengHei" pitchFamily="34" charset="-120"/>
+                <a:ea typeface="Microsoft JhengHei" pitchFamily="34" charset="-120"/>
+              </a:rPr>
               <a:t>得勝</a:t>
             </a:r>
-            <a:endParaRPr lang="zh-TW" altLang="en-US" sz="5400" dirty="0"/>
+            <a:endParaRPr lang="zh-TW" altLang="en-US" sz="5400" b="1" dirty="0">
+              <a:latin typeface="Microsoft JhengHei" pitchFamily="34" charset="-120"/>
+              <a:ea typeface="Microsoft JhengHei" pitchFamily="34" charset="-120"/>
+            </a:endParaRPr>
           </a:p>
         </p:txBody>
       </p:sp>
@@ -3329,14 +3425,23 @@
           <a:lstStyle/>
           <a:p>
             <a:r>
-              <a:rPr lang="zh-TW" altLang="en-US" dirty="0"/>
+              <a:rPr lang="zh-TW" altLang="en-US" b="1" dirty="0">
+                <a:latin typeface="Microsoft JhengHei" pitchFamily="34" charset="-120"/>
+                <a:ea typeface="Microsoft JhengHei" pitchFamily="34" charset="-120"/>
+              </a:rPr>
               <a:t>靠著耶穌</a:t>
             </a:r>
             <a:r>
-              <a:rPr lang="zh-TW" altLang="en-US" dirty="0" smtClean="0"/>
+              <a:rPr lang="zh-TW" altLang="en-US" b="1" dirty="0">
+                <a:latin typeface="Microsoft JhengHei" pitchFamily="34" charset="-120"/>
+                <a:ea typeface="Microsoft JhengHei" pitchFamily="34" charset="-120"/>
+              </a:rPr>
               <a:t>得勝</a:t>
             </a:r>
-            <a:endParaRPr lang="zh-TW" altLang="en-US" dirty="0"/>
+            <a:endParaRPr lang="zh-TW" altLang="en-US" b="1" dirty="0">
+              <a:latin typeface="Microsoft JhengHei" pitchFamily="34" charset="-120"/>
+              <a:ea typeface="Microsoft JhengHei" pitchFamily="34" charset="-120"/>
+            </a:endParaRPr>
           </a:p>
         </p:txBody>
       </p:sp>
@@ -3361,39 +3466,63 @@
               <a:buNone/>
             </a:pPr>
             <a:r>
-              <a:rPr lang="zh-TW" altLang="en-US" sz="5400" dirty="0"/>
+              <a:rPr lang="zh-TW" altLang="en-US" sz="5400" b="1" dirty="0">
+                <a:latin typeface="Microsoft JhengHei" pitchFamily="34" charset="-120"/>
+                <a:ea typeface="Microsoft JhengHei" pitchFamily="34" charset="-120"/>
+              </a:rPr>
               <a:t>靠著耶穌</a:t>
             </a:r>
             <a:r>
-              <a:rPr lang="zh-TW" altLang="en-US" sz="5400" dirty="0" smtClean="0"/>
+              <a:rPr lang="zh-TW" altLang="en-US" sz="5400" b="1" dirty="0">
+                <a:latin typeface="Microsoft JhengHei" pitchFamily="34" charset="-120"/>
+                <a:ea typeface="Microsoft JhengHei" pitchFamily="34" charset="-120"/>
+              </a:rPr>
               <a:t>得勝</a:t>
             </a:r>
-            <a:endParaRPr lang="en-US" altLang="zh-TW" sz="5400" dirty="0" smtClean="0"/>
+            <a:endParaRPr lang="en-US" altLang="zh-TW" sz="5400" b="1" dirty="0">
+              <a:latin typeface="Microsoft JhengHei" pitchFamily="34" charset="-120"/>
+              <a:ea typeface="Microsoft JhengHei" pitchFamily="34" charset="-120"/>
+            </a:endParaRPr>
           </a:p>
           <a:p>
             <a:pPr algn="ctr">
               <a:buNone/>
             </a:pPr>
             <a:r>
-              <a:rPr lang="zh-TW" altLang="en-US" sz="5400" dirty="0" smtClean="0"/>
+              <a:rPr lang="zh-TW" altLang="en-US" sz="5400" b="1" dirty="0">
+                <a:latin typeface="Microsoft JhengHei" pitchFamily="34" charset="-120"/>
+                <a:ea typeface="Microsoft JhengHei" pitchFamily="34" charset="-120"/>
+              </a:rPr>
               <a:t>靠著</a:t>
             </a:r>
             <a:r>
-              <a:rPr lang="zh-TW" altLang="en-US" sz="5400" dirty="0"/>
+              <a:rPr lang="zh-TW" altLang="en-US" sz="5400" b="1" dirty="0">
+                <a:latin typeface="Microsoft JhengHei" pitchFamily="34" charset="-120"/>
+                <a:ea typeface="Microsoft JhengHei" pitchFamily="34" charset="-120"/>
+              </a:rPr>
               <a:t>耶穌</a:t>
             </a:r>
             <a:r>
-              <a:rPr lang="zh-TW" altLang="en-US" sz="5400" dirty="0" smtClean="0"/>
+              <a:rPr lang="zh-TW" altLang="en-US" sz="5400" b="1" dirty="0">
+                <a:latin typeface="Microsoft JhengHei" pitchFamily="34" charset="-120"/>
+                <a:ea typeface="Microsoft JhengHei" pitchFamily="34" charset="-120"/>
+              </a:rPr>
               <a:t>得勝</a:t>
             </a:r>
-            <a:endParaRPr lang="zh-TW" altLang="en-US" sz="5400" dirty="0"/>
+            <a:endParaRPr lang="zh-TW" altLang="en-US" sz="5400" b="1" dirty="0">
+              <a:latin typeface="Microsoft JhengHei" pitchFamily="34" charset="-120"/>
+              <a:ea typeface="Microsoft JhengHei" pitchFamily="34" charset="-120"/>
+            </a:endParaRPr>
           </a:p>
           <a:p>
             <a:pPr algn="ctr">
               <a:buNone/>
             </a:pPr>
             <a:r>
-              <a:rPr lang="zh-TW" altLang="en-US" sz="5400" dirty="0"/>
+              <a:rPr lang="zh-TW" altLang="en-US" sz="5400" b="1" dirty="0">
+                <a:latin typeface="Microsoft JhengHei" pitchFamily="34" charset="-120"/>
+                <a:ea typeface="Microsoft JhengHei" pitchFamily="34" charset="-120"/>
+              </a:rPr>
               <a:t>終此生要靠著主愛去得勝</a:t>
             </a:r>
           </a:p>
@@ -3442,103 +3571,146 @@
           <a:lstStyle/>
           <a:p>
             <a:r>
-              <a:rPr lang="zh-TW" altLang="en-US" dirty="0"/>
+              <a:rPr lang="zh-TW" altLang="en-US" b="1" dirty="0">
+                <a:latin typeface="Microsoft JhengHei" pitchFamily="34" charset="-120"/>
+                <a:ea typeface="Microsoft JhengHei" pitchFamily="34" charset="-120"/>
+              </a:rPr>
+              <a:t>靠著耶穌得勝</a:t>
+            </a:r>
+          </a:p>
+        </p:txBody>
+      </p:sp>
+      <p:sp>
+        <p:nvSpPr>
+          <p:cNvPr id="5" name="內容版面配置區 4"/>
+          <p:cNvSpPr>
+            <a:spLocks noGrp="1"/>
+          </p:cNvSpPr>
+          <p:nvPr>
+            <p:ph idx="1"/>
+          </p:nvPr>
+        </p:nvSpPr>
+        <p:spPr/>
+        <p:txBody>
+          <a:bodyPr>
+            <a:noAutofit/>
+          </a:bodyPr>
+          <a:lstStyle/>
+          <a:p>
+            <a:pPr algn="ctr">
+              <a:buNone/>
+            </a:pPr>
+            <a:r>
+              <a:rPr lang="zh-TW" altLang="en-US" sz="5400" b="1" dirty="0">
+                <a:latin typeface="Microsoft JhengHei" pitchFamily="34" charset="-120"/>
+                <a:ea typeface="Microsoft JhengHei" pitchFamily="34" charset="-120"/>
+              </a:rPr>
               <a:t>靠著耶穌</a:t>
             </a:r>
             <a:r>
-              <a:rPr lang="zh-TW" altLang="en-US" dirty="0" smtClean="0"/>
+              <a:rPr lang="zh-TW" altLang="en-US" sz="5400" b="1" dirty="0">
+                <a:latin typeface="Microsoft JhengHei" pitchFamily="34" charset="-120"/>
+                <a:ea typeface="Microsoft JhengHei" pitchFamily="34" charset="-120"/>
+              </a:rPr>
               <a:t>得勝</a:t>
             </a:r>
-            <a:endParaRPr lang="zh-TW" altLang="en-US" dirty="0"/>
-          </a:p>
-        </p:txBody>
-      </p:sp>
-      <p:sp>
-        <p:nvSpPr>
-          <p:cNvPr id="5" name="內容版面配置區 4"/>
-          <p:cNvSpPr>
-            <a:spLocks noGrp="1"/>
-          </p:cNvSpPr>
-          <p:nvPr>
-            <p:ph idx="1"/>
-          </p:nvPr>
-        </p:nvSpPr>
-        <p:spPr/>
-        <p:txBody>
-          <a:bodyPr>
-            <a:normAutofit lnSpcReduction="10000"/>
-          </a:bodyPr>
-          <a:lstStyle/>
+            <a:endParaRPr lang="en-US" altLang="zh-TW" sz="5400" b="1" dirty="0">
+              <a:latin typeface="Microsoft JhengHei" pitchFamily="34" charset="-120"/>
+              <a:ea typeface="Microsoft JhengHei" pitchFamily="34" charset="-120"/>
+            </a:endParaRPr>
+          </a:p>
           <a:p>
             <a:pPr algn="ctr">
               <a:buNone/>
             </a:pPr>
             <a:r>
-              <a:rPr lang="zh-TW" altLang="en-US" sz="5400" dirty="0"/>
-              <a:t>靠著耶穌</a:t>
-            </a:r>
-            <a:r>
-              <a:rPr lang="zh-TW" altLang="en-US" sz="5400" dirty="0" smtClean="0"/>
+              <a:rPr lang="zh-TW" altLang="en-US" sz="5400" b="1" dirty="0">
+                <a:latin typeface="Microsoft JhengHei" pitchFamily="34" charset="-120"/>
+                <a:ea typeface="Microsoft JhengHei" pitchFamily="34" charset="-120"/>
+              </a:rPr>
+              <a:t>靠著</a:t>
+            </a:r>
+            <a:r>
+              <a:rPr lang="zh-TW" altLang="en-US" sz="5400" b="1" dirty="0">
+                <a:latin typeface="Microsoft JhengHei" pitchFamily="34" charset="-120"/>
+                <a:ea typeface="Microsoft JhengHei" pitchFamily="34" charset="-120"/>
+              </a:rPr>
+              <a:t>耶穌</a:t>
+            </a:r>
+            <a:r>
+              <a:rPr lang="zh-TW" altLang="en-US" sz="5400" b="1" dirty="0">
+                <a:latin typeface="Microsoft JhengHei" pitchFamily="34" charset="-120"/>
+                <a:ea typeface="Microsoft JhengHei" pitchFamily="34" charset="-120"/>
+              </a:rPr>
               <a:t>得勝</a:t>
             </a:r>
-            <a:endParaRPr lang="en-US" altLang="zh-TW" sz="5400" dirty="0" smtClean="0"/>
+            <a:endParaRPr lang="zh-TW" altLang="en-US" sz="5400" b="1" dirty="0">
+              <a:latin typeface="Microsoft JhengHei" pitchFamily="34" charset="-120"/>
+              <a:ea typeface="Microsoft JhengHei" pitchFamily="34" charset="-120"/>
+            </a:endParaRPr>
           </a:p>
           <a:p>
             <a:pPr algn="ctr">
               <a:buNone/>
             </a:pPr>
             <a:r>
-              <a:rPr lang="zh-TW" altLang="en-US" sz="5400" dirty="0" smtClean="0"/>
-              <a:t>靠著</a:t>
-            </a:r>
-            <a:r>
-              <a:rPr lang="zh-TW" altLang="en-US" sz="5400" dirty="0"/>
-              <a:t>耶穌</a:t>
-            </a:r>
-            <a:r>
-              <a:rPr lang="zh-TW" altLang="en-US" sz="5400" dirty="0" smtClean="0"/>
-              <a:t>得勝</a:t>
-            </a:r>
-            <a:endParaRPr lang="zh-TW" altLang="en-US" sz="5400" dirty="0"/>
+              <a:rPr lang="zh-TW" altLang="en-US" sz="5400" b="1" dirty="0">
+                <a:latin typeface="Microsoft JhengHei" pitchFamily="34" charset="-120"/>
+                <a:ea typeface="Microsoft JhengHei" pitchFamily="34" charset="-120"/>
+              </a:rPr>
+              <a:t>不必驚怕</a:t>
+            </a:r>
+            <a:r>
+              <a:rPr lang="zh-TW" altLang="en-US" sz="5400" b="1" dirty="0">
+                <a:latin typeface="Microsoft JhengHei" pitchFamily="34" charset="-120"/>
+                <a:ea typeface="Microsoft JhengHei" pitchFamily="34" charset="-120"/>
+              </a:rPr>
+              <a:t>挫敗</a:t>
+            </a:r>
+            <a:endParaRPr lang="en-US" altLang="zh-TW" sz="5400" b="1" dirty="0">
+              <a:latin typeface="Microsoft JhengHei" pitchFamily="34" charset="-120"/>
+              <a:ea typeface="Microsoft JhengHei" pitchFamily="34" charset="-120"/>
+            </a:endParaRPr>
           </a:p>
           <a:p>
             <a:pPr algn="ctr">
               <a:buNone/>
             </a:pPr>
             <a:r>
-              <a:rPr lang="zh-TW" altLang="en-US" sz="5400" dirty="0"/>
-              <a:t>不必驚怕</a:t>
-            </a:r>
-            <a:r>
-              <a:rPr lang="zh-TW" altLang="en-US" sz="5400" dirty="0" smtClean="0"/>
-              <a:t>挫敗</a:t>
-            </a:r>
-            <a:endParaRPr lang="en-US" altLang="zh-TW" sz="5400" dirty="0" smtClean="0"/>
+              <a:rPr lang="zh-TW" altLang="en-US" sz="5400" b="1" dirty="0">
+                <a:latin typeface="Microsoft JhengHei" pitchFamily="34" charset="-120"/>
+                <a:ea typeface="Microsoft JhengHei" pitchFamily="34" charset="-120"/>
+              </a:rPr>
+              <a:t>確知</a:t>
+            </a:r>
+            <a:r>
+              <a:rPr lang="zh-TW" altLang="en-US" sz="5400" b="1" dirty="0">
+                <a:latin typeface="Microsoft JhengHei" pitchFamily="34" charset="-120"/>
+                <a:ea typeface="Microsoft JhengHei" pitchFamily="34" charset="-120"/>
+              </a:rPr>
+              <a:t>主恩更</a:t>
+            </a:r>
+            <a:r>
+              <a:rPr lang="zh-TW" altLang="en-US" sz="5400" b="1" dirty="0">
+                <a:latin typeface="Microsoft JhengHei" pitchFamily="34" charset="-120"/>
+                <a:ea typeface="Microsoft JhengHei" pitchFamily="34" charset="-120"/>
+              </a:rPr>
+              <a:t>廣闊</a:t>
+            </a:r>
+            <a:endParaRPr lang="zh-TW" altLang="en-US" sz="5400" b="1" dirty="0">
+              <a:latin typeface="Microsoft JhengHei" pitchFamily="34" charset="-120"/>
+              <a:ea typeface="Microsoft JhengHei" pitchFamily="34" charset="-120"/>
+            </a:endParaRPr>
           </a:p>
           <a:p>
             <a:pPr algn="ctr">
               <a:buNone/>
             </a:pPr>
             <a:r>
-              <a:rPr lang="zh-TW" altLang="en-US" sz="5400" dirty="0" smtClean="0"/>
-              <a:t>確知</a:t>
-            </a:r>
-            <a:r>
-              <a:rPr lang="zh-TW" altLang="en-US" sz="5400" dirty="0"/>
-              <a:t>主恩更</a:t>
-            </a:r>
-            <a:r>
-              <a:rPr lang="zh-TW" altLang="en-US" sz="5400" dirty="0" smtClean="0"/>
-              <a:t>廣闊</a:t>
-            </a:r>
-            <a:endParaRPr lang="zh-TW" altLang="en-US" sz="5400" dirty="0"/>
-          </a:p>
-          <a:p>
-            <a:pPr algn="ctr">
-              <a:buNone/>
-            </a:pPr>
-            <a:r>
-              <a:rPr lang="zh-TW" altLang="en-US" sz="5400" dirty="0"/>
+              <a:rPr lang="zh-TW" altLang="en-US" sz="5400" b="1" dirty="0">
+                <a:latin typeface="Microsoft JhengHei" pitchFamily="34" charset="-120"/>
+                <a:ea typeface="Microsoft JhengHei" pitchFamily="34" charset="-120"/>
+              </a:rPr>
               <a:t>是你帶領著我得勝</a:t>
             </a:r>
           </a:p>
@@ -4089,7 +4261,7 @@
 </file>
 
 <file path=ppt/theme/theme1.xml><?xml version="1.0" encoding="utf-8"?>
-<a:theme xmlns:a="http://schemas.openxmlformats.org/drawingml/2006/main" name="佈景主題12">
+<a:theme xmlns:a="http://schemas.openxmlformats.org/drawingml/2006/main" name="Church Theme">
   <a:themeElements>
     <a:clrScheme name="Office">
       <a:dk1>
@@ -4368,10 +4540,5 @@
   </a:themeElements>
   <a:objectDefaults/>
   <a:extraClrSchemeLst/>
-  <a:extLst>
-    <a:ext uri="{05A4C25C-085E-4340-85A3-A5531E510DB2}">
-      <thm15:themeFamily xmlns:thm15="http://schemas.microsoft.com/office/thememl/2012/main" xmlns="" name="佈景主題12" id="{5437CD39-82ED-47E8-AB85-0936B789E81E}" vid="{DE8B7F65-E196-435A-9E11-7210213D831A}"/>
-    </a:ext>
-  </a:extLst>
 </a:theme>
 </file>
--- a/靠著耶穌得勝.pptx
+++ b/靠著耶穌得勝.pptx
@@ -9,12 +9,8 @@
     <p:sldId id="257" r:id="rId3"/>
     <p:sldId id="258" r:id="rId4"/>
     <p:sldId id="259" r:id="rId5"/>
-    <p:sldId id="260" r:id="rId6"/>
-    <p:sldId id="261" r:id="rId7"/>
-    <p:sldId id="262" r:id="rId8"/>
-    <p:sldId id="263" r:id="rId9"/>
   </p:sldIdLst>
-  <p:sldSz cx="9144000" cy="6858000" type="screen4x3"/>
+  <p:sldSz cx="9144000" cy="5143500" type="screen16x9"/>
   <p:notesSz cx="6858000" cy="9144000"/>
   <p:defaultTextStyle>
     <a:defPPr>
@@ -143,8 +139,8 @@
         </p:nvSpPr>
         <p:spPr>
           <a:xfrm>
-            <a:off x="685800" y="2130425"/>
-            <a:ext cx="7772400" cy="1470025"/>
+            <a:off x="685800" y="1597819"/>
+            <a:ext cx="7772400" cy="1102519"/>
           </a:xfrm>
         </p:spPr>
         <p:txBody>
@@ -171,8 +167,8 @@
         </p:nvSpPr>
         <p:spPr>
           <a:xfrm>
-            <a:off x="1371600" y="3886200"/>
-            <a:ext cx="6400800" cy="1752600"/>
+            <a:off x="1371600" y="2914650"/>
+            <a:ext cx="6400800" cy="1314450"/>
           </a:xfrm>
         </p:spPr>
         <p:txBody>
@@ -295,7 +291,7 @@
           <a:p>
             <a:fld id="{90650502-3618-4BDE-8B7B-6341F82301FD}" type="datetimeFigureOut">
               <a:rPr lang="zh-TW" altLang="en-US" smtClean="0"/>
-              <a:t>2019/5/25</a:t>
+              <a:t>2019/9/13</a:t>
             </a:fld>
             <a:endParaRPr lang="zh-TW" altLang="en-US"/>
           </a:p>
@@ -460,7 +456,7 @@
           <a:p>
             <a:fld id="{90650502-3618-4BDE-8B7B-6341F82301FD}" type="datetimeFigureOut">
               <a:rPr lang="zh-TW" altLang="en-US" smtClean="0"/>
-              <a:t>2019/5/25</a:t>
+              <a:t>2019/9/13</a:t>
             </a:fld>
             <a:endParaRPr lang="zh-TW" altLang="en-US"/>
           </a:p>
@@ -545,8 +541,8 @@
         </p:nvSpPr>
         <p:spPr>
           <a:xfrm>
-            <a:off x="6629400" y="274638"/>
-            <a:ext cx="2057400" cy="5851525"/>
+            <a:off x="6629400" y="205979"/>
+            <a:ext cx="2057400" cy="4388644"/>
           </a:xfrm>
         </p:spPr>
         <p:txBody>
@@ -573,8 +569,8 @@
         </p:nvSpPr>
         <p:spPr>
           <a:xfrm>
-            <a:off x="457200" y="274638"/>
-            <a:ext cx="6019800" cy="5851525"/>
+            <a:off x="457200" y="205979"/>
+            <a:ext cx="6019800" cy="4388644"/>
           </a:xfrm>
         </p:spPr>
         <p:txBody>
@@ -635,7 +631,7 @@
           <a:p>
             <a:fld id="{90650502-3618-4BDE-8B7B-6341F82301FD}" type="datetimeFigureOut">
               <a:rPr lang="zh-TW" altLang="en-US" smtClean="0"/>
-              <a:t>2019/5/25</a:t>
+              <a:t>2019/9/13</a:t>
             </a:fld>
             <a:endParaRPr lang="zh-TW" altLang="en-US"/>
           </a:p>
@@ -800,7 +796,7 @@
           <a:p>
             <a:fld id="{90650502-3618-4BDE-8B7B-6341F82301FD}" type="datetimeFigureOut">
               <a:rPr lang="zh-TW" altLang="en-US" smtClean="0"/>
-              <a:t>2019/5/25</a:t>
+              <a:t>2019/9/13</a:t>
             </a:fld>
             <a:endParaRPr lang="zh-TW" altLang="en-US"/>
           </a:p>
@@ -885,8 +881,8 @@
         </p:nvSpPr>
         <p:spPr>
           <a:xfrm>
-            <a:off x="722313" y="4406900"/>
-            <a:ext cx="7772400" cy="1362075"/>
+            <a:off x="722313" y="3305176"/>
+            <a:ext cx="7772400" cy="1021556"/>
           </a:xfrm>
         </p:spPr>
         <p:txBody>
@@ -917,8 +913,8 @@
         </p:nvSpPr>
         <p:spPr>
           <a:xfrm>
-            <a:off x="722313" y="2906713"/>
-            <a:ext cx="7772400" cy="1500187"/>
+            <a:off x="722313" y="2180035"/>
+            <a:ext cx="7772400" cy="1125140"/>
           </a:xfrm>
         </p:spPr>
         <p:txBody>
@@ -1041,7 +1037,7 @@
           <a:p>
             <a:fld id="{90650502-3618-4BDE-8B7B-6341F82301FD}" type="datetimeFigureOut">
               <a:rPr lang="zh-TW" altLang="en-US" smtClean="0"/>
-              <a:t>2019/5/25</a:t>
+              <a:t>2019/9/13</a:t>
             </a:fld>
             <a:endParaRPr lang="zh-TW" altLang="en-US"/>
           </a:p>
@@ -1149,8 +1145,8 @@
         </p:nvSpPr>
         <p:spPr>
           <a:xfrm>
-            <a:off x="457200" y="1600200"/>
-            <a:ext cx="4038600" cy="4525963"/>
+            <a:off x="457200" y="1200151"/>
+            <a:ext cx="4038600" cy="3394472"/>
           </a:xfrm>
         </p:spPr>
         <p:txBody>
@@ -1234,8 +1230,8 @@
         </p:nvSpPr>
         <p:spPr>
           <a:xfrm>
-            <a:off x="4648200" y="1600200"/>
-            <a:ext cx="4038600" cy="4525963"/>
+            <a:off x="4648200" y="1200151"/>
+            <a:ext cx="4038600" cy="3394472"/>
           </a:xfrm>
         </p:spPr>
         <p:txBody>
@@ -1324,7 +1320,7 @@
           <a:p>
             <a:fld id="{90650502-3618-4BDE-8B7B-6341F82301FD}" type="datetimeFigureOut">
               <a:rPr lang="zh-TW" altLang="en-US" smtClean="0"/>
-              <a:t>2019/5/25</a:t>
+              <a:t>2019/9/13</a:t>
             </a:fld>
             <a:endParaRPr lang="zh-TW" altLang="en-US"/>
           </a:p>
@@ -1436,8 +1432,8 @@
         </p:nvSpPr>
         <p:spPr>
           <a:xfrm>
-            <a:off x="457200" y="1535113"/>
-            <a:ext cx="4040188" cy="639762"/>
+            <a:off x="457200" y="1151335"/>
+            <a:ext cx="4040188" cy="479822"/>
           </a:xfrm>
         </p:spPr>
         <p:txBody>
@@ -1501,8 +1497,8 @@
         </p:nvSpPr>
         <p:spPr>
           <a:xfrm>
-            <a:off x="457200" y="2174875"/>
-            <a:ext cx="4040188" cy="3951288"/>
+            <a:off x="457200" y="1631156"/>
+            <a:ext cx="4040188" cy="2963466"/>
           </a:xfrm>
         </p:spPr>
         <p:txBody>
@@ -1586,8 +1582,8 @@
         </p:nvSpPr>
         <p:spPr>
           <a:xfrm>
-            <a:off x="4645025" y="1535113"/>
-            <a:ext cx="4041775" cy="639762"/>
+            <a:off x="4645026" y="1151335"/>
+            <a:ext cx="4041775" cy="479822"/>
           </a:xfrm>
         </p:spPr>
         <p:txBody>
@@ -1651,8 +1647,8 @@
         </p:nvSpPr>
         <p:spPr>
           <a:xfrm>
-            <a:off x="4645025" y="2174875"/>
-            <a:ext cx="4041775" cy="3951288"/>
+            <a:off x="4645026" y="1631156"/>
+            <a:ext cx="4041775" cy="2963466"/>
           </a:xfrm>
         </p:spPr>
         <p:txBody>
@@ -1741,7 +1737,7 @@
           <a:p>
             <a:fld id="{90650502-3618-4BDE-8B7B-6341F82301FD}" type="datetimeFigureOut">
               <a:rPr lang="zh-TW" altLang="en-US" smtClean="0"/>
-              <a:t>2019/5/25</a:t>
+              <a:t>2019/9/13</a:t>
             </a:fld>
             <a:endParaRPr lang="zh-TW" altLang="en-US"/>
           </a:p>
@@ -1854,7 +1850,7 @@
           <a:p>
             <a:fld id="{90650502-3618-4BDE-8B7B-6341F82301FD}" type="datetimeFigureOut">
               <a:rPr lang="zh-TW" altLang="en-US" smtClean="0"/>
-              <a:t>2019/5/25</a:t>
+              <a:t>2019/9/13</a:t>
             </a:fld>
             <a:endParaRPr lang="zh-TW" altLang="en-US"/>
           </a:p>
@@ -1944,7 +1940,7 @@
           <a:p>
             <a:fld id="{90650502-3618-4BDE-8B7B-6341F82301FD}" type="datetimeFigureOut">
               <a:rPr lang="zh-TW" altLang="en-US" smtClean="0"/>
-              <a:t>2019/5/25</a:t>
+              <a:t>2019/9/13</a:t>
             </a:fld>
             <a:endParaRPr lang="zh-TW" altLang="en-US"/>
           </a:p>
@@ -2029,8 +2025,8 @@
         </p:nvSpPr>
         <p:spPr>
           <a:xfrm>
-            <a:off x="457200" y="273050"/>
-            <a:ext cx="3008313" cy="1162050"/>
+            <a:off x="457201" y="204787"/>
+            <a:ext cx="3008313" cy="871538"/>
           </a:xfrm>
         </p:spPr>
         <p:txBody>
@@ -2061,8 +2057,8 @@
         </p:nvSpPr>
         <p:spPr>
           <a:xfrm>
-            <a:off x="3575050" y="273050"/>
-            <a:ext cx="5111750" cy="5853113"/>
+            <a:off x="3575050" y="204788"/>
+            <a:ext cx="5111750" cy="4389835"/>
           </a:xfrm>
         </p:spPr>
         <p:txBody>
@@ -2146,8 +2142,8 @@
         </p:nvSpPr>
         <p:spPr>
           <a:xfrm>
-            <a:off x="457200" y="1435100"/>
-            <a:ext cx="3008313" cy="4691063"/>
+            <a:off x="457201" y="1076326"/>
+            <a:ext cx="3008313" cy="3518297"/>
           </a:xfrm>
         </p:spPr>
         <p:txBody>
@@ -2216,7 +2212,7 @@
           <a:p>
             <a:fld id="{90650502-3618-4BDE-8B7B-6341F82301FD}" type="datetimeFigureOut">
               <a:rPr lang="zh-TW" altLang="en-US" smtClean="0"/>
-              <a:t>2019/5/25</a:t>
+              <a:t>2019/9/13</a:t>
             </a:fld>
             <a:endParaRPr lang="zh-TW" altLang="en-US"/>
           </a:p>
@@ -2301,8 +2297,8 @@
         </p:nvSpPr>
         <p:spPr>
           <a:xfrm>
-            <a:off x="1792288" y="4800600"/>
-            <a:ext cx="5486400" cy="566738"/>
+            <a:off x="1792288" y="3600450"/>
+            <a:ext cx="5486400" cy="425054"/>
           </a:xfrm>
         </p:spPr>
         <p:txBody>
@@ -2333,8 +2329,8 @@
         </p:nvSpPr>
         <p:spPr>
           <a:xfrm>
-            <a:off x="1792288" y="612775"/>
-            <a:ext cx="5486400" cy="4114800"/>
+            <a:off x="1792288" y="459581"/>
+            <a:ext cx="5486400" cy="3086100"/>
           </a:xfrm>
         </p:spPr>
         <p:txBody>
@@ -2398,8 +2394,8 @@
         </p:nvSpPr>
         <p:spPr>
           <a:xfrm>
-            <a:off x="1792288" y="5367338"/>
-            <a:ext cx="5486400" cy="804862"/>
+            <a:off x="1792288" y="4025503"/>
+            <a:ext cx="5486400" cy="603647"/>
           </a:xfrm>
         </p:spPr>
         <p:txBody>
@@ -2468,7 +2464,7 @@
           <a:p>
             <a:fld id="{90650502-3618-4BDE-8B7B-6341F82301FD}" type="datetimeFigureOut">
               <a:rPr lang="zh-TW" altLang="en-US" smtClean="0"/>
-              <a:t>2019/5/25</a:t>
+              <a:t>2019/9/13</a:t>
             </a:fld>
             <a:endParaRPr lang="zh-TW" altLang="en-US"/>
           </a:p>
@@ -2563,8 +2559,8 @@
         </p:nvSpPr>
         <p:spPr>
           <a:xfrm>
-            <a:off x="457200" y="274638"/>
-            <a:ext cx="8229600" cy="1143000"/>
+            <a:off x="457200" y="205979"/>
+            <a:ext cx="8229600" cy="857250"/>
           </a:xfrm>
           <a:prstGeom prst="rect">
             <a:avLst/>
@@ -2596,8 +2592,8 @@
         </p:nvSpPr>
         <p:spPr>
           <a:xfrm>
-            <a:off x="457200" y="1600200"/>
-            <a:ext cx="8229600" cy="4525963"/>
+            <a:off x="457200" y="1200151"/>
+            <a:ext cx="8229600" cy="3394472"/>
           </a:xfrm>
           <a:prstGeom prst="rect">
             <a:avLst/>
@@ -2658,8 +2654,8 @@
         </p:nvSpPr>
         <p:spPr>
           <a:xfrm>
-            <a:off x="457200" y="6356350"/>
-            <a:ext cx="2133600" cy="365125"/>
+            <a:off x="457200" y="4767263"/>
+            <a:ext cx="2133600" cy="273844"/>
           </a:xfrm>
           <a:prstGeom prst="rect">
             <a:avLst/>
@@ -2681,7 +2677,7 @@
           <a:p>
             <a:fld id="{90650502-3618-4BDE-8B7B-6341F82301FD}" type="datetimeFigureOut">
               <a:rPr lang="zh-TW" altLang="en-US" smtClean="0"/>
-              <a:t>2019/5/25</a:t>
+              <a:t>2019/9/13</a:t>
             </a:fld>
             <a:endParaRPr lang="zh-TW" altLang="en-US"/>
           </a:p>
@@ -2699,8 +2695,8 @@
         </p:nvSpPr>
         <p:spPr>
           <a:xfrm>
-            <a:off x="3124200" y="6356350"/>
-            <a:ext cx="2895600" cy="365125"/>
+            <a:off x="3124200" y="4767263"/>
+            <a:ext cx="2895600" cy="273844"/>
           </a:xfrm>
           <a:prstGeom prst="rect">
             <a:avLst/>
@@ -2736,8 +2732,8 @@
         </p:nvSpPr>
         <p:spPr>
           <a:xfrm>
-            <a:off x="6553200" y="6356350"/>
-            <a:ext cx="2133600" cy="365125"/>
+            <a:off x="6553200" y="4767263"/>
+            <a:ext cx="2133600" cy="273844"/>
           </a:xfrm>
           <a:prstGeom prst="rect">
             <a:avLst/>
@@ -3069,20 +3065,20 @@
           <a:lstStyle/>
           <a:p>
             <a:r>
-              <a:rPr lang="zh-TW" altLang="en-US" b="1" dirty="0">
+              <a:rPr lang="zh-TW" altLang="en-US" sz="4000" b="1" dirty="0">
                 <a:latin typeface="Microsoft JhengHei" pitchFamily="34" charset="-120"/>
                 <a:ea typeface="Microsoft JhengHei" pitchFamily="34" charset="-120"/>
               </a:rPr>
               <a:t>靠著耶穌</a:t>
             </a:r>
             <a:r>
-              <a:rPr lang="zh-TW" altLang="en-US" b="1" dirty="0" smtClean="0">
+              <a:rPr lang="zh-TW" altLang="en-US" sz="4000" b="1" dirty="0" smtClean="0">
                 <a:latin typeface="Microsoft JhengHei" pitchFamily="34" charset="-120"/>
                 <a:ea typeface="Microsoft JhengHei" pitchFamily="34" charset="-120"/>
               </a:rPr>
               <a:t>得勝</a:t>
             </a:r>
-            <a:endParaRPr lang="zh-TW" altLang="en-US" b="1" dirty="0">
+            <a:endParaRPr lang="zh-TW" altLang="en-US" sz="4000" b="1" dirty="0">
               <a:latin typeface="Microsoft JhengHei" pitchFamily="34" charset="-120"/>
               <a:ea typeface="Microsoft JhengHei" pitchFamily="34" charset="-120"/>
             </a:endParaRPr>
@@ -3110,20 +3106,20 @@
               <a:buNone/>
             </a:pPr>
             <a:r>
-              <a:rPr lang="zh-TW" altLang="en-US" sz="5400" b="1" dirty="0">
+              <a:rPr lang="zh-TW" altLang="en-US" sz="4800" b="1" dirty="0">
                 <a:latin typeface="Microsoft JhengHei" pitchFamily="34" charset="-120"/>
                 <a:ea typeface="Microsoft JhengHei" pitchFamily="34" charset="-120"/>
               </a:rPr>
               <a:t>在你愛裡我要</a:t>
             </a:r>
             <a:r>
-              <a:rPr lang="zh-TW" altLang="en-US" sz="5400" b="1" dirty="0" smtClean="0">
+              <a:rPr lang="zh-TW" altLang="en-US" sz="4800" b="1" dirty="0" smtClean="0">
                 <a:latin typeface="Microsoft JhengHei" pitchFamily="34" charset="-120"/>
                 <a:ea typeface="Microsoft JhengHei" pitchFamily="34" charset="-120"/>
               </a:rPr>
               <a:t>宣告</a:t>
             </a:r>
-            <a:endParaRPr lang="en-US" altLang="zh-TW" sz="5400" b="1" dirty="0" smtClean="0">
+            <a:endParaRPr lang="en-US" altLang="zh-TW" sz="4800" b="1" dirty="0" smtClean="0">
               <a:latin typeface="Microsoft JhengHei" pitchFamily="34" charset="-120"/>
               <a:ea typeface="Microsoft JhengHei" pitchFamily="34" charset="-120"/>
             </a:endParaRPr>
@@ -3133,27 +3129,27 @@
               <a:buNone/>
             </a:pPr>
             <a:r>
-              <a:rPr lang="zh-TW" altLang="en-US" sz="5400" b="1" dirty="0" smtClean="0">
+              <a:rPr lang="zh-TW" altLang="en-US" sz="4800" b="1" dirty="0" smtClean="0">
                 <a:latin typeface="Microsoft JhengHei" pitchFamily="34" charset="-120"/>
                 <a:ea typeface="Microsoft JhengHei" pitchFamily="34" charset="-120"/>
               </a:rPr>
               <a:t>軟弱</a:t>
             </a:r>
             <a:r>
-              <a:rPr lang="zh-TW" altLang="en-US" sz="5400" b="1" dirty="0">
+              <a:rPr lang="zh-TW" altLang="en-US" sz="4800" b="1" dirty="0">
                 <a:latin typeface="Microsoft JhengHei" pitchFamily="34" charset="-120"/>
                 <a:ea typeface="Microsoft JhengHei" pitchFamily="34" charset="-120"/>
               </a:rPr>
               <a:t>己得</a:t>
             </a:r>
             <a:r>
-              <a:rPr lang="zh-TW" altLang="en-US" sz="5400" b="1" dirty="0" smtClean="0">
+              <a:rPr lang="zh-TW" altLang="en-US" sz="4800" b="1" dirty="0" smtClean="0">
                 <a:latin typeface="Microsoft JhengHei" pitchFamily="34" charset="-120"/>
                 <a:ea typeface="Microsoft JhengHei" pitchFamily="34" charset="-120"/>
               </a:rPr>
               <a:t>改變</a:t>
             </a:r>
-            <a:endParaRPr lang="en-US" altLang="zh-TW" sz="5400" b="1" dirty="0">
+            <a:endParaRPr lang="en-US" altLang="zh-TW" sz="4800" b="1" dirty="0">
               <a:latin typeface="Microsoft JhengHei" pitchFamily="34" charset="-120"/>
               <a:ea typeface="Microsoft JhengHei" pitchFamily="34" charset="-120"/>
             </a:endParaRPr>
@@ -3163,55 +3159,55 @@
               <a:buNone/>
             </a:pPr>
             <a:r>
-              <a:rPr lang="zh-TW" altLang="en-US" sz="5400" b="1" dirty="0" smtClean="0">
+              <a:rPr lang="zh-TW" altLang="en-US" sz="4800" b="1" dirty="0" smtClean="0">
                 <a:latin typeface="Microsoft JhengHei" pitchFamily="34" charset="-120"/>
                 <a:ea typeface="Microsoft JhengHei" pitchFamily="34" charset="-120"/>
               </a:rPr>
               <a:t>在</a:t>
             </a:r>
             <a:r>
-              <a:rPr lang="zh-TW" altLang="en-US" sz="5400" b="1" dirty="0">
+              <a:rPr lang="zh-TW" altLang="en-US" sz="4800" b="1" dirty="0">
                 <a:latin typeface="Microsoft JhengHei" pitchFamily="34" charset="-120"/>
                 <a:ea typeface="Microsoft JhengHei" pitchFamily="34" charset="-120"/>
               </a:rPr>
               <a:t>你愛裡我要</a:t>
             </a:r>
             <a:r>
-              <a:rPr lang="zh-TW" altLang="en-US" sz="5400" b="1" dirty="0" smtClean="0">
+              <a:rPr lang="zh-TW" altLang="en-US" sz="4800" b="1" dirty="0" smtClean="0">
                 <a:latin typeface="Microsoft JhengHei" pitchFamily="34" charset="-120"/>
                 <a:ea typeface="Microsoft JhengHei" pitchFamily="34" charset="-120"/>
               </a:rPr>
               <a:t>宣告</a:t>
             </a:r>
             <a:r>
-              <a:rPr lang="en-US" altLang="zh-TW" sz="5400" b="1" dirty="0" smtClean="0">
+              <a:rPr lang="en-US" altLang="zh-TW" sz="4800" b="1" dirty="0" smtClean="0">
                 <a:latin typeface="Microsoft JhengHei" pitchFamily="34" charset="-120"/>
                 <a:ea typeface="Microsoft JhengHei" pitchFamily="34" charset="-120"/>
               </a:rPr>
               <a:t>  </a:t>
             </a:r>
             <a:r>
-              <a:rPr lang="zh-TW" altLang="en-US" sz="5400" b="1" dirty="0" smtClean="0">
+              <a:rPr lang="zh-TW" altLang="en-US" sz="4800" b="1" dirty="0" smtClean="0">
                 <a:latin typeface="Microsoft JhengHei" pitchFamily="34" charset="-120"/>
                 <a:ea typeface="Microsoft JhengHei" pitchFamily="34" charset="-120"/>
               </a:rPr>
               <a:t>你</a:t>
             </a:r>
             <a:r>
-              <a:rPr lang="zh-TW" altLang="en-US" sz="5400" b="1" dirty="0">
+              <a:rPr lang="zh-TW" altLang="en-US" sz="4800" b="1" dirty="0">
                 <a:latin typeface="Microsoft JhengHei" pitchFamily="34" charset="-120"/>
                 <a:ea typeface="Microsoft JhengHei" pitchFamily="34" charset="-120"/>
               </a:rPr>
               <a:t>是</a:t>
             </a:r>
             <a:r>
-              <a:rPr lang="zh-TW" altLang="en-US" sz="5400" b="1" dirty="0" smtClean="0">
+              <a:rPr lang="zh-TW" altLang="en-US" sz="4800" b="1" dirty="0" smtClean="0">
                 <a:latin typeface="Microsoft JhengHei" pitchFamily="34" charset="-120"/>
                 <a:ea typeface="Microsoft JhengHei" pitchFamily="34" charset="-120"/>
               </a:rPr>
               <a:t>王</a:t>
             </a:r>
-            <a:endParaRPr lang="zh-TW" altLang="en-US" sz="5400" b="1" dirty="0">
+            <a:endParaRPr lang="zh-TW" altLang="en-US" sz="4800" b="1" dirty="0">
               <a:latin typeface="Microsoft JhengHei" pitchFamily="34" charset="-120"/>
               <a:ea typeface="Microsoft JhengHei" pitchFamily="34" charset="-120"/>
             </a:endParaRPr>
@@ -3261,124 +3257,70 @@
           <a:lstStyle/>
           <a:p>
             <a:r>
-              <a:rPr lang="zh-TW" altLang="en-US" b="1" dirty="0">
+              <a:rPr lang="zh-TW" altLang="en-US" sz="4000" b="1" dirty="0">
                 <a:latin typeface="Microsoft JhengHei" pitchFamily="34" charset="-120"/>
                 <a:ea typeface="Microsoft JhengHei" pitchFamily="34" charset="-120"/>
               </a:rPr>
-              <a:t>靠著耶穌</a:t>
-            </a:r>
-            <a:r>
-              <a:rPr lang="zh-TW" altLang="en-US" b="1" dirty="0">
+              <a:t>靠著耶穌得勝</a:t>
+            </a:r>
+          </a:p>
+        </p:txBody>
+      </p:sp>
+      <p:sp>
+        <p:nvSpPr>
+          <p:cNvPr id="5" name="內容版面配置區 4"/>
+          <p:cNvSpPr>
+            <a:spLocks noGrp="1"/>
+          </p:cNvSpPr>
+          <p:nvPr>
+            <p:ph idx="1"/>
+          </p:nvPr>
+        </p:nvSpPr>
+        <p:spPr/>
+        <p:txBody>
+          <a:bodyPr>
+            <a:normAutofit/>
+          </a:bodyPr>
+          <a:lstStyle/>
+          <a:p>
+            <a:pPr algn="ctr">
+              <a:buNone/>
+            </a:pPr>
+            <a:r>
+              <a:rPr lang="zh-TW" altLang="en-US" sz="4800" b="1" dirty="0">
                 <a:latin typeface="Microsoft JhengHei" pitchFamily="34" charset="-120"/>
                 <a:ea typeface="Microsoft JhengHei" pitchFamily="34" charset="-120"/>
               </a:rPr>
-              <a:t>得勝</a:t>
-            </a:r>
-            <a:endParaRPr lang="zh-TW" altLang="en-US" b="1" dirty="0">
+              <a:t>在你愛裡我要宣告</a:t>
+            </a:r>
+          </a:p>
+          <a:p>
+            <a:pPr algn="ctr">
+              <a:buNone/>
+            </a:pPr>
+            <a:r>
+              <a:rPr lang="zh-TW" altLang="en-US" sz="4800" b="1" dirty="0">
+                <a:latin typeface="Microsoft JhengHei" pitchFamily="34" charset="-120"/>
+                <a:ea typeface="Microsoft JhengHei" pitchFamily="34" charset="-120"/>
+              </a:rPr>
+              <a:t>我不必罪中打轉</a:t>
+            </a:r>
+            <a:endParaRPr lang="en-US" altLang="zh-TW" sz="4800" b="1" dirty="0">
               <a:latin typeface="Microsoft JhengHei" pitchFamily="34" charset="-120"/>
               <a:ea typeface="Microsoft JhengHei" pitchFamily="34" charset="-120"/>
             </a:endParaRPr>
           </a:p>
-        </p:txBody>
-      </p:sp>
-      <p:sp>
-        <p:nvSpPr>
-          <p:cNvPr id="5" name="內容版面配置區 4"/>
-          <p:cNvSpPr>
-            <a:spLocks noGrp="1"/>
-          </p:cNvSpPr>
-          <p:nvPr>
-            <p:ph idx="1"/>
-          </p:nvPr>
-        </p:nvSpPr>
-        <p:spPr/>
-        <p:txBody>
-          <a:bodyPr>
-            <a:normAutofit/>
-          </a:bodyPr>
-          <a:lstStyle/>
           <a:p>
             <a:pPr algn="ctr">
               <a:buNone/>
             </a:pPr>
             <a:r>
-              <a:rPr lang="zh-TW" altLang="en-US" sz="5400" b="1" dirty="0">
+              <a:rPr lang="zh-TW" altLang="en-US" sz="4800" b="1" dirty="0">
                 <a:latin typeface="Microsoft JhengHei" pitchFamily="34" charset="-120"/>
                 <a:ea typeface="Microsoft JhengHei" pitchFamily="34" charset="-120"/>
               </a:rPr>
-              <a:t>在你愛裡我要</a:t>
-            </a:r>
-            <a:r>
-              <a:rPr lang="zh-TW" altLang="en-US" sz="5400" b="1" dirty="0">
-                <a:latin typeface="Microsoft JhengHei" pitchFamily="34" charset="-120"/>
-                <a:ea typeface="Microsoft JhengHei" pitchFamily="34" charset="-120"/>
-              </a:rPr>
-              <a:t>宣告</a:t>
-            </a:r>
-            <a:endParaRPr lang="zh-TW" altLang="en-US" sz="5400" b="1" dirty="0">
-              <a:latin typeface="Microsoft JhengHei" pitchFamily="34" charset="-120"/>
-              <a:ea typeface="Microsoft JhengHei" pitchFamily="34" charset="-120"/>
-            </a:endParaRPr>
-          </a:p>
-          <a:p>
-            <a:pPr algn="ctr">
-              <a:buNone/>
-            </a:pPr>
-            <a:r>
-              <a:rPr lang="zh-TW" altLang="en-US" sz="5400" b="1" dirty="0">
-                <a:latin typeface="Microsoft JhengHei" pitchFamily="34" charset="-120"/>
-                <a:ea typeface="Microsoft JhengHei" pitchFamily="34" charset="-120"/>
-              </a:rPr>
-              <a:t>我</a:t>
-            </a:r>
-            <a:r>
-              <a:rPr lang="zh-TW" altLang="en-US" sz="5400" b="1" dirty="0">
-                <a:latin typeface="Microsoft JhengHei" pitchFamily="34" charset="-120"/>
-                <a:ea typeface="Microsoft JhengHei" pitchFamily="34" charset="-120"/>
-              </a:rPr>
-              <a:t>不必罪中</a:t>
-            </a:r>
-            <a:r>
-              <a:rPr lang="zh-TW" altLang="en-US" sz="5400" b="1" dirty="0">
-                <a:latin typeface="Microsoft JhengHei" pitchFamily="34" charset="-120"/>
-                <a:ea typeface="Microsoft JhengHei" pitchFamily="34" charset="-120"/>
-              </a:rPr>
-              <a:t>打轉</a:t>
-            </a:r>
-            <a:endParaRPr lang="en-US" altLang="zh-TW" sz="5400" b="1" dirty="0">
-              <a:latin typeface="Microsoft JhengHei" pitchFamily="34" charset="-120"/>
-              <a:ea typeface="Microsoft JhengHei" pitchFamily="34" charset="-120"/>
-            </a:endParaRPr>
-          </a:p>
-          <a:p>
-            <a:pPr algn="ctr">
-              <a:buNone/>
-            </a:pPr>
-            <a:r>
-              <a:rPr lang="zh-TW" altLang="en-US" sz="5400" b="1" dirty="0">
-                <a:latin typeface="Microsoft JhengHei" pitchFamily="34" charset="-120"/>
-                <a:ea typeface="Microsoft JhengHei" pitchFamily="34" charset="-120"/>
-              </a:rPr>
-              <a:t>是</a:t>
-            </a:r>
-            <a:r>
-              <a:rPr lang="zh-TW" altLang="en-US" sz="5400" b="1" dirty="0">
-                <a:latin typeface="Microsoft JhengHei" pitchFamily="34" charset="-120"/>
-                <a:ea typeface="Microsoft JhengHei" pitchFamily="34" charset="-120"/>
-              </a:rPr>
-              <a:t>你帶領著我</a:t>
-            </a:r>
-            <a:r>
-              <a:rPr lang="zh-TW" altLang="en-US" sz="5400" b="1" dirty="0">
-                <a:latin typeface="Microsoft JhengHei" pitchFamily="34" charset="-120"/>
-                <a:ea typeface="Microsoft JhengHei" pitchFamily="34" charset="-120"/>
-              </a:rPr>
-              <a:t>得勝</a:t>
-            </a:r>
-            <a:endParaRPr lang="zh-TW" altLang="en-US" sz="5400" b="1" dirty="0">
-              <a:latin typeface="Microsoft JhengHei" pitchFamily="34" charset="-120"/>
-              <a:ea typeface="Microsoft JhengHei" pitchFamily="34" charset="-120"/>
-            </a:endParaRPr>
+              <a:t>是你帶領著我得勝</a:t>
+            </a:r>
           </a:p>
         </p:txBody>
       </p:sp>
@@ -3425,101 +3367,65 @@
           <a:lstStyle/>
           <a:p>
             <a:r>
-              <a:rPr lang="zh-TW" altLang="en-US" b="1" dirty="0">
+              <a:rPr lang="zh-TW" altLang="en-US" sz="4000" b="1" dirty="0">
                 <a:latin typeface="Microsoft JhengHei" pitchFamily="34" charset="-120"/>
                 <a:ea typeface="Microsoft JhengHei" pitchFamily="34" charset="-120"/>
               </a:rPr>
-              <a:t>靠著耶穌</a:t>
-            </a:r>
-            <a:r>
-              <a:rPr lang="zh-TW" altLang="en-US" b="1" dirty="0">
+              <a:t>靠著耶穌得勝</a:t>
+            </a:r>
+          </a:p>
+        </p:txBody>
+      </p:sp>
+      <p:sp>
+        <p:nvSpPr>
+          <p:cNvPr id="5" name="內容版面配置區 4"/>
+          <p:cNvSpPr>
+            <a:spLocks noGrp="1"/>
+          </p:cNvSpPr>
+          <p:nvPr>
+            <p:ph idx="1"/>
+          </p:nvPr>
+        </p:nvSpPr>
+        <p:spPr/>
+        <p:txBody>
+          <a:bodyPr>
+            <a:normAutofit/>
+          </a:bodyPr>
+          <a:lstStyle/>
+          <a:p>
+            <a:pPr algn="ctr">
+              <a:buNone/>
+            </a:pPr>
+            <a:r>
+              <a:rPr lang="zh-TW" altLang="en-US" sz="4800" b="1" dirty="0">
                 <a:latin typeface="Microsoft JhengHei" pitchFamily="34" charset="-120"/>
                 <a:ea typeface="Microsoft JhengHei" pitchFamily="34" charset="-120"/>
               </a:rPr>
-              <a:t>得勝</a:t>
-            </a:r>
-            <a:endParaRPr lang="zh-TW" altLang="en-US" b="1" dirty="0">
+              <a:t>靠著耶穌得勝</a:t>
+            </a:r>
+            <a:endParaRPr lang="en-US" altLang="zh-TW" sz="4800" b="1" dirty="0">
               <a:latin typeface="Microsoft JhengHei" pitchFamily="34" charset="-120"/>
               <a:ea typeface="Microsoft JhengHei" pitchFamily="34" charset="-120"/>
             </a:endParaRPr>
           </a:p>
-        </p:txBody>
-      </p:sp>
-      <p:sp>
-        <p:nvSpPr>
-          <p:cNvPr id="5" name="內容版面配置區 4"/>
-          <p:cNvSpPr>
-            <a:spLocks noGrp="1"/>
-          </p:cNvSpPr>
-          <p:nvPr>
-            <p:ph idx="1"/>
-          </p:nvPr>
-        </p:nvSpPr>
-        <p:spPr/>
-        <p:txBody>
-          <a:bodyPr>
-            <a:normAutofit/>
-          </a:bodyPr>
-          <a:lstStyle/>
           <a:p>
             <a:pPr algn="ctr">
               <a:buNone/>
             </a:pPr>
             <a:r>
-              <a:rPr lang="zh-TW" altLang="en-US" sz="5400" b="1" dirty="0">
+              <a:rPr lang="zh-TW" altLang="en-US" sz="4800" b="1" dirty="0">
                 <a:latin typeface="Microsoft JhengHei" pitchFamily="34" charset="-120"/>
                 <a:ea typeface="Microsoft JhengHei" pitchFamily="34" charset="-120"/>
               </a:rPr>
-              <a:t>靠著耶穌</a:t>
-            </a:r>
-            <a:r>
-              <a:rPr lang="zh-TW" altLang="en-US" sz="5400" b="1" dirty="0">
-                <a:latin typeface="Microsoft JhengHei" pitchFamily="34" charset="-120"/>
-                <a:ea typeface="Microsoft JhengHei" pitchFamily="34" charset="-120"/>
-              </a:rPr>
-              <a:t>得勝</a:t>
-            </a:r>
-            <a:endParaRPr lang="en-US" altLang="zh-TW" sz="5400" b="1" dirty="0">
-              <a:latin typeface="Microsoft JhengHei" pitchFamily="34" charset="-120"/>
-              <a:ea typeface="Microsoft JhengHei" pitchFamily="34" charset="-120"/>
-            </a:endParaRPr>
+              <a:t>靠著耶穌得勝</a:t>
+            </a:r>
           </a:p>
           <a:p>
             <a:pPr algn="ctr">
               <a:buNone/>
             </a:pPr>
             <a:r>
-              <a:rPr lang="zh-TW" altLang="en-US" sz="5400" b="1" dirty="0">
-                <a:latin typeface="Microsoft JhengHei" pitchFamily="34" charset="-120"/>
-                <a:ea typeface="Microsoft JhengHei" pitchFamily="34" charset="-120"/>
-              </a:rPr>
-              <a:t>靠著</a:t>
-            </a:r>
-            <a:r>
-              <a:rPr lang="zh-TW" altLang="en-US" sz="5400" b="1" dirty="0">
-                <a:latin typeface="Microsoft JhengHei" pitchFamily="34" charset="-120"/>
-                <a:ea typeface="Microsoft JhengHei" pitchFamily="34" charset="-120"/>
-              </a:rPr>
-              <a:t>耶穌</a:t>
-            </a:r>
-            <a:r>
-              <a:rPr lang="zh-TW" altLang="en-US" sz="5400" b="1" dirty="0">
-                <a:latin typeface="Microsoft JhengHei" pitchFamily="34" charset="-120"/>
-                <a:ea typeface="Microsoft JhengHei" pitchFamily="34" charset="-120"/>
-              </a:rPr>
-              <a:t>得勝</a:t>
-            </a:r>
-            <a:endParaRPr lang="zh-TW" altLang="en-US" sz="5400" b="1" dirty="0">
-              <a:latin typeface="Microsoft JhengHei" pitchFamily="34" charset="-120"/>
-              <a:ea typeface="Microsoft JhengHei" pitchFamily="34" charset="-120"/>
-            </a:endParaRPr>
-          </a:p>
-          <a:p>
-            <a:pPr algn="ctr">
-              <a:buNone/>
-            </a:pPr>
-            <a:r>
-              <a:rPr lang="zh-TW" altLang="en-US" sz="5400" b="1" dirty="0">
+              <a:rPr lang="zh-TW" altLang="en-US" sz="4800" b="1" dirty="0">
                 <a:latin typeface="Microsoft JhengHei" pitchFamily="34" charset="-120"/>
                 <a:ea typeface="Microsoft JhengHei" pitchFamily="34" charset="-120"/>
               </a:rPr>
@@ -3571,7 +3477,7 @@
           <a:lstStyle/>
           <a:p>
             <a:r>
-              <a:rPr lang="zh-TW" altLang="en-US" b="1" dirty="0">
+              <a:rPr lang="zh-TW" altLang="en-US" sz="4000" b="1" dirty="0">
                 <a:latin typeface="Microsoft JhengHei" pitchFamily="34" charset="-120"/>
                 <a:ea typeface="Microsoft JhengHei" pitchFamily="34" charset="-120"/>
               </a:rPr>
@@ -3601,20 +3507,60 @@
               <a:buNone/>
             </a:pPr>
             <a:r>
-              <a:rPr lang="zh-TW" altLang="en-US" sz="5400" b="1" dirty="0">
+              <a:rPr lang="zh-TW" altLang="en-US" sz="4800" b="1" dirty="0">
                 <a:latin typeface="Microsoft JhengHei" pitchFamily="34" charset="-120"/>
                 <a:ea typeface="Microsoft JhengHei" pitchFamily="34" charset="-120"/>
               </a:rPr>
-              <a:t>靠著耶穌</a:t>
-            </a:r>
-            <a:r>
-              <a:rPr lang="zh-TW" altLang="en-US" sz="5400" b="1" dirty="0">
+              <a:t>靠著耶穌得</a:t>
+            </a:r>
+            <a:r>
+              <a:rPr lang="zh-TW" altLang="en-US" sz="4800" b="1" dirty="0" smtClean="0">
                 <a:latin typeface="Microsoft JhengHei" pitchFamily="34" charset="-120"/>
                 <a:ea typeface="Microsoft JhengHei" pitchFamily="34" charset="-120"/>
               </a:rPr>
-              <a:t>得勝</a:t>
-            </a:r>
-            <a:endParaRPr lang="en-US" altLang="zh-TW" sz="5400" b="1" dirty="0">
+              <a:t>勝</a:t>
+            </a:r>
+            <a:r>
+              <a:rPr lang="en-US" altLang="zh-TW" sz="4800" b="1" dirty="0">
+                <a:latin typeface="Microsoft JhengHei" pitchFamily="34" charset="-120"/>
+                <a:ea typeface="Microsoft JhengHei" pitchFamily="34" charset="-120"/>
+              </a:rPr>
+              <a:t> </a:t>
+            </a:r>
+            <a:r>
+              <a:rPr lang="en-US" altLang="zh-TW" sz="4800" b="1" dirty="0" smtClean="0">
+                <a:latin typeface="Microsoft JhengHei" pitchFamily="34" charset="-120"/>
+                <a:ea typeface="Microsoft JhengHei" pitchFamily="34" charset="-120"/>
+              </a:rPr>
+              <a:t> </a:t>
+            </a:r>
+            <a:r>
+              <a:rPr lang="zh-TW" altLang="en-US" sz="4800" b="1" dirty="0" smtClean="0">
+                <a:latin typeface="Microsoft JhengHei" pitchFamily="34" charset="-120"/>
+                <a:ea typeface="Microsoft JhengHei" pitchFamily="34" charset="-120"/>
+              </a:rPr>
+              <a:t>靠</a:t>
+            </a:r>
+            <a:r>
+              <a:rPr lang="zh-TW" altLang="en-US" sz="4800" b="1" dirty="0">
+                <a:latin typeface="Microsoft JhengHei" pitchFamily="34" charset="-120"/>
+                <a:ea typeface="Microsoft JhengHei" pitchFamily="34" charset="-120"/>
+              </a:rPr>
+              <a:t>著耶穌得勝</a:t>
+            </a:r>
+          </a:p>
+          <a:p>
+            <a:pPr algn="ctr">
+              <a:buNone/>
+            </a:pPr>
+            <a:r>
+              <a:rPr lang="zh-TW" altLang="en-US" sz="4800" b="1" dirty="0">
+                <a:latin typeface="Microsoft JhengHei" pitchFamily="34" charset="-120"/>
+                <a:ea typeface="Microsoft JhengHei" pitchFamily="34" charset="-120"/>
+              </a:rPr>
+              <a:t>不必驚怕挫敗</a:t>
+            </a:r>
+            <a:endParaRPr lang="en-US" altLang="zh-TW" sz="4800" b="1" dirty="0">
               <a:latin typeface="Microsoft JhengHei" pitchFamily="34" charset="-120"/>
               <a:ea typeface="Microsoft JhengHei" pitchFamily="34" charset="-120"/>
             </a:endParaRPr>
@@ -3624,631 +3570,24 @@
               <a:buNone/>
             </a:pPr>
             <a:r>
-              <a:rPr lang="zh-TW" altLang="en-US" sz="5400" b="1" dirty="0">
+              <a:rPr lang="zh-TW" altLang="en-US" sz="4800" b="1" dirty="0">
                 <a:latin typeface="Microsoft JhengHei" pitchFamily="34" charset="-120"/>
                 <a:ea typeface="Microsoft JhengHei" pitchFamily="34" charset="-120"/>
               </a:rPr>
-              <a:t>靠著</a:t>
-            </a:r>
-            <a:r>
-              <a:rPr lang="zh-TW" altLang="en-US" sz="5400" b="1" dirty="0">
-                <a:latin typeface="Microsoft JhengHei" pitchFamily="34" charset="-120"/>
-                <a:ea typeface="Microsoft JhengHei" pitchFamily="34" charset="-120"/>
-              </a:rPr>
-              <a:t>耶穌</a:t>
-            </a:r>
-            <a:r>
-              <a:rPr lang="zh-TW" altLang="en-US" sz="5400" b="1" dirty="0">
-                <a:latin typeface="Microsoft JhengHei" pitchFamily="34" charset="-120"/>
-                <a:ea typeface="Microsoft JhengHei" pitchFamily="34" charset="-120"/>
-              </a:rPr>
-              <a:t>得勝</a:t>
-            </a:r>
-            <a:endParaRPr lang="zh-TW" altLang="en-US" sz="5400" b="1" dirty="0">
-              <a:latin typeface="Microsoft JhengHei" pitchFamily="34" charset="-120"/>
-              <a:ea typeface="Microsoft JhengHei" pitchFamily="34" charset="-120"/>
-            </a:endParaRPr>
+              <a:t>確知主恩更廣闊</a:t>
+            </a:r>
           </a:p>
           <a:p>
             <a:pPr algn="ctr">
               <a:buNone/>
             </a:pPr>
             <a:r>
-              <a:rPr lang="zh-TW" altLang="en-US" sz="5400" b="1" dirty="0">
-                <a:latin typeface="Microsoft JhengHei" pitchFamily="34" charset="-120"/>
-                <a:ea typeface="Microsoft JhengHei" pitchFamily="34" charset="-120"/>
-              </a:rPr>
-              <a:t>不必驚怕</a:t>
-            </a:r>
-            <a:r>
-              <a:rPr lang="zh-TW" altLang="en-US" sz="5400" b="1" dirty="0">
-                <a:latin typeface="Microsoft JhengHei" pitchFamily="34" charset="-120"/>
-                <a:ea typeface="Microsoft JhengHei" pitchFamily="34" charset="-120"/>
-              </a:rPr>
-              <a:t>挫敗</a:t>
-            </a:r>
-            <a:endParaRPr lang="en-US" altLang="zh-TW" sz="5400" b="1" dirty="0">
-              <a:latin typeface="Microsoft JhengHei" pitchFamily="34" charset="-120"/>
-              <a:ea typeface="Microsoft JhengHei" pitchFamily="34" charset="-120"/>
-            </a:endParaRPr>
-          </a:p>
-          <a:p>
-            <a:pPr algn="ctr">
-              <a:buNone/>
-            </a:pPr>
-            <a:r>
-              <a:rPr lang="zh-TW" altLang="en-US" sz="5400" b="1" dirty="0">
-                <a:latin typeface="Microsoft JhengHei" pitchFamily="34" charset="-120"/>
-                <a:ea typeface="Microsoft JhengHei" pitchFamily="34" charset="-120"/>
-              </a:rPr>
-              <a:t>確知</a:t>
-            </a:r>
-            <a:r>
-              <a:rPr lang="zh-TW" altLang="en-US" sz="5400" b="1" dirty="0">
-                <a:latin typeface="Microsoft JhengHei" pitchFamily="34" charset="-120"/>
-                <a:ea typeface="Microsoft JhengHei" pitchFamily="34" charset="-120"/>
-              </a:rPr>
-              <a:t>主恩更</a:t>
-            </a:r>
-            <a:r>
-              <a:rPr lang="zh-TW" altLang="en-US" sz="5400" b="1" dirty="0">
-                <a:latin typeface="Microsoft JhengHei" pitchFamily="34" charset="-120"/>
-                <a:ea typeface="Microsoft JhengHei" pitchFamily="34" charset="-120"/>
-              </a:rPr>
-              <a:t>廣闊</a:t>
-            </a:r>
-            <a:endParaRPr lang="zh-TW" altLang="en-US" sz="5400" b="1" dirty="0">
-              <a:latin typeface="Microsoft JhengHei" pitchFamily="34" charset="-120"/>
-              <a:ea typeface="Microsoft JhengHei" pitchFamily="34" charset="-120"/>
-            </a:endParaRPr>
-          </a:p>
-          <a:p>
-            <a:pPr algn="ctr">
-              <a:buNone/>
-            </a:pPr>
-            <a:r>
-              <a:rPr lang="zh-TW" altLang="en-US" sz="5400" b="1" dirty="0">
+              <a:rPr lang="zh-TW" altLang="en-US" sz="4800" b="1" dirty="0">
                 <a:latin typeface="Microsoft JhengHei" pitchFamily="34" charset="-120"/>
                 <a:ea typeface="Microsoft JhengHei" pitchFamily="34" charset="-120"/>
               </a:rPr>
               <a:t>是你帶領著我得勝</a:t>
             </a:r>
-          </a:p>
-        </p:txBody>
-      </p:sp>
-    </p:spTree>
-  </p:cSld>
-  <p:clrMapOvr>
-    <a:masterClrMapping/>
-  </p:clrMapOvr>
-</p:sld>
-</file>
-
-<file path=ppt/slides/slide5.xml><?xml version="1.0" encoding="utf-8"?>
-<p:sld xmlns:a="http://schemas.openxmlformats.org/drawingml/2006/main" xmlns:r="http://schemas.openxmlformats.org/officeDocument/2006/relationships" xmlns:p="http://schemas.openxmlformats.org/presentationml/2006/main">
-  <p:cSld>
-    <p:spTree>
-      <p:nvGrpSpPr>
-        <p:cNvPr id="1" name=""/>
-        <p:cNvGrpSpPr/>
-        <p:nvPr/>
-      </p:nvGrpSpPr>
-      <p:grpSpPr>
-        <a:xfrm>
-          <a:off x="0" y="0"/>
-          <a:ext cx="0" cy="0"/>
-          <a:chOff x="0" y="0"/>
-          <a:chExt cx="0" cy="0"/>
-        </a:xfrm>
-      </p:grpSpPr>
-      <p:sp>
-        <p:nvSpPr>
-          <p:cNvPr id="4" name="標題 3"/>
-          <p:cNvSpPr>
-            <a:spLocks noGrp="1"/>
-          </p:cNvSpPr>
-          <p:nvPr>
-            <p:ph type="title"/>
-          </p:nvPr>
-        </p:nvSpPr>
-        <p:spPr/>
-        <p:txBody>
-          <a:bodyPr>
-            <a:normAutofit/>
-          </a:bodyPr>
-          <a:lstStyle/>
-          <a:p>
-            <a:r>
-              <a:rPr lang="vi-VN" dirty="0"/>
-              <a:t>Cậy ơn Ngài con vững tin</a:t>
-            </a:r>
-            <a:endParaRPr lang="zh-TW" altLang="en-US" dirty="0"/>
-          </a:p>
-        </p:txBody>
-      </p:sp>
-      <p:sp>
-        <p:nvSpPr>
-          <p:cNvPr id="5" name="內容版面配置區 4"/>
-          <p:cNvSpPr>
-            <a:spLocks noGrp="1"/>
-          </p:cNvSpPr>
-          <p:nvPr>
-            <p:ph idx="1"/>
-          </p:nvPr>
-        </p:nvSpPr>
-        <p:spPr/>
-        <p:txBody>
-          <a:bodyPr>
-            <a:normAutofit/>
-          </a:bodyPr>
-          <a:lstStyle/>
-          <a:p>
-            <a:pPr algn="ctr">
-              <a:buNone/>
-            </a:pPr>
-            <a:r>
-              <a:rPr lang="vi-VN" sz="3600" dirty="0"/>
-              <a:t>Vì tình yêu Cha con đây đổi </a:t>
-            </a:r>
-            <a:r>
-              <a:rPr lang="vi-VN" sz="3600" dirty="0" smtClean="0"/>
-              <a:t>thay</a:t>
-            </a:r>
-            <a:endParaRPr lang="en-US" sz="3600" dirty="0" smtClean="0"/>
-          </a:p>
-          <a:p>
-            <a:pPr algn="ctr">
-              <a:buNone/>
-            </a:pPr>
-            <a:r>
-              <a:rPr lang="vi-VN" sz="3600" dirty="0" smtClean="0"/>
-              <a:t>Luôn </a:t>
-            </a:r>
-            <a:r>
-              <a:rPr lang="vi-VN" sz="3600" dirty="0"/>
-              <a:t>vững mạnh trong đức </a:t>
-            </a:r>
-            <a:r>
-              <a:rPr lang="vi-VN" sz="3600" dirty="0" smtClean="0"/>
-              <a:t>tin</a:t>
-            </a:r>
-            <a:endParaRPr lang="zh-TW" altLang="en-US" sz="3600" dirty="0"/>
-          </a:p>
-          <a:p>
-            <a:pPr algn="ctr">
-              <a:buNone/>
-            </a:pPr>
-            <a:r>
-              <a:rPr lang="vi-VN" sz="3600" dirty="0"/>
-              <a:t>Vì tình yêu Cha con luôn chúc </a:t>
-            </a:r>
-            <a:r>
-              <a:rPr lang="vi-VN" sz="3600" dirty="0" smtClean="0"/>
-              <a:t>tôn</a:t>
-            </a:r>
-            <a:endParaRPr lang="en-US" sz="3600" dirty="0" smtClean="0"/>
-          </a:p>
-          <a:p>
-            <a:pPr algn="ctr">
-              <a:buNone/>
-            </a:pPr>
-            <a:r>
-              <a:rPr lang="vi-VN" sz="3600" dirty="0" smtClean="0"/>
-              <a:t>Chúa </a:t>
-            </a:r>
-            <a:r>
-              <a:rPr lang="vi-VN" sz="3600" dirty="0"/>
-              <a:t>muôn </a:t>
-            </a:r>
-            <a:r>
-              <a:rPr lang="vi-VN" sz="3600" dirty="0" smtClean="0"/>
-              <a:t>loài</a:t>
-            </a:r>
-            <a:endParaRPr lang="zh-TW" altLang="en-US" sz="3600" dirty="0"/>
-          </a:p>
-        </p:txBody>
-      </p:sp>
-    </p:spTree>
-  </p:cSld>
-  <p:clrMapOvr>
-    <a:masterClrMapping/>
-  </p:clrMapOvr>
-</p:sld>
-</file>
-
-<file path=ppt/slides/slide6.xml><?xml version="1.0" encoding="utf-8"?>
-<p:sld xmlns:a="http://schemas.openxmlformats.org/drawingml/2006/main" xmlns:r="http://schemas.openxmlformats.org/officeDocument/2006/relationships" xmlns:p="http://schemas.openxmlformats.org/presentationml/2006/main">
-  <p:cSld>
-    <p:spTree>
-      <p:nvGrpSpPr>
-        <p:cNvPr id="1" name=""/>
-        <p:cNvGrpSpPr/>
-        <p:nvPr/>
-      </p:nvGrpSpPr>
-      <p:grpSpPr>
-        <a:xfrm>
-          <a:off x="0" y="0"/>
-          <a:ext cx="0" cy="0"/>
-          <a:chOff x="0" y="0"/>
-          <a:chExt cx="0" cy="0"/>
-        </a:xfrm>
-      </p:grpSpPr>
-      <p:sp>
-        <p:nvSpPr>
-          <p:cNvPr id="4" name="標題 3"/>
-          <p:cNvSpPr>
-            <a:spLocks noGrp="1"/>
-          </p:cNvSpPr>
-          <p:nvPr>
-            <p:ph type="title"/>
-          </p:nvPr>
-        </p:nvSpPr>
-        <p:spPr/>
-        <p:txBody>
-          <a:bodyPr>
-            <a:normAutofit/>
-          </a:bodyPr>
-          <a:lstStyle/>
-          <a:p>
-            <a:r>
-              <a:rPr lang="vi-VN" dirty="0"/>
-              <a:t>Cậy ơn Ngài con vững tin</a:t>
-            </a:r>
-            <a:endParaRPr lang="zh-TW" altLang="en-US" dirty="0"/>
-          </a:p>
-        </p:txBody>
-      </p:sp>
-      <p:sp>
-        <p:nvSpPr>
-          <p:cNvPr id="5" name="內容版面配置區 4"/>
-          <p:cNvSpPr>
-            <a:spLocks noGrp="1"/>
-          </p:cNvSpPr>
-          <p:nvPr>
-            <p:ph idx="1"/>
-          </p:nvPr>
-        </p:nvSpPr>
-        <p:spPr/>
-        <p:txBody>
-          <a:bodyPr>
-            <a:normAutofit/>
-          </a:bodyPr>
-          <a:lstStyle/>
-          <a:p>
-            <a:pPr algn="ctr">
-              <a:buNone/>
-            </a:pPr>
-            <a:r>
-              <a:rPr lang="vi-VN" sz="3600" dirty="0"/>
-              <a:t>Vì tình yêu Cha con luôn khắc </a:t>
-            </a:r>
-            <a:r>
-              <a:rPr lang="vi-VN" sz="3600" dirty="0" smtClean="0"/>
-              <a:t>ghi</a:t>
-            </a:r>
-            <a:endParaRPr lang="en-US" sz="3600" dirty="0" smtClean="0"/>
-          </a:p>
-          <a:p>
-            <a:pPr algn="ctr">
-              <a:buNone/>
-            </a:pPr>
-            <a:r>
-              <a:rPr lang="vi-VN" sz="3600" dirty="0" smtClean="0"/>
-              <a:t>Là </a:t>
-            </a:r>
-            <a:r>
-              <a:rPr lang="vi-VN" sz="3600" dirty="0"/>
-              <a:t>chính Chúa Ngài đã cứu </a:t>
-            </a:r>
-            <a:r>
-              <a:rPr lang="vi-VN" sz="3600" dirty="0" smtClean="0"/>
-              <a:t>con</a:t>
-            </a:r>
-            <a:endParaRPr lang="en-US" sz="3600" dirty="0" smtClean="0"/>
-          </a:p>
-          <a:p>
-            <a:pPr algn="ctr">
-              <a:buNone/>
-            </a:pPr>
-            <a:r>
-              <a:rPr lang="vi-VN" sz="3600" dirty="0" smtClean="0"/>
-              <a:t>Và </a:t>
-            </a:r>
-            <a:r>
-              <a:rPr lang="vi-VN" sz="3600" dirty="0"/>
-              <a:t>cho con cậy ơn Ngài luôn vững tin</a:t>
-            </a:r>
-            <a:endParaRPr lang="zh-TW" altLang="en-US" sz="3600" dirty="0"/>
-          </a:p>
-        </p:txBody>
-      </p:sp>
-    </p:spTree>
-  </p:cSld>
-  <p:clrMapOvr>
-    <a:masterClrMapping/>
-  </p:clrMapOvr>
-</p:sld>
-</file>
-
-<file path=ppt/slides/slide7.xml><?xml version="1.0" encoding="utf-8"?>
-<p:sld xmlns:a="http://schemas.openxmlformats.org/drawingml/2006/main" xmlns:r="http://schemas.openxmlformats.org/officeDocument/2006/relationships" xmlns:p="http://schemas.openxmlformats.org/presentationml/2006/main">
-  <p:cSld>
-    <p:spTree>
-      <p:nvGrpSpPr>
-        <p:cNvPr id="1" name=""/>
-        <p:cNvGrpSpPr/>
-        <p:nvPr/>
-      </p:nvGrpSpPr>
-      <p:grpSpPr>
-        <a:xfrm>
-          <a:off x="0" y="0"/>
-          <a:ext cx="0" cy="0"/>
-          <a:chOff x="0" y="0"/>
-          <a:chExt cx="0" cy="0"/>
-        </a:xfrm>
-      </p:grpSpPr>
-      <p:sp>
-        <p:nvSpPr>
-          <p:cNvPr id="4" name="標題 3"/>
-          <p:cNvSpPr>
-            <a:spLocks noGrp="1"/>
-          </p:cNvSpPr>
-          <p:nvPr>
-            <p:ph type="title"/>
-          </p:nvPr>
-        </p:nvSpPr>
-        <p:spPr/>
-        <p:txBody>
-          <a:bodyPr>
-            <a:normAutofit/>
-          </a:bodyPr>
-          <a:lstStyle/>
-          <a:p>
-            <a:r>
-              <a:rPr lang="vi-VN" dirty="0"/>
-              <a:t>Cậy ơn Ngài con vững tin</a:t>
-            </a:r>
-            <a:endParaRPr lang="zh-TW" altLang="en-US" dirty="0"/>
-          </a:p>
-        </p:txBody>
-      </p:sp>
-      <p:sp>
-        <p:nvSpPr>
-          <p:cNvPr id="5" name="內容版面配置區 4"/>
-          <p:cNvSpPr>
-            <a:spLocks noGrp="1"/>
-          </p:cNvSpPr>
-          <p:nvPr>
-            <p:ph idx="1"/>
-          </p:nvPr>
-        </p:nvSpPr>
-        <p:spPr/>
-        <p:txBody>
-          <a:bodyPr>
-            <a:normAutofit/>
-          </a:bodyPr>
-          <a:lstStyle/>
-          <a:p>
-            <a:pPr algn="ctr">
-              <a:buNone/>
-            </a:pPr>
-            <a:r>
-              <a:rPr lang="vi-VN" sz="3600" dirty="0"/>
-              <a:t>Cậy ơn Ngài con vững </a:t>
-            </a:r>
-            <a:r>
-              <a:rPr lang="vi-VN" sz="3600" dirty="0" smtClean="0"/>
-              <a:t>tin</a:t>
-            </a:r>
-            <a:endParaRPr lang="en-US" sz="3600" dirty="0" smtClean="0"/>
-          </a:p>
-          <a:p>
-            <a:pPr algn="ctr">
-              <a:buNone/>
-            </a:pPr>
-            <a:r>
-              <a:rPr lang="vi-VN" sz="3600" dirty="0" smtClean="0"/>
-              <a:t>Cậy </a:t>
-            </a:r>
-            <a:r>
-              <a:rPr lang="vi-VN" sz="3600" dirty="0"/>
-              <a:t>ơn Ngài con vững </a:t>
-            </a:r>
-            <a:r>
-              <a:rPr lang="vi-VN" sz="3600" dirty="0" smtClean="0"/>
-              <a:t>tin</a:t>
-            </a:r>
-            <a:endParaRPr lang="zh-TW" altLang="en-US" sz="3600" dirty="0"/>
-          </a:p>
-          <a:p>
-            <a:pPr algn="ctr">
-              <a:buNone/>
-            </a:pPr>
-            <a:r>
-              <a:rPr lang="vi-VN" sz="3600" dirty="0"/>
-              <a:t>Đắc thắng ở trong ơn </a:t>
-            </a:r>
-            <a:r>
-              <a:rPr lang="vi-VN" sz="3600" dirty="0" smtClean="0"/>
-              <a:t>Ngài</a:t>
-            </a:r>
-            <a:endParaRPr lang="en-US" sz="3600" dirty="0" smtClean="0"/>
-          </a:p>
-          <a:p>
-            <a:pPr algn="ctr">
-              <a:buNone/>
-            </a:pPr>
-            <a:r>
-              <a:rPr lang="vi-VN" sz="3600" dirty="0" smtClean="0"/>
-              <a:t>Trọn </a:t>
-            </a:r>
-            <a:r>
-              <a:rPr lang="vi-VN" sz="3600" dirty="0"/>
-              <a:t>đời con khắc ghi</a:t>
-            </a:r>
-            <a:endParaRPr lang="zh-TW" altLang="en-US" sz="3600" dirty="0"/>
-          </a:p>
-        </p:txBody>
-      </p:sp>
-    </p:spTree>
-  </p:cSld>
-  <p:clrMapOvr>
-    <a:masterClrMapping/>
-  </p:clrMapOvr>
-</p:sld>
-</file>
-
-<file path=ppt/slides/slide8.xml><?xml version="1.0" encoding="utf-8"?>
-<p:sld xmlns:a="http://schemas.openxmlformats.org/drawingml/2006/main" xmlns:r="http://schemas.openxmlformats.org/officeDocument/2006/relationships" xmlns:p="http://schemas.openxmlformats.org/presentationml/2006/main">
-  <p:cSld>
-    <p:spTree>
-      <p:nvGrpSpPr>
-        <p:cNvPr id="1" name=""/>
-        <p:cNvGrpSpPr/>
-        <p:nvPr/>
-      </p:nvGrpSpPr>
-      <p:grpSpPr>
-        <a:xfrm>
-          <a:off x="0" y="0"/>
-          <a:ext cx="0" cy="0"/>
-          <a:chOff x="0" y="0"/>
-          <a:chExt cx="0" cy="0"/>
-        </a:xfrm>
-      </p:grpSpPr>
-      <p:sp>
-        <p:nvSpPr>
-          <p:cNvPr id="4" name="標題 3"/>
-          <p:cNvSpPr>
-            <a:spLocks noGrp="1"/>
-          </p:cNvSpPr>
-          <p:nvPr>
-            <p:ph type="title"/>
-          </p:nvPr>
-        </p:nvSpPr>
-        <p:spPr/>
-        <p:txBody>
-          <a:bodyPr>
-            <a:normAutofit/>
-          </a:bodyPr>
-          <a:lstStyle/>
-          <a:p>
-            <a:r>
-              <a:rPr lang="vi-VN" dirty="0"/>
-              <a:t>Cậy ơn Ngài con vững tin</a:t>
-            </a:r>
-            <a:endParaRPr lang="zh-TW" altLang="en-US" dirty="0"/>
-          </a:p>
-        </p:txBody>
-      </p:sp>
-      <p:sp>
-        <p:nvSpPr>
-          <p:cNvPr id="5" name="內容版面配置區 4"/>
-          <p:cNvSpPr>
-            <a:spLocks noGrp="1"/>
-          </p:cNvSpPr>
-          <p:nvPr>
-            <p:ph idx="1"/>
-          </p:nvPr>
-        </p:nvSpPr>
-        <p:spPr/>
-        <p:txBody>
-          <a:bodyPr>
-            <a:normAutofit/>
-          </a:bodyPr>
-          <a:lstStyle/>
-          <a:p>
-            <a:pPr algn="ctr">
-              <a:buNone/>
-            </a:pPr>
-            <a:r>
-              <a:rPr lang="vi-VN" sz="3600" dirty="0"/>
-              <a:t>Cậy ơn Ngài con vững </a:t>
-            </a:r>
-            <a:r>
-              <a:rPr lang="vi-VN" sz="3600" dirty="0" smtClean="0"/>
-              <a:t>tin</a:t>
-            </a:r>
-            <a:endParaRPr lang="en-US" sz="3600" dirty="0" smtClean="0"/>
-          </a:p>
-          <a:p>
-            <a:pPr algn="ctr">
-              <a:buNone/>
-            </a:pPr>
-            <a:r>
-              <a:rPr lang="vi-VN" sz="3600" dirty="0" smtClean="0"/>
-              <a:t>Cậy </a:t>
-            </a:r>
-            <a:r>
-              <a:rPr lang="vi-VN" sz="3600" dirty="0"/>
-              <a:t>ơn Ngài con vững tin!</a:t>
-            </a:r>
-            <a:endParaRPr lang="zh-TW" altLang="en-US" sz="3600" dirty="0"/>
-          </a:p>
-          <a:p>
-            <a:pPr algn="ctr">
-              <a:buNone/>
-            </a:pPr>
-            <a:r>
-              <a:rPr lang="vi-VN" sz="3600" dirty="0"/>
-              <a:t>Dẫu vẫn có bao nan </a:t>
-            </a:r>
-            <a:r>
-              <a:rPr lang="vi-VN" sz="3600" dirty="0" smtClean="0"/>
-              <a:t>đề</a:t>
-            </a:r>
-            <a:endParaRPr lang="en-US" sz="3600" dirty="0" smtClean="0"/>
-          </a:p>
-          <a:p>
-            <a:pPr algn="ctr">
-              <a:buNone/>
-            </a:pPr>
-            <a:r>
-              <a:rPr lang="en-US" sz="3600" dirty="0" smtClean="0"/>
-              <a:t>T</a:t>
-            </a:r>
-            <a:r>
-              <a:rPr lang="vi-VN" sz="3600" dirty="0" smtClean="0"/>
-              <a:t>ay </a:t>
-            </a:r>
-            <a:r>
-              <a:rPr lang="vi-VN" sz="3600" dirty="0"/>
-              <a:t>Chúa dẫn dắt con sẽ </a:t>
-            </a:r>
-            <a:r>
-              <a:rPr lang="vi-VN" sz="3600" dirty="0" smtClean="0"/>
-              <a:t>qua</a:t>
-            </a:r>
-            <a:endParaRPr lang="zh-TW" altLang="en-US" sz="3600" dirty="0"/>
-          </a:p>
-          <a:p>
-            <a:pPr algn="ctr">
-              <a:buNone/>
-            </a:pPr>
-            <a:r>
-              <a:rPr lang="vi-VN" sz="3600" dirty="0"/>
-              <a:t>Cậy </a:t>
-            </a:r>
-            <a:r>
-              <a:rPr lang="vi-VN" sz="3600" dirty="0" smtClean="0"/>
-              <a:t>Cha</a:t>
-            </a:r>
-            <a:r>
-              <a:rPr lang="en-US" sz="3600" dirty="0" smtClean="0"/>
-              <a:t> </a:t>
-            </a:r>
-            <a:r>
-              <a:rPr lang="vi-VN" sz="3600" dirty="0" smtClean="0"/>
-              <a:t>con </a:t>
-            </a:r>
-            <a:r>
-              <a:rPr lang="vi-VN" sz="3600" dirty="0"/>
-              <a:t>đây sẽ luôn vững </a:t>
-            </a:r>
-            <a:r>
-              <a:rPr lang="vi-VN" sz="3600" dirty="0" smtClean="0"/>
-              <a:t>tin</a:t>
-            </a:r>
-            <a:endParaRPr lang="zh-TW" altLang="en-US" sz="3600" dirty="0"/>
           </a:p>
         </p:txBody>
       </p:sp>

--- a/靠著耶穌得勝.pptx
+++ b/靠著耶穌得勝.pptx
@@ -5,10 +5,14 @@
     <p:sldMasterId id="2147483672" r:id="rId1"/>
   </p:sldMasterIdLst>
   <p:sldIdLst>
-    <p:sldId id="256" r:id="rId2"/>
-    <p:sldId id="257" r:id="rId3"/>
-    <p:sldId id="258" r:id="rId4"/>
-    <p:sldId id="259" r:id="rId5"/>
+    <p:sldId id="260" r:id="rId2"/>
+    <p:sldId id="261" r:id="rId3"/>
+    <p:sldId id="262" r:id="rId4"/>
+    <p:sldId id="263" r:id="rId5"/>
+    <p:sldId id="264" r:id="rId6"/>
+    <p:sldId id="265" r:id="rId7"/>
+    <p:sldId id="266" r:id="rId8"/>
+    <p:sldId id="267" r:id="rId9"/>
   </p:sldIdLst>
   <p:sldSz cx="9144000" cy="5143500" type="screen16x9"/>
   <p:notesSz cx="6858000" cy="9144000"/>
@@ -107,6 +111,22 @@
       </a:defRPr>
     </a:lvl9pPr>
   </p:defaultTextStyle>
+  <p:extLst>
+    <p:ext uri="{EFAFB233-063F-42B5-8137-9DF3F51BA10A}">
+      <p15:sldGuideLst xmlns:p15="http://schemas.microsoft.com/office/powerpoint/2012/main">
+        <p15:guide id="1" orient="horz" pos="1620">
+          <p15:clr>
+            <a:srgbClr val="A4A3A4"/>
+          </p15:clr>
+        </p15:guide>
+        <p15:guide id="2" pos="2880">
+          <p15:clr>
+            <a:srgbClr val="A4A3A4"/>
+          </p15:clr>
+        </p15:guide>
+      </p15:sldGuideLst>
+    </p:ext>
+  </p:extLst>
 </p:presentation>
 </file>
 
@@ -291,7 +311,7 @@
           <a:p>
             <a:fld id="{90650502-3618-4BDE-8B7B-6341F82301FD}" type="datetimeFigureOut">
               <a:rPr lang="zh-TW" altLang="en-US" smtClean="0"/>
-              <a:t>2019/9/13</a:t>
+              <a:t>2022/1/7</a:t>
             </a:fld>
             <a:endParaRPr lang="zh-TW" altLang="en-US"/>
           </a:p>
@@ -456,7 +476,7 @@
           <a:p>
             <a:fld id="{90650502-3618-4BDE-8B7B-6341F82301FD}" type="datetimeFigureOut">
               <a:rPr lang="zh-TW" altLang="en-US" smtClean="0"/>
-              <a:t>2019/9/13</a:t>
+              <a:t>2022/1/7</a:t>
             </a:fld>
             <a:endParaRPr lang="zh-TW" altLang="en-US"/>
           </a:p>
@@ -631,7 +651,7 @@
           <a:p>
             <a:fld id="{90650502-3618-4BDE-8B7B-6341F82301FD}" type="datetimeFigureOut">
               <a:rPr lang="zh-TW" altLang="en-US" smtClean="0"/>
-              <a:t>2019/9/13</a:t>
+              <a:t>2022/1/7</a:t>
             </a:fld>
             <a:endParaRPr lang="zh-TW" altLang="en-US"/>
           </a:p>
@@ -796,7 +816,7 @@
           <a:p>
             <a:fld id="{90650502-3618-4BDE-8B7B-6341F82301FD}" type="datetimeFigureOut">
               <a:rPr lang="zh-TW" altLang="en-US" smtClean="0"/>
-              <a:t>2019/9/13</a:t>
+              <a:t>2022/1/7</a:t>
             </a:fld>
             <a:endParaRPr lang="zh-TW" altLang="en-US"/>
           </a:p>
@@ -1037,7 +1057,7 @@
           <a:p>
             <a:fld id="{90650502-3618-4BDE-8B7B-6341F82301FD}" type="datetimeFigureOut">
               <a:rPr lang="zh-TW" altLang="en-US" smtClean="0"/>
-              <a:t>2019/9/13</a:t>
+              <a:t>2022/1/7</a:t>
             </a:fld>
             <a:endParaRPr lang="zh-TW" altLang="en-US"/>
           </a:p>
@@ -1320,7 +1340,7 @@
           <a:p>
             <a:fld id="{90650502-3618-4BDE-8B7B-6341F82301FD}" type="datetimeFigureOut">
               <a:rPr lang="zh-TW" altLang="en-US" smtClean="0"/>
-              <a:t>2019/9/13</a:t>
+              <a:t>2022/1/7</a:t>
             </a:fld>
             <a:endParaRPr lang="zh-TW" altLang="en-US"/>
           </a:p>
@@ -1737,7 +1757,7 @@
           <a:p>
             <a:fld id="{90650502-3618-4BDE-8B7B-6341F82301FD}" type="datetimeFigureOut">
               <a:rPr lang="zh-TW" altLang="en-US" smtClean="0"/>
-              <a:t>2019/9/13</a:t>
+              <a:t>2022/1/7</a:t>
             </a:fld>
             <a:endParaRPr lang="zh-TW" altLang="en-US"/>
           </a:p>
@@ -1850,7 +1870,7 @@
           <a:p>
             <a:fld id="{90650502-3618-4BDE-8B7B-6341F82301FD}" type="datetimeFigureOut">
               <a:rPr lang="zh-TW" altLang="en-US" smtClean="0"/>
-              <a:t>2019/9/13</a:t>
+              <a:t>2022/1/7</a:t>
             </a:fld>
             <a:endParaRPr lang="zh-TW" altLang="en-US"/>
           </a:p>
@@ -1940,7 +1960,7 @@
           <a:p>
             <a:fld id="{90650502-3618-4BDE-8B7B-6341F82301FD}" type="datetimeFigureOut">
               <a:rPr lang="zh-TW" altLang="en-US" smtClean="0"/>
-              <a:t>2019/9/13</a:t>
+              <a:t>2022/1/7</a:t>
             </a:fld>
             <a:endParaRPr lang="zh-TW" altLang="en-US"/>
           </a:p>
@@ -2212,7 +2232,7 @@
           <a:p>
             <a:fld id="{90650502-3618-4BDE-8B7B-6341F82301FD}" type="datetimeFigureOut">
               <a:rPr lang="zh-TW" altLang="en-US" smtClean="0"/>
-              <a:t>2019/9/13</a:t>
+              <a:t>2022/1/7</a:t>
             </a:fld>
             <a:endParaRPr lang="zh-TW" altLang="en-US"/>
           </a:p>
@@ -2464,7 +2484,7 @@
           <a:p>
             <a:fld id="{90650502-3618-4BDE-8B7B-6341F82301FD}" type="datetimeFigureOut">
               <a:rPr lang="zh-TW" altLang="en-US" smtClean="0"/>
-              <a:t>2019/9/13</a:t>
+              <a:t>2022/1/7</a:t>
             </a:fld>
             <a:endParaRPr lang="zh-TW" altLang="en-US"/>
           </a:p>
@@ -2677,7 +2697,7 @@
           <a:p>
             <a:fld id="{90650502-3618-4BDE-8B7B-6341F82301FD}" type="datetimeFigureOut">
               <a:rPr lang="zh-TW" altLang="en-US" smtClean="0"/>
-              <a:t>2019/9/13</a:t>
+              <a:t>2022/1/7</a:t>
             </a:fld>
             <a:endParaRPr lang="zh-TW" altLang="en-US"/>
           </a:p>
@@ -3057,164 +3077,61 @@
             <p:ph type="title"/>
           </p:nvPr>
         </p:nvSpPr>
-        <p:spPr/>
+        <p:spPr>
+          <a:xfrm>
+            <a:off x="0" y="1995686"/>
+            <a:ext cx="9144000" cy="857250"/>
+          </a:xfrm>
+        </p:spPr>
         <p:txBody>
           <a:bodyPr>
-            <a:normAutofit/>
+            <a:noAutofit/>
           </a:bodyPr>
           <a:lstStyle/>
           <a:p>
             <a:r>
-              <a:rPr lang="zh-TW" altLang="en-US" sz="4000" b="1" dirty="0">
-                <a:latin typeface="Microsoft JhengHei" pitchFamily="34" charset="-120"/>
-                <a:ea typeface="Microsoft JhengHei" pitchFamily="34" charset="-120"/>
-              </a:rPr>
-              <a:t>靠著耶穌</a:t>
-            </a:r>
-            <a:r>
-              <a:rPr lang="zh-TW" altLang="en-US" sz="4000" b="1" dirty="0" smtClean="0">
-                <a:latin typeface="Microsoft JhengHei" pitchFamily="34" charset="-120"/>
-                <a:ea typeface="Microsoft JhengHei" pitchFamily="34" charset="-120"/>
-              </a:rPr>
-              <a:t>得勝</a:t>
-            </a:r>
-            <a:endParaRPr lang="zh-TW" altLang="en-US" sz="4000" b="1" dirty="0">
-              <a:latin typeface="Microsoft JhengHei" pitchFamily="34" charset="-120"/>
-              <a:ea typeface="Microsoft JhengHei" pitchFamily="34" charset="-120"/>
-            </a:endParaRPr>
-          </a:p>
-        </p:txBody>
-      </p:sp>
-      <p:sp>
-        <p:nvSpPr>
-          <p:cNvPr id="5" name="內容版面配置區 4"/>
-          <p:cNvSpPr>
-            <a:spLocks noGrp="1"/>
-          </p:cNvSpPr>
-          <p:nvPr>
-            <p:ph idx="1"/>
-          </p:nvPr>
-        </p:nvSpPr>
-        <p:spPr/>
-        <p:txBody>
-          <a:bodyPr>
-            <a:normAutofit/>
-          </a:bodyPr>
-          <a:lstStyle/>
-          <a:p>
-            <a:pPr algn="ctr">
-              <a:buNone/>
-            </a:pPr>
-            <a:r>
-              <a:rPr lang="zh-TW" altLang="en-US" sz="4800" b="1" dirty="0">
-                <a:latin typeface="Microsoft JhengHei" pitchFamily="34" charset="-120"/>
-                <a:ea typeface="Microsoft JhengHei" pitchFamily="34" charset="-120"/>
-              </a:rPr>
-              <a:t>在你愛裡我要</a:t>
-            </a:r>
-            <a:r>
-              <a:rPr lang="zh-TW" altLang="en-US" sz="4800" b="1" dirty="0" smtClean="0">
-                <a:latin typeface="Microsoft JhengHei" pitchFamily="34" charset="-120"/>
-                <a:ea typeface="Microsoft JhengHei" pitchFamily="34" charset="-120"/>
-              </a:rPr>
-              <a:t>宣告</a:t>
-            </a:r>
-            <a:endParaRPr lang="en-US" altLang="zh-TW" sz="4800" b="1" dirty="0" smtClean="0">
-              <a:latin typeface="Microsoft JhengHei" pitchFamily="34" charset="-120"/>
-              <a:ea typeface="Microsoft JhengHei" pitchFamily="34" charset="-120"/>
-            </a:endParaRPr>
-          </a:p>
-          <a:p>
-            <a:pPr algn="ctr">
-              <a:buNone/>
-            </a:pPr>
-            <a:r>
-              <a:rPr lang="zh-TW" altLang="en-US" sz="4800" b="1" dirty="0" smtClean="0">
-                <a:latin typeface="Microsoft JhengHei" pitchFamily="34" charset="-120"/>
-                <a:ea typeface="Microsoft JhengHei" pitchFamily="34" charset="-120"/>
-              </a:rPr>
-              <a:t>軟弱</a:t>
-            </a:r>
-            <a:r>
-              <a:rPr lang="zh-TW" altLang="en-US" sz="4800" b="1" dirty="0">
-                <a:latin typeface="Microsoft JhengHei" pitchFamily="34" charset="-120"/>
-                <a:ea typeface="Microsoft JhengHei" pitchFamily="34" charset="-120"/>
-              </a:rPr>
-              <a:t>己得</a:t>
-            </a:r>
-            <a:r>
-              <a:rPr lang="zh-TW" altLang="en-US" sz="4800" b="1" dirty="0" smtClean="0">
-                <a:latin typeface="Microsoft JhengHei" pitchFamily="34" charset="-120"/>
-                <a:ea typeface="Microsoft JhengHei" pitchFamily="34" charset="-120"/>
-              </a:rPr>
-              <a:t>改變</a:t>
-            </a:r>
-            <a:endParaRPr lang="en-US" altLang="zh-TW" sz="4800" b="1" dirty="0">
-              <a:latin typeface="Microsoft JhengHei" pitchFamily="34" charset="-120"/>
-              <a:ea typeface="Microsoft JhengHei" pitchFamily="34" charset="-120"/>
-            </a:endParaRPr>
-          </a:p>
-          <a:p>
-            <a:pPr algn="ctr">
-              <a:buNone/>
-            </a:pPr>
-            <a:r>
-              <a:rPr lang="zh-TW" altLang="en-US" sz="4800" b="1" dirty="0" smtClean="0">
-                <a:latin typeface="Microsoft JhengHei" pitchFamily="34" charset="-120"/>
-                <a:ea typeface="Microsoft JhengHei" pitchFamily="34" charset="-120"/>
-              </a:rPr>
-              <a:t>在</a:t>
-            </a:r>
-            <a:r>
-              <a:rPr lang="zh-TW" altLang="en-US" sz="4800" b="1" dirty="0">
-                <a:latin typeface="Microsoft JhengHei" pitchFamily="34" charset="-120"/>
-                <a:ea typeface="Microsoft JhengHei" pitchFamily="34" charset="-120"/>
-              </a:rPr>
-              <a:t>你愛裡我要</a:t>
-            </a:r>
-            <a:r>
-              <a:rPr lang="zh-TW" altLang="en-US" sz="4800" b="1" dirty="0" smtClean="0">
-                <a:latin typeface="Microsoft JhengHei" pitchFamily="34" charset="-120"/>
-                <a:ea typeface="Microsoft JhengHei" pitchFamily="34" charset="-120"/>
-              </a:rPr>
-              <a:t>宣告</a:t>
-            </a:r>
-            <a:r>
-              <a:rPr lang="en-US" altLang="zh-TW" sz="4800" b="1" dirty="0" smtClean="0">
-                <a:latin typeface="Microsoft JhengHei" pitchFamily="34" charset="-120"/>
-                <a:ea typeface="Microsoft JhengHei" pitchFamily="34" charset="-120"/>
-              </a:rPr>
-              <a:t>  </a:t>
-            </a:r>
-            <a:r>
-              <a:rPr lang="zh-TW" altLang="en-US" sz="4800" b="1" dirty="0" smtClean="0">
-                <a:latin typeface="Microsoft JhengHei" pitchFamily="34" charset="-120"/>
-                <a:ea typeface="Microsoft JhengHei" pitchFamily="34" charset="-120"/>
-              </a:rPr>
-              <a:t>你</a:t>
-            </a:r>
-            <a:r>
-              <a:rPr lang="zh-TW" altLang="en-US" sz="4800" b="1" dirty="0">
-                <a:latin typeface="Microsoft JhengHei" pitchFamily="34" charset="-120"/>
-                <a:ea typeface="Microsoft JhengHei" pitchFamily="34" charset="-120"/>
-              </a:rPr>
-              <a:t>是</a:t>
-            </a:r>
-            <a:r>
-              <a:rPr lang="zh-TW" altLang="en-US" sz="4800" b="1" dirty="0" smtClean="0">
-                <a:latin typeface="Microsoft JhengHei" pitchFamily="34" charset="-120"/>
-                <a:ea typeface="Microsoft JhengHei" pitchFamily="34" charset="-120"/>
-              </a:rPr>
-              <a:t>王</a:t>
-            </a:r>
-            <a:endParaRPr lang="zh-TW" altLang="en-US" sz="4800" b="1" dirty="0">
-              <a:latin typeface="Microsoft JhengHei" pitchFamily="34" charset="-120"/>
-              <a:ea typeface="Microsoft JhengHei" pitchFamily="34" charset="-120"/>
-            </a:endParaRPr>
+              <a:rPr lang="zh-TW" altLang="en-US" sz="5400" b="1" i="1" dirty="0" smtClean="0">
+                <a:solidFill>
+                  <a:srgbClr val="000066"/>
+                </a:solidFill>
+                <a:effectLst>
+                  <a:outerShdw blurRad="38100" dist="38100" dir="2700000" algn="tl">
+                    <a:srgbClr val="000000">
+                      <a:alpha val="43137"/>
+                    </a:srgbClr>
+                  </a:outerShdw>
+                </a:effectLst>
+                <a:latin typeface="微軟正黑體" pitchFamily="34" charset="-120"/>
+                <a:ea typeface="微軟正黑體" pitchFamily="34" charset="-120"/>
+              </a:rPr>
+              <a:t>靠</a:t>
+            </a:r>
+            <a:r>
+              <a:rPr lang="zh-TW" altLang="en-US" sz="5400" b="1" i="1" dirty="0">
+                <a:solidFill>
+                  <a:srgbClr val="000066"/>
+                </a:solidFill>
+                <a:effectLst>
+                  <a:outerShdw blurRad="38100" dist="38100" dir="2700000" algn="tl">
+                    <a:srgbClr val="000000">
+                      <a:alpha val="43137"/>
+                    </a:srgbClr>
+                  </a:outerShdw>
+                </a:effectLst>
+                <a:latin typeface="微軟正黑體" pitchFamily="34" charset="-120"/>
+                <a:ea typeface="微軟正黑體" pitchFamily="34" charset="-120"/>
+              </a:rPr>
+              <a:t>著耶穌得勝</a:t>
+            </a:r>
           </a:p>
         </p:txBody>
       </p:sp>
     </p:spTree>
+    <p:extLst>
+      <p:ext uri="{BB962C8B-B14F-4D97-AF65-F5344CB8AC3E}">
+        <p14:creationId xmlns:p14="http://schemas.microsoft.com/office/powerpoint/2010/main" val="2926926407"/>
+      </p:ext>
+    </p:extLst>
   </p:cSld>
   <p:clrMapOvr>
     <a:masterClrMapping/>
@@ -3241,90 +3158,174 @@
       </p:grpSpPr>
       <p:sp>
         <p:nvSpPr>
-          <p:cNvPr id="4" name="標題 3"/>
-          <p:cNvSpPr>
-            <a:spLocks noGrp="1"/>
-          </p:cNvSpPr>
-          <p:nvPr>
-            <p:ph type="title"/>
-          </p:nvPr>
-        </p:nvSpPr>
-        <p:spPr/>
-        <p:txBody>
-          <a:bodyPr>
+          <p:cNvPr id="5" name="內容版面配置區 4"/>
+          <p:cNvSpPr>
+            <a:spLocks noGrp="1"/>
+          </p:cNvSpPr>
+          <p:nvPr>
+            <p:ph idx="1"/>
+          </p:nvPr>
+        </p:nvSpPr>
+        <p:spPr>
+          <a:xfrm>
+            <a:off x="0" y="1563638"/>
+            <a:ext cx="9144000" cy="1803647"/>
+          </a:xfrm>
+        </p:spPr>
+        <p:txBody>
+          <a:bodyPr anchor="ctr">
             <a:normAutofit/>
           </a:bodyPr>
           <a:lstStyle/>
           <a:p>
-            <a:r>
-              <a:rPr lang="zh-TW" altLang="en-US" sz="4000" b="1" dirty="0">
-                <a:latin typeface="Microsoft JhengHei" pitchFamily="34" charset="-120"/>
-                <a:ea typeface="Microsoft JhengHei" pitchFamily="34" charset="-120"/>
-              </a:rPr>
-              <a:t>靠著耶穌得勝</a:t>
-            </a:r>
-          </a:p>
-        </p:txBody>
-      </p:sp>
-      <p:sp>
-        <p:nvSpPr>
-          <p:cNvPr id="5" name="內容版面配置區 4"/>
-          <p:cNvSpPr>
-            <a:spLocks noGrp="1"/>
-          </p:cNvSpPr>
-          <p:nvPr>
-            <p:ph idx="1"/>
-          </p:nvPr>
-        </p:nvSpPr>
-        <p:spPr/>
-        <p:txBody>
-          <a:bodyPr>
-            <a:normAutofit/>
+            <a:pPr algn="ctr">
+              <a:buNone/>
+            </a:pPr>
+            <a:r>
+              <a:rPr lang="zh-TW" altLang="en-US" sz="4800" b="1" dirty="0" smtClean="0">
+                <a:solidFill>
+                  <a:srgbClr val="000066"/>
+                </a:solidFill>
+                <a:latin typeface="微軟正黑體" pitchFamily="34" charset="-120"/>
+                <a:ea typeface="微軟正黑體" pitchFamily="34" charset="-120"/>
+              </a:rPr>
+              <a:t>在</a:t>
+            </a:r>
+            <a:r>
+              <a:rPr lang="zh-CN" altLang="en-US" sz="4800" b="1" dirty="0" smtClean="0">
+                <a:solidFill>
+                  <a:srgbClr val="000066"/>
+                </a:solidFill>
+                <a:latin typeface="微軟正黑體" pitchFamily="34" charset="-120"/>
+                <a:ea typeface="微軟正黑體" pitchFamily="34" charset="-120"/>
+              </a:rPr>
+              <a:t>袮</a:t>
+            </a:r>
+            <a:r>
+              <a:rPr lang="zh-TW" altLang="en-US" sz="4800" b="1" dirty="0" smtClean="0">
+                <a:solidFill>
+                  <a:srgbClr val="000066"/>
+                </a:solidFill>
+                <a:latin typeface="微軟正黑體" pitchFamily="34" charset="-120"/>
+                <a:ea typeface="微軟正黑體" pitchFamily="34" charset="-120"/>
+              </a:rPr>
+              <a:t>愛</a:t>
+            </a:r>
+            <a:r>
+              <a:rPr lang="zh-TW" altLang="en-US" sz="4800" b="1" dirty="0">
+                <a:solidFill>
+                  <a:srgbClr val="000066"/>
+                </a:solidFill>
+                <a:latin typeface="微軟正黑體" pitchFamily="34" charset="-120"/>
+                <a:ea typeface="微軟正黑體" pitchFamily="34" charset="-120"/>
+              </a:rPr>
+              <a:t>裡我要宣告</a:t>
+            </a:r>
+            <a:endParaRPr lang="en-US" altLang="zh-TW" sz="4800" b="1" dirty="0">
+              <a:solidFill>
+                <a:srgbClr val="000066"/>
+              </a:solidFill>
+              <a:latin typeface="微軟正黑體" pitchFamily="34" charset="-120"/>
+              <a:ea typeface="微軟正黑體" pitchFamily="34" charset="-120"/>
+            </a:endParaRPr>
+          </a:p>
+          <a:p>
+            <a:pPr algn="ctr">
+              <a:buNone/>
+            </a:pPr>
+            <a:r>
+              <a:rPr lang="zh-TW" altLang="en-US" sz="4800" b="1" dirty="0">
+                <a:solidFill>
+                  <a:srgbClr val="000066"/>
+                </a:solidFill>
+                <a:latin typeface="微軟正黑體" pitchFamily="34" charset="-120"/>
+                <a:ea typeface="微軟正黑體" pitchFamily="34" charset="-120"/>
+              </a:rPr>
+              <a:t>軟弱己得改變</a:t>
+            </a:r>
+            <a:endParaRPr lang="en-US" altLang="zh-TW" sz="4800" b="1" dirty="0">
+              <a:solidFill>
+                <a:srgbClr val="000066"/>
+              </a:solidFill>
+              <a:latin typeface="微軟正黑體" pitchFamily="34" charset="-120"/>
+              <a:ea typeface="微軟正黑體" pitchFamily="34" charset="-120"/>
+            </a:endParaRPr>
+          </a:p>
+        </p:txBody>
+      </p:sp>
+      <p:sp>
+        <p:nvSpPr>
+          <p:cNvPr id="3" name="TextBox 2"/>
+          <p:cNvSpPr txBox="1"/>
+          <p:nvPr/>
+        </p:nvSpPr>
+        <p:spPr>
+          <a:xfrm>
+            <a:off x="0" y="3939903"/>
+            <a:ext cx="9143999" cy="646331"/>
+          </a:xfrm>
+          <a:prstGeom prst="rect">
+            <a:avLst/>
+          </a:prstGeom>
+          <a:noFill/>
+        </p:spPr>
+        <p:txBody>
+          <a:bodyPr wrap="square" rtlCol="0">
+            <a:spAutoFit/>
           </a:bodyPr>
           <a:lstStyle/>
           <a:p>
-            <a:pPr algn="ctr">
-              <a:buNone/>
-            </a:pPr>
-            <a:r>
-              <a:rPr lang="zh-TW" altLang="en-US" sz="4800" b="1" dirty="0">
-                <a:latin typeface="Microsoft JhengHei" pitchFamily="34" charset="-120"/>
-                <a:ea typeface="Microsoft JhengHei" pitchFamily="34" charset="-120"/>
-              </a:rPr>
-              <a:t>在你愛裡我要宣告</a:t>
-            </a:r>
-          </a:p>
-          <a:p>
-            <a:pPr algn="ctr">
-              <a:buNone/>
-            </a:pPr>
-            <a:r>
-              <a:rPr lang="zh-TW" altLang="en-US" sz="4800" b="1" dirty="0">
-                <a:latin typeface="Microsoft JhengHei" pitchFamily="34" charset="-120"/>
-                <a:ea typeface="Microsoft JhengHei" pitchFamily="34" charset="-120"/>
-              </a:rPr>
-              <a:t>我不必罪中打轉</a:t>
-            </a:r>
-            <a:endParaRPr lang="en-US" altLang="zh-TW" sz="4800" b="1" dirty="0">
-              <a:latin typeface="Microsoft JhengHei" pitchFamily="34" charset="-120"/>
-              <a:ea typeface="Microsoft JhengHei" pitchFamily="34" charset="-120"/>
+            <a:pPr algn="ctr"/>
+            <a:r>
+              <a:rPr lang="en-US" altLang="zh-TW" sz="3600" b="1" dirty="0" smtClean="0">
+                <a:solidFill>
+                  <a:srgbClr val="000066"/>
+                </a:solidFill>
+                <a:effectLst/>
+                <a:latin typeface="Microsoft JhengHei" panose="020B0604030504040204" pitchFamily="34" charset="-120"/>
+                <a:ea typeface="Microsoft JhengHei" panose="020B0604030504040204" pitchFamily="34" charset="-120"/>
+              </a:rPr>
+              <a:t>( </a:t>
+            </a:r>
+            <a:r>
+              <a:rPr lang="zh-CN" altLang="en-US" sz="3600" b="1" dirty="0" smtClean="0">
+                <a:solidFill>
+                  <a:srgbClr val="000066"/>
+                </a:solidFill>
+                <a:effectLst/>
+                <a:latin typeface="Microsoft JhengHei" panose="020B0604030504040204" pitchFamily="34" charset="-120"/>
+                <a:ea typeface="Microsoft JhengHei" panose="020B0604030504040204" pitchFamily="34" charset="-120"/>
+              </a:rPr>
+              <a:t>正 </a:t>
+            </a:r>
+            <a:r>
+              <a:rPr lang="en-US" altLang="zh-TW" sz="3600" b="1" dirty="0" smtClean="0">
+                <a:solidFill>
+                  <a:srgbClr val="000066"/>
+                </a:solidFill>
+                <a:effectLst/>
+                <a:latin typeface="Microsoft JhengHei" panose="020B0604030504040204" pitchFamily="34" charset="-120"/>
+                <a:ea typeface="Microsoft JhengHei" panose="020B0604030504040204" pitchFamily="34" charset="-120"/>
+              </a:rPr>
+              <a:t>)</a:t>
+            </a:r>
+            <a:endParaRPr lang="vi-VN" sz="3600" b="1" dirty="0">
+              <a:solidFill>
+                <a:srgbClr val="000066"/>
+              </a:solidFill>
+              <a:effectLst/>
+              <a:latin typeface="Microsoft JhengHei" panose="020B0604030504040204" pitchFamily="34" charset="-120"/>
+              <a:ea typeface="Microsoft JhengHei" panose="020B0604030504040204" pitchFamily="34" charset="-120"/>
             </a:endParaRPr>
           </a:p>
-          <a:p>
-            <a:pPr algn="ctr">
-              <a:buNone/>
-            </a:pPr>
-            <a:r>
-              <a:rPr lang="zh-TW" altLang="en-US" sz="4800" b="1" dirty="0">
-                <a:latin typeface="Microsoft JhengHei" pitchFamily="34" charset="-120"/>
-                <a:ea typeface="Microsoft JhengHei" pitchFamily="34" charset="-120"/>
-              </a:rPr>
-              <a:t>是你帶領著我得勝</a:t>
-            </a:r>
-          </a:p>
         </p:txBody>
       </p:sp>
     </p:spTree>
+    <p:extLst>
+      <p:ext uri="{BB962C8B-B14F-4D97-AF65-F5344CB8AC3E}">
+        <p14:creationId xmlns:p14="http://schemas.microsoft.com/office/powerpoint/2010/main" val="3718944362"/>
+      </p:ext>
+    </p:extLst>
   </p:cSld>
   <p:clrMapOvr>
     <a:masterClrMapping/>
@@ -3351,90 +3352,185 @@
       </p:grpSpPr>
       <p:sp>
         <p:nvSpPr>
-          <p:cNvPr id="4" name="標題 3"/>
-          <p:cNvSpPr>
-            <a:spLocks noGrp="1"/>
-          </p:cNvSpPr>
-          <p:nvPr>
-            <p:ph type="title"/>
-          </p:nvPr>
-        </p:nvSpPr>
-        <p:spPr/>
-        <p:txBody>
-          <a:bodyPr>
+          <p:cNvPr id="5" name="內容版面配置區 4"/>
+          <p:cNvSpPr>
+            <a:spLocks noGrp="1"/>
+          </p:cNvSpPr>
+          <p:nvPr>
+            <p:ph idx="1"/>
+          </p:nvPr>
+        </p:nvSpPr>
+        <p:spPr>
+          <a:xfrm>
+            <a:off x="0" y="1563638"/>
+            <a:ext cx="9144000" cy="1803647"/>
+          </a:xfrm>
+        </p:spPr>
+        <p:txBody>
+          <a:bodyPr anchor="ctr">
             <a:normAutofit/>
           </a:bodyPr>
           <a:lstStyle/>
           <a:p>
-            <a:r>
-              <a:rPr lang="zh-TW" altLang="en-US" sz="4000" b="1" dirty="0">
-                <a:latin typeface="Microsoft JhengHei" pitchFamily="34" charset="-120"/>
-                <a:ea typeface="Microsoft JhengHei" pitchFamily="34" charset="-120"/>
-              </a:rPr>
-              <a:t>靠著耶穌得勝</a:t>
-            </a:r>
-          </a:p>
-        </p:txBody>
-      </p:sp>
-      <p:sp>
-        <p:nvSpPr>
-          <p:cNvPr id="5" name="內容版面配置區 4"/>
-          <p:cNvSpPr>
-            <a:spLocks noGrp="1"/>
-          </p:cNvSpPr>
-          <p:nvPr>
-            <p:ph idx="1"/>
-          </p:nvPr>
-        </p:nvSpPr>
-        <p:spPr/>
-        <p:txBody>
-          <a:bodyPr>
-            <a:normAutofit/>
+            <a:pPr algn="ctr">
+              <a:buNone/>
+            </a:pPr>
+            <a:r>
+              <a:rPr lang="zh-TW" altLang="en-US" sz="4800" b="1" dirty="0" smtClean="0">
+                <a:solidFill>
+                  <a:srgbClr val="000066"/>
+                </a:solidFill>
+                <a:latin typeface="微軟正黑體" pitchFamily="34" charset="-120"/>
+                <a:ea typeface="微軟正黑體" pitchFamily="34" charset="-120"/>
+              </a:rPr>
+              <a:t>在</a:t>
+            </a:r>
+            <a:r>
+              <a:rPr lang="zh-CN" altLang="en-US" sz="4800" b="1" dirty="0">
+                <a:solidFill>
+                  <a:srgbClr val="000066"/>
+                </a:solidFill>
+                <a:latin typeface="微軟正黑體" pitchFamily="34" charset="-120"/>
+                <a:ea typeface="微軟正黑體" pitchFamily="34" charset="-120"/>
+              </a:rPr>
+              <a:t>袮</a:t>
+            </a:r>
+            <a:r>
+              <a:rPr lang="zh-TW" altLang="en-US" sz="4800" b="1" dirty="0" smtClean="0">
+                <a:solidFill>
+                  <a:srgbClr val="000066"/>
+                </a:solidFill>
+                <a:latin typeface="微軟正黑體" pitchFamily="34" charset="-120"/>
+                <a:ea typeface="微軟正黑體" pitchFamily="34" charset="-120"/>
+              </a:rPr>
+              <a:t>愛</a:t>
+            </a:r>
+            <a:r>
+              <a:rPr lang="zh-TW" altLang="en-US" sz="4800" b="1" dirty="0">
+                <a:solidFill>
+                  <a:srgbClr val="000066"/>
+                </a:solidFill>
+                <a:latin typeface="微軟正黑體" pitchFamily="34" charset="-120"/>
+                <a:ea typeface="微軟正黑體" pitchFamily="34" charset="-120"/>
+              </a:rPr>
+              <a:t>裡我要宣</a:t>
+            </a:r>
+            <a:r>
+              <a:rPr lang="zh-TW" altLang="en-US" sz="4800" b="1" dirty="0" smtClean="0">
+                <a:solidFill>
+                  <a:srgbClr val="000066"/>
+                </a:solidFill>
+                <a:latin typeface="微軟正黑體" pitchFamily="34" charset="-120"/>
+                <a:ea typeface="微軟正黑體" pitchFamily="34" charset="-120"/>
+              </a:rPr>
+              <a:t>告   </a:t>
+            </a:r>
+            <a:r>
+              <a:rPr lang="zh-CN" altLang="en-US" sz="4800" b="1" dirty="0" smtClean="0">
+                <a:solidFill>
+                  <a:srgbClr val="000066"/>
+                </a:solidFill>
+                <a:latin typeface="微軟正黑體" pitchFamily="34" charset="-120"/>
+                <a:ea typeface="微軟正黑體" pitchFamily="34" charset="-120"/>
+              </a:rPr>
+              <a:t>袮</a:t>
+            </a:r>
+            <a:r>
+              <a:rPr lang="zh-TW" altLang="en-US" sz="4800" b="1" dirty="0" smtClean="0">
+                <a:solidFill>
+                  <a:srgbClr val="000066"/>
+                </a:solidFill>
+                <a:latin typeface="微軟正黑體" pitchFamily="34" charset="-120"/>
+                <a:ea typeface="微軟正黑體" pitchFamily="34" charset="-120"/>
+              </a:rPr>
+              <a:t>是</a:t>
+            </a:r>
+            <a:r>
+              <a:rPr lang="zh-TW" altLang="en-US" sz="4800" b="1" dirty="0">
+                <a:solidFill>
+                  <a:srgbClr val="000066"/>
+                </a:solidFill>
+                <a:latin typeface="微軟正黑體" pitchFamily="34" charset="-120"/>
+                <a:ea typeface="微軟正黑體" pitchFamily="34" charset="-120"/>
+              </a:rPr>
+              <a:t>王</a:t>
+            </a:r>
+          </a:p>
+        </p:txBody>
+      </p:sp>
+      <p:sp>
+        <p:nvSpPr>
+          <p:cNvPr id="3" name="TextBox 2"/>
+          <p:cNvSpPr txBox="1"/>
+          <p:nvPr/>
+        </p:nvSpPr>
+        <p:spPr>
+          <a:xfrm>
+            <a:off x="0" y="3939903"/>
+            <a:ext cx="9143999" cy="646331"/>
+          </a:xfrm>
+          <a:prstGeom prst="rect">
+            <a:avLst/>
+          </a:prstGeom>
+          <a:noFill/>
+        </p:spPr>
+        <p:txBody>
+          <a:bodyPr wrap="square" rtlCol="0">
+            <a:spAutoFit/>
           </a:bodyPr>
           <a:lstStyle/>
           <a:p>
-            <a:pPr algn="ctr">
-              <a:buNone/>
-            </a:pPr>
-            <a:r>
-              <a:rPr lang="zh-TW" altLang="en-US" sz="4800" b="1" dirty="0">
-                <a:latin typeface="Microsoft JhengHei" pitchFamily="34" charset="-120"/>
-                <a:ea typeface="Microsoft JhengHei" pitchFamily="34" charset="-120"/>
-              </a:rPr>
-              <a:t>靠著耶穌得勝</a:t>
-            </a:r>
-            <a:endParaRPr lang="en-US" altLang="zh-TW" sz="4800" b="1" dirty="0">
-              <a:latin typeface="Microsoft JhengHei" pitchFamily="34" charset="-120"/>
-              <a:ea typeface="Microsoft JhengHei" pitchFamily="34" charset="-120"/>
+            <a:pPr algn="ctr"/>
+            <a:r>
+              <a:rPr lang="en-US" altLang="zh-TW" sz="3600" b="1" dirty="0" smtClean="0">
+                <a:solidFill>
+                  <a:srgbClr val="000066"/>
+                </a:solidFill>
+                <a:effectLst/>
+                <a:latin typeface="Microsoft JhengHei" panose="020B0604030504040204" pitchFamily="34" charset="-120"/>
+                <a:ea typeface="Microsoft JhengHei" panose="020B0604030504040204" pitchFamily="34" charset="-120"/>
+              </a:rPr>
+              <a:t>( </a:t>
+            </a:r>
+            <a:r>
+              <a:rPr lang="zh-CN" altLang="en-US" sz="3600" b="1" dirty="0" smtClean="0">
+                <a:solidFill>
+                  <a:srgbClr val="000066"/>
+                </a:solidFill>
+                <a:effectLst/>
+                <a:latin typeface="Microsoft JhengHei" panose="020B0604030504040204" pitchFamily="34" charset="-120"/>
+                <a:ea typeface="Microsoft JhengHei" panose="020B0604030504040204" pitchFamily="34" charset="-120"/>
+              </a:rPr>
+              <a:t>正 </a:t>
+            </a:r>
+            <a:r>
+              <a:rPr lang="en-US" altLang="zh-TW" sz="3600" b="1" dirty="0" smtClean="0">
+                <a:solidFill>
+                  <a:srgbClr val="000066"/>
+                </a:solidFill>
+                <a:effectLst/>
+                <a:latin typeface="Microsoft JhengHei" panose="020B0604030504040204" pitchFamily="34" charset="-120"/>
+                <a:ea typeface="Microsoft JhengHei" panose="020B0604030504040204" pitchFamily="34" charset="-120"/>
+              </a:rPr>
+              <a:t>)</a:t>
+            </a:r>
+            <a:endParaRPr lang="vi-VN" sz="3600" b="1" dirty="0">
+              <a:solidFill>
+                <a:srgbClr val="000066"/>
+              </a:solidFill>
+              <a:effectLst/>
+              <a:latin typeface="Microsoft JhengHei" panose="020B0604030504040204" pitchFamily="34" charset="-120"/>
+              <a:ea typeface="Microsoft JhengHei" panose="020B0604030504040204" pitchFamily="34" charset="-120"/>
             </a:endParaRPr>
           </a:p>
-          <a:p>
-            <a:pPr algn="ctr">
-              <a:buNone/>
-            </a:pPr>
-            <a:r>
-              <a:rPr lang="zh-TW" altLang="en-US" sz="4800" b="1" dirty="0">
-                <a:latin typeface="Microsoft JhengHei" pitchFamily="34" charset="-120"/>
-                <a:ea typeface="Microsoft JhengHei" pitchFamily="34" charset="-120"/>
-              </a:rPr>
-              <a:t>靠著耶穌得勝</a:t>
-            </a:r>
-          </a:p>
-          <a:p>
-            <a:pPr algn="ctr">
-              <a:buNone/>
-            </a:pPr>
-            <a:r>
-              <a:rPr lang="zh-TW" altLang="en-US" sz="4800" b="1" dirty="0">
-                <a:latin typeface="Microsoft JhengHei" pitchFamily="34" charset="-120"/>
-                <a:ea typeface="Microsoft JhengHei" pitchFamily="34" charset="-120"/>
-              </a:rPr>
-              <a:t>終此生要靠著主愛去得勝</a:t>
-            </a:r>
-          </a:p>
         </p:txBody>
       </p:sp>
     </p:spTree>
+    <p:extLst>
+      <p:ext uri="{BB962C8B-B14F-4D97-AF65-F5344CB8AC3E}">
+        <p14:creationId xmlns:p14="http://schemas.microsoft.com/office/powerpoint/2010/main" val="225679146"/>
+      </p:ext>
+    </p:extLst>
   </p:cSld>
   <p:clrMapOvr>
     <a:masterClrMapping/>
@@ -3461,31 +3557,800 @@
       </p:grpSpPr>
       <p:sp>
         <p:nvSpPr>
-          <p:cNvPr id="4" name="標題 3"/>
-          <p:cNvSpPr>
-            <a:spLocks noGrp="1"/>
-          </p:cNvSpPr>
-          <p:nvPr>
-            <p:ph type="title"/>
-          </p:nvPr>
-        </p:nvSpPr>
-        <p:spPr/>
-        <p:txBody>
-          <a:bodyPr>
+          <p:cNvPr id="5" name="內容版面配置區 4"/>
+          <p:cNvSpPr>
+            <a:spLocks noGrp="1"/>
+          </p:cNvSpPr>
+          <p:nvPr>
+            <p:ph idx="1"/>
+          </p:nvPr>
+        </p:nvSpPr>
+        <p:spPr>
+          <a:xfrm>
+            <a:off x="0" y="1563638"/>
+            <a:ext cx="9144000" cy="1803647"/>
+          </a:xfrm>
+        </p:spPr>
+        <p:txBody>
+          <a:bodyPr anchor="ctr">
             <a:normAutofit/>
           </a:bodyPr>
           <a:lstStyle/>
           <a:p>
-            <a:r>
-              <a:rPr lang="zh-TW" altLang="en-US" sz="4000" b="1" dirty="0">
-                <a:latin typeface="Microsoft JhengHei" pitchFamily="34" charset="-120"/>
-                <a:ea typeface="Microsoft JhengHei" pitchFamily="34" charset="-120"/>
+            <a:pPr algn="ctr">
+              <a:buNone/>
+            </a:pPr>
+            <a:r>
+              <a:rPr lang="zh-TW" altLang="en-US" sz="4800" b="1" dirty="0" smtClean="0">
+                <a:solidFill>
+                  <a:srgbClr val="000066"/>
+                </a:solidFill>
+                <a:latin typeface="微軟正黑體" pitchFamily="34" charset="-120"/>
+                <a:ea typeface="微軟正黑體" pitchFamily="34" charset="-120"/>
+              </a:rPr>
+              <a:t>在</a:t>
+            </a:r>
+            <a:r>
+              <a:rPr lang="zh-CN" altLang="en-US" sz="4800" b="1" dirty="0">
+                <a:solidFill>
+                  <a:srgbClr val="000066"/>
+                </a:solidFill>
+                <a:latin typeface="微軟正黑體" pitchFamily="34" charset="-120"/>
+                <a:ea typeface="微軟正黑體" pitchFamily="34" charset="-120"/>
+              </a:rPr>
+              <a:t>袮</a:t>
+            </a:r>
+            <a:r>
+              <a:rPr lang="zh-TW" altLang="en-US" sz="4800" b="1" dirty="0" smtClean="0">
+                <a:solidFill>
+                  <a:srgbClr val="000066"/>
+                </a:solidFill>
+                <a:latin typeface="微軟正黑體" pitchFamily="34" charset="-120"/>
+                <a:ea typeface="微軟正黑體" pitchFamily="34" charset="-120"/>
+              </a:rPr>
+              <a:t>愛</a:t>
+            </a:r>
+            <a:r>
+              <a:rPr lang="zh-TW" altLang="en-US" sz="4800" b="1" dirty="0">
+                <a:solidFill>
+                  <a:srgbClr val="000066"/>
+                </a:solidFill>
+                <a:latin typeface="微軟正黑體" pitchFamily="34" charset="-120"/>
+                <a:ea typeface="微軟正黑體" pitchFamily="34" charset="-120"/>
+              </a:rPr>
+              <a:t>裡我要宣</a:t>
+            </a:r>
+            <a:r>
+              <a:rPr lang="zh-TW" altLang="en-US" sz="4800" b="1" dirty="0">
+                <a:solidFill>
+                  <a:srgbClr val="000066"/>
+                </a:solidFill>
+                <a:latin typeface="微軟正黑體" pitchFamily="34" charset="-120"/>
+                <a:ea typeface="微軟正黑體" pitchFamily="34" charset="-120"/>
+              </a:rPr>
+              <a:t>告</a:t>
+            </a:r>
+          </a:p>
+          <a:p>
+            <a:pPr algn="ctr">
+              <a:buNone/>
+            </a:pPr>
+            <a:r>
+              <a:rPr lang="zh-TW" altLang="en-US" sz="4800" b="1" dirty="0">
+                <a:solidFill>
+                  <a:srgbClr val="000066"/>
+                </a:solidFill>
+                <a:latin typeface="微軟正黑體" pitchFamily="34" charset="-120"/>
+                <a:ea typeface="微軟正黑體" pitchFamily="34" charset="-120"/>
+              </a:rPr>
+              <a:t>我不必罪中打轉</a:t>
+            </a:r>
+            <a:endParaRPr lang="zh-TW" altLang="en-US" sz="4800" b="1" dirty="0">
+              <a:solidFill>
+                <a:srgbClr val="000066"/>
+              </a:solidFill>
+              <a:latin typeface="微軟正黑體" pitchFamily="34" charset="-120"/>
+              <a:ea typeface="微軟正黑體" pitchFamily="34" charset="-120"/>
+            </a:endParaRPr>
+          </a:p>
+        </p:txBody>
+      </p:sp>
+      <p:sp>
+        <p:nvSpPr>
+          <p:cNvPr id="3" name="TextBox 2"/>
+          <p:cNvSpPr txBox="1"/>
+          <p:nvPr/>
+        </p:nvSpPr>
+        <p:spPr>
+          <a:xfrm>
+            <a:off x="0" y="3939903"/>
+            <a:ext cx="9143999" cy="646331"/>
+          </a:xfrm>
+          <a:prstGeom prst="rect">
+            <a:avLst/>
+          </a:prstGeom>
+          <a:noFill/>
+        </p:spPr>
+        <p:txBody>
+          <a:bodyPr wrap="square" rtlCol="0">
+            <a:spAutoFit/>
+          </a:bodyPr>
+          <a:lstStyle/>
+          <a:p>
+            <a:pPr algn="ctr"/>
+            <a:r>
+              <a:rPr lang="en-US" altLang="zh-TW" sz="3600" b="1" dirty="0" smtClean="0">
+                <a:solidFill>
+                  <a:srgbClr val="000066"/>
+                </a:solidFill>
+                <a:effectLst/>
+                <a:latin typeface="Microsoft JhengHei" panose="020B0604030504040204" pitchFamily="34" charset="-120"/>
+                <a:ea typeface="Microsoft JhengHei" panose="020B0604030504040204" pitchFamily="34" charset="-120"/>
+              </a:rPr>
+              <a:t>( </a:t>
+            </a:r>
+            <a:r>
+              <a:rPr lang="zh-CN" altLang="en-US" sz="3600" b="1" dirty="0" smtClean="0">
+                <a:solidFill>
+                  <a:srgbClr val="000066"/>
+                </a:solidFill>
+                <a:effectLst/>
+                <a:latin typeface="Microsoft JhengHei" panose="020B0604030504040204" pitchFamily="34" charset="-120"/>
+                <a:ea typeface="Microsoft JhengHei" panose="020B0604030504040204" pitchFamily="34" charset="-120"/>
+              </a:rPr>
+              <a:t>正 </a:t>
+            </a:r>
+            <a:r>
+              <a:rPr lang="en-US" altLang="zh-TW" sz="3600" b="1" dirty="0" smtClean="0">
+                <a:solidFill>
+                  <a:srgbClr val="000066"/>
+                </a:solidFill>
+                <a:effectLst/>
+                <a:latin typeface="Microsoft JhengHei" panose="020B0604030504040204" pitchFamily="34" charset="-120"/>
+                <a:ea typeface="Microsoft JhengHei" panose="020B0604030504040204" pitchFamily="34" charset="-120"/>
+              </a:rPr>
+              <a:t>)</a:t>
+            </a:r>
+            <a:endParaRPr lang="vi-VN" sz="3600" b="1" dirty="0">
+              <a:solidFill>
+                <a:srgbClr val="000066"/>
+              </a:solidFill>
+              <a:effectLst/>
+              <a:latin typeface="Microsoft JhengHei" panose="020B0604030504040204" pitchFamily="34" charset="-120"/>
+              <a:ea typeface="Microsoft JhengHei" panose="020B0604030504040204" pitchFamily="34" charset="-120"/>
+            </a:endParaRPr>
+          </a:p>
+        </p:txBody>
+      </p:sp>
+    </p:spTree>
+    <p:extLst>
+      <p:ext uri="{BB962C8B-B14F-4D97-AF65-F5344CB8AC3E}">
+        <p14:creationId xmlns:p14="http://schemas.microsoft.com/office/powerpoint/2010/main" val="3050699693"/>
+      </p:ext>
+    </p:extLst>
+  </p:cSld>
+  <p:clrMapOvr>
+    <a:masterClrMapping/>
+  </p:clrMapOvr>
+</p:sld>
+</file>
+
+<file path=ppt/slides/slide5.xml><?xml version="1.0" encoding="utf-8"?>
+<p:sld xmlns:a="http://schemas.openxmlformats.org/drawingml/2006/main" xmlns:r="http://schemas.openxmlformats.org/officeDocument/2006/relationships" xmlns:p="http://schemas.openxmlformats.org/presentationml/2006/main">
+  <p:cSld>
+    <p:spTree>
+      <p:nvGrpSpPr>
+        <p:cNvPr id="1" name=""/>
+        <p:cNvGrpSpPr/>
+        <p:nvPr/>
+      </p:nvGrpSpPr>
+      <p:grpSpPr>
+        <a:xfrm>
+          <a:off x="0" y="0"/>
+          <a:ext cx="0" cy="0"/>
+          <a:chOff x="0" y="0"/>
+          <a:chExt cx="0" cy="0"/>
+        </a:xfrm>
+      </p:grpSpPr>
+      <p:sp>
+        <p:nvSpPr>
+          <p:cNvPr id="5" name="內容版面配置區 4"/>
+          <p:cNvSpPr>
+            <a:spLocks noGrp="1"/>
+          </p:cNvSpPr>
+          <p:nvPr>
+            <p:ph idx="1"/>
+          </p:nvPr>
+        </p:nvSpPr>
+        <p:spPr>
+          <a:xfrm>
+            <a:off x="0" y="1563638"/>
+            <a:ext cx="9144000" cy="1803647"/>
+          </a:xfrm>
+        </p:spPr>
+        <p:txBody>
+          <a:bodyPr anchor="ctr">
+            <a:normAutofit/>
+          </a:bodyPr>
+          <a:lstStyle/>
+          <a:p>
+            <a:pPr algn="ctr">
+              <a:buNone/>
+            </a:pPr>
+            <a:r>
+              <a:rPr lang="zh-TW" altLang="en-US" sz="4800" b="1" dirty="0" smtClean="0">
+                <a:solidFill>
+                  <a:srgbClr val="000066"/>
+                </a:solidFill>
+                <a:latin typeface="微軟正黑體" pitchFamily="34" charset="-120"/>
+                <a:ea typeface="微軟正黑體" pitchFamily="34" charset="-120"/>
+              </a:rPr>
+              <a:t>是</a:t>
+            </a:r>
+            <a:r>
+              <a:rPr lang="zh-CN" altLang="en-US" sz="4800" b="1" dirty="0">
+                <a:solidFill>
+                  <a:srgbClr val="000066"/>
+                </a:solidFill>
+                <a:latin typeface="微軟正黑體" pitchFamily="34" charset="-120"/>
+                <a:ea typeface="微軟正黑體" pitchFamily="34" charset="-120"/>
+              </a:rPr>
+              <a:t>袮</a:t>
+            </a:r>
+            <a:r>
+              <a:rPr lang="zh-TW" altLang="en-US" sz="4800" b="1" dirty="0" smtClean="0">
+                <a:solidFill>
+                  <a:srgbClr val="000066"/>
+                </a:solidFill>
+                <a:latin typeface="微軟正黑體" pitchFamily="34" charset="-120"/>
+                <a:ea typeface="微軟正黑體" pitchFamily="34" charset="-120"/>
+              </a:rPr>
+              <a:t>帶</a:t>
+            </a:r>
+            <a:r>
+              <a:rPr lang="zh-TW" altLang="en-US" sz="4800" b="1" dirty="0">
+                <a:solidFill>
+                  <a:srgbClr val="000066"/>
+                </a:solidFill>
+                <a:latin typeface="微軟正黑體" pitchFamily="34" charset="-120"/>
+                <a:ea typeface="微軟正黑體" pitchFamily="34" charset="-120"/>
+              </a:rPr>
+              <a:t>領著我得勝</a:t>
+            </a:r>
+          </a:p>
+        </p:txBody>
+      </p:sp>
+      <p:sp>
+        <p:nvSpPr>
+          <p:cNvPr id="3" name="TextBox 2"/>
+          <p:cNvSpPr txBox="1"/>
+          <p:nvPr/>
+        </p:nvSpPr>
+        <p:spPr>
+          <a:xfrm>
+            <a:off x="0" y="3939903"/>
+            <a:ext cx="9143999" cy="646331"/>
+          </a:xfrm>
+          <a:prstGeom prst="rect">
+            <a:avLst/>
+          </a:prstGeom>
+          <a:noFill/>
+        </p:spPr>
+        <p:txBody>
+          <a:bodyPr wrap="square" rtlCol="0">
+            <a:spAutoFit/>
+          </a:bodyPr>
+          <a:lstStyle/>
+          <a:p>
+            <a:pPr algn="ctr"/>
+            <a:r>
+              <a:rPr lang="en-US" altLang="zh-TW" sz="3600" b="1" dirty="0" smtClean="0">
+                <a:solidFill>
+                  <a:srgbClr val="000066"/>
+                </a:solidFill>
+                <a:effectLst/>
+                <a:latin typeface="Microsoft JhengHei" panose="020B0604030504040204" pitchFamily="34" charset="-120"/>
+                <a:ea typeface="Microsoft JhengHei" panose="020B0604030504040204" pitchFamily="34" charset="-120"/>
+              </a:rPr>
+              <a:t>( </a:t>
+            </a:r>
+            <a:r>
+              <a:rPr lang="zh-CN" altLang="en-US" sz="3600" b="1" dirty="0" smtClean="0">
+                <a:solidFill>
+                  <a:srgbClr val="000066"/>
+                </a:solidFill>
+                <a:effectLst/>
+                <a:latin typeface="Microsoft JhengHei" panose="020B0604030504040204" pitchFamily="34" charset="-120"/>
+                <a:ea typeface="Microsoft JhengHei" panose="020B0604030504040204" pitchFamily="34" charset="-120"/>
+              </a:rPr>
+              <a:t>正 </a:t>
+            </a:r>
+            <a:r>
+              <a:rPr lang="en-US" altLang="zh-TW" sz="3600" b="1" dirty="0" smtClean="0">
+                <a:solidFill>
+                  <a:srgbClr val="000066"/>
+                </a:solidFill>
+                <a:effectLst/>
+                <a:latin typeface="Microsoft JhengHei" panose="020B0604030504040204" pitchFamily="34" charset="-120"/>
+                <a:ea typeface="Microsoft JhengHei" panose="020B0604030504040204" pitchFamily="34" charset="-120"/>
+              </a:rPr>
+              <a:t>)</a:t>
+            </a:r>
+            <a:endParaRPr lang="vi-VN" sz="3600" b="1" dirty="0">
+              <a:solidFill>
+                <a:srgbClr val="000066"/>
+              </a:solidFill>
+              <a:effectLst/>
+              <a:latin typeface="Microsoft JhengHei" panose="020B0604030504040204" pitchFamily="34" charset="-120"/>
+              <a:ea typeface="Microsoft JhengHei" panose="020B0604030504040204" pitchFamily="34" charset="-120"/>
+            </a:endParaRPr>
+          </a:p>
+        </p:txBody>
+      </p:sp>
+    </p:spTree>
+    <p:extLst>
+      <p:ext uri="{BB962C8B-B14F-4D97-AF65-F5344CB8AC3E}">
+        <p14:creationId xmlns:p14="http://schemas.microsoft.com/office/powerpoint/2010/main" val="2713761247"/>
+      </p:ext>
+    </p:extLst>
+  </p:cSld>
+  <p:clrMapOvr>
+    <a:masterClrMapping/>
+  </p:clrMapOvr>
+</p:sld>
+</file>
+
+<file path=ppt/slides/slide6.xml><?xml version="1.0" encoding="utf-8"?>
+<p:sld xmlns:a="http://schemas.openxmlformats.org/drawingml/2006/main" xmlns:r="http://schemas.openxmlformats.org/officeDocument/2006/relationships" xmlns:p="http://schemas.openxmlformats.org/presentationml/2006/main">
+  <p:cSld>
+    <p:spTree>
+      <p:nvGrpSpPr>
+        <p:cNvPr id="1" name=""/>
+        <p:cNvGrpSpPr/>
+        <p:nvPr/>
+      </p:nvGrpSpPr>
+      <p:grpSpPr>
+        <a:xfrm>
+          <a:off x="0" y="0"/>
+          <a:ext cx="0" cy="0"/>
+          <a:chOff x="0" y="0"/>
+          <a:chExt cx="0" cy="0"/>
+        </a:xfrm>
+      </p:grpSpPr>
+      <p:sp>
+        <p:nvSpPr>
+          <p:cNvPr id="5" name="內容版面配置區 4"/>
+          <p:cNvSpPr>
+            <a:spLocks noGrp="1"/>
+          </p:cNvSpPr>
+          <p:nvPr>
+            <p:ph idx="1"/>
+          </p:nvPr>
+        </p:nvSpPr>
+        <p:spPr>
+          <a:xfrm>
+            <a:off x="0" y="1563638"/>
+            <a:ext cx="9144000" cy="1803647"/>
+          </a:xfrm>
+        </p:spPr>
+        <p:txBody>
+          <a:bodyPr anchor="ctr">
+            <a:normAutofit/>
+          </a:bodyPr>
+          <a:lstStyle/>
+          <a:p>
+            <a:pPr algn="ctr">
+              <a:buNone/>
+            </a:pPr>
+            <a:r>
+              <a:rPr lang="zh-TW" altLang="en-US" sz="4800" b="1" dirty="0">
+                <a:solidFill>
+                  <a:srgbClr val="000066"/>
+                </a:solidFill>
+                <a:latin typeface="微軟正黑體" pitchFamily="34" charset="-120"/>
+                <a:ea typeface="微軟正黑體" pitchFamily="34" charset="-120"/>
+              </a:rPr>
+              <a:t>靠著耶穌得</a:t>
+            </a:r>
+            <a:r>
+              <a:rPr lang="zh-TW" altLang="en-US" sz="4800" b="1" dirty="0">
+                <a:solidFill>
+                  <a:srgbClr val="000066"/>
+                </a:solidFill>
+                <a:latin typeface="微軟正黑體" pitchFamily="34" charset="-120"/>
+                <a:ea typeface="微軟正黑體" pitchFamily="34" charset="-120"/>
+              </a:rPr>
+              <a:t>勝</a:t>
+            </a:r>
+            <a:r>
+              <a:rPr lang="en-US" altLang="zh-TW" sz="4800" b="1" dirty="0">
+                <a:solidFill>
+                  <a:srgbClr val="000066"/>
+                </a:solidFill>
+                <a:latin typeface="微軟正黑體" pitchFamily="34" charset="-120"/>
+                <a:ea typeface="微軟正黑體" pitchFamily="34" charset="-120"/>
+              </a:rPr>
+              <a:t>  </a:t>
+            </a:r>
+            <a:r>
+              <a:rPr lang="zh-TW" altLang="en-US" sz="4800" b="1" dirty="0">
+                <a:solidFill>
+                  <a:srgbClr val="000066"/>
+                </a:solidFill>
+                <a:latin typeface="微軟正黑體" pitchFamily="34" charset="-120"/>
+                <a:ea typeface="微軟正黑體" pitchFamily="34" charset="-120"/>
+              </a:rPr>
+              <a:t>靠</a:t>
+            </a:r>
+            <a:r>
+              <a:rPr lang="zh-TW" altLang="en-US" sz="4800" b="1" dirty="0">
+                <a:solidFill>
+                  <a:srgbClr val="000066"/>
+                </a:solidFill>
+                <a:latin typeface="微軟正黑體" pitchFamily="34" charset="-120"/>
+                <a:ea typeface="微軟正黑體" pitchFamily="34" charset="-120"/>
+              </a:rPr>
+              <a:t>著耶穌得</a:t>
+            </a:r>
+            <a:r>
+              <a:rPr lang="zh-TW" altLang="en-US" sz="4800" b="1" dirty="0">
+                <a:solidFill>
+                  <a:srgbClr val="000066"/>
+                </a:solidFill>
+                <a:latin typeface="微軟正黑體" pitchFamily="34" charset="-120"/>
+                <a:ea typeface="微軟正黑體" pitchFamily="34" charset="-120"/>
+              </a:rPr>
+              <a:t>勝</a:t>
+            </a:r>
+            <a:endParaRPr lang="en-US" altLang="zh-TW" sz="4800" b="1" dirty="0">
+              <a:solidFill>
+                <a:srgbClr val="000066"/>
+              </a:solidFill>
+              <a:latin typeface="微軟正黑體" pitchFamily="34" charset="-120"/>
+              <a:ea typeface="微軟正黑體" pitchFamily="34" charset="-120"/>
+            </a:endParaRPr>
+          </a:p>
+          <a:p>
+            <a:pPr algn="ctr">
+              <a:buNone/>
+            </a:pPr>
+            <a:r>
+              <a:rPr lang="zh-TW" altLang="en-US" sz="4800" b="1" dirty="0">
+                <a:solidFill>
+                  <a:srgbClr val="000066"/>
+                </a:solidFill>
+                <a:latin typeface="微軟正黑體" pitchFamily="34" charset="-120"/>
+                <a:ea typeface="微軟正黑體" pitchFamily="34" charset="-120"/>
+              </a:rPr>
+              <a:t>終此生要靠著主愛去得</a:t>
+            </a:r>
+            <a:r>
+              <a:rPr lang="zh-TW" altLang="en-US" sz="4800" b="1" dirty="0">
+                <a:solidFill>
+                  <a:srgbClr val="000066"/>
+                </a:solidFill>
+                <a:latin typeface="微軟正黑體" pitchFamily="34" charset="-120"/>
+                <a:ea typeface="微軟正黑體" pitchFamily="34" charset="-120"/>
+              </a:rPr>
+              <a:t>勝</a:t>
+            </a:r>
+            <a:endParaRPr lang="zh-TW" altLang="en-US" sz="4800" b="1" dirty="0">
+              <a:solidFill>
+                <a:srgbClr val="000066"/>
+              </a:solidFill>
+              <a:latin typeface="微軟正黑體" pitchFamily="34" charset="-120"/>
+              <a:ea typeface="微軟正黑體" pitchFamily="34" charset="-120"/>
+            </a:endParaRPr>
+          </a:p>
+        </p:txBody>
+      </p:sp>
+      <p:sp>
+        <p:nvSpPr>
+          <p:cNvPr id="3" name="TextBox 2"/>
+          <p:cNvSpPr txBox="1"/>
+          <p:nvPr/>
+        </p:nvSpPr>
+        <p:spPr>
+          <a:xfrm>
+            <a:off x="0" y="3939903"/>
+            <a:ext cx="9143999" cy="646331"/>
+          </a:xfrm>
+          <a:prstGeom prst="rect">
+            <a:avLst/>
+          </a:prstGeom>
+          <a:noFill/>
+        </p:spPr>
+        <p:txBody>
+          <a:bodyPr wrap="square" rtlCol="0">
+            <a:spAutoFit/>
+          </a:bodyPr>
+          <a:lstStyle/>
+          <a:p>
+            <a:pPr algn="ctr"/>
+            <a:r>
+              <a:rPr lang="en-US" altLang="zh-TW" sz="3600" b="1" dirty="0" smtClean="0">
+                <a:solidFill>
+                  <a:srgbClr val="000066"/>
+                </a:solidFill>
+                <a:effectLst/>
+                <a:latin typeface="Microsoft JhengHei" panose="020B0604030504040204" pitchFamily="34" charset="-120"/>
+                <a:ea typeface="Microsoft JhengHei" panose="020B0604030504040204" pitchFamily="34" charset="-120"/>
+              </a:rPr>
+              <a:t>( </a:t>
+            </a:r>
+            <a:r>
+              <a:rPr lang="zh-CN" altLang="en-US" sz="3600" b="1" dirty="0" smtClean="0">
+                <a:solidFill>
+                  <a:srgbClr val="000066"/>
+                </a:solidFill>
+                <a:effectLst/>
+                <a:latin typeface="Microsoft JhengHei" panose="020B0604030504040204" pitchFamily="34" charset="-120"/>
+                <a:ea typeface="Microsoft JhengHei" panose="020B0604030504040204" pitchFamily="34" charset="-120"/>
+              </a:rPr>
+              <a:t>副 </a:t>
+            </a:r>
+            <a:r>
+              <a:rPr lang="en-US" altLang="zh-TW" sz="3600" b="1" dirty="0" smtClean="0">
+                <a:solidFill>
+                  <a:srgbClr val="000066"/>
+                </a:solidFill>
+                <a:effectLst/>
+                <a:latin typeface="Microsoft JhengHei" panose="020B0604030504040204" pitchFamily="34" charset="-120"/>
+                <a:ea typeface="Microsoft JhengHei" panose="020B0604030504040204" pitchFamily="34" charset="-120"/>
+              </a:rPr>
+              <a:t>)</a:t>
+            </a:r>
+            <a:endParaRPr lang="vi-VN" sz="3600" b="1" dirty="0">
+              <a:solidFill>
+                <a:srgbClr val="000066"/>
+              </a:solidFill>
+              <a:effectLst/>
+              <a:latin typeface="Microsoft JhengHei" panose="020B0604030504040204" pitchFamily="34" charset="-120"/>
+              <a:ea typeface="Microsoft JhengHei" panose="020B0604030504040204" pitchFamily="34" charset="-120"/>
+            </a:endParaRPr>
+          </a:p>
+        </p:txBody>
+      </p:sp>
+    </p:spTree>
+    <p:extLst>
+      <p:ext uri="{BB962C8B-B14F-4D97-AF65-F5344CB8AC3E}">
+        <p14:creationId xmlns:p14="http://schemas.microsoft.com/office/powerpoint/2010/main" val="2157536650"/>
+      </p:ext>
+    </p:extLst>
+  </p:cSld>
+  <p:clrMapOvr>
+    <a:masterClrMapping/>
+  </p:clrMapOvr>
+</p:sld>
+</file>
+
+<file path=ppt/slides/slide7.xml><?xml version="1.0" encoding="utf-8"?>
+<p:sld xmlns:a="http://schemas.openxmlformats.org/drawingml/2006/main" xmlns:r="http://schemas.openxmlformats.org/officeDocument/2006/relationships" xmlns:p="http://schemas.openxmlformats.org/presentationml/2006/main">
+  <p:cSld>
+    <p:spTree>
+      <p:nvGrpSpPr>
+        <p:cNvPr id="1" name=""/>
+        <p:cNvGrpSpPr/>
+        <p:nvPr/>
+      </p:nvGrpSpPr>
+      <p:grpSpPr>
+        <a:xfrm>
+          <a:off x="0" y="0"/>
+          <a:ext cx="0" cy="0"/>
+          <a:chOff x="0" y="0"/>
+          <a:chExt cx="0" cy="0"/>
+        </a:xfrm>
+      </p:grpSpPr>
+      <p:sp>
+        <p:nvSpPr>
+          <p:cNvPr id="5" name="內容版面配置區 4"/>
+          <p:cNvSpPr>
+            <a:spLocks noGrp="1"/>
+          </p:cNvSpPr>
+          <p:nvPr>
+            <p:ph idx="1"/>
+          </p:nvPr>
+        </p:nvSpPr>
+        <p:spPr>
+          <a:xfrm>
+            <a:off x="0" y="1563638"/>
+            <a:ext cx="9144000" cy="1803647"/>
+          </a:xfrm>
+        </p:spPr>
+        <p:txBody>
+          <a:bodyPr anchor="ctr">
+            <a:normAutofit/>
+          </a:bodyPr>
+          <a:lstStyle/>
+          <a:p>
+            <a:pPr algn="ctr">
+              <a:buNone/>
+            </a:pPr>
+            <a:r>
+              <a:rPr lang="zh-TW" altLang="en-US" sz="4800" b="1" dirty="0">
+                <a:solidFill>
+                  <a:srgbClr val="000066"/>
+                </a:solidFill>
+                <a:latin typeface="微軟正黑體" pitchFamily="34" charset="-120"/>
+                <a:ea typeface="微軟正黑體" pitchFamily="34" charset="-120"/>
               </a:rPr>
               <a:t>靠著耶穌得勝</a:t>
             </a:r>
-          </a:p>
-        </p:txBody>
-      </p:sp>
+            <a:r>
+              <a:rPr lang="en-US" altLang="zh-TW" sz="4800" b="1" dirty="0">
+                <a:solidFill>
+                  <a:srgbClr val="000066"/>
+                </a:solidFill>
+                <a:latin typeface="微軟正黑體" pitchFamily="34" charset="-120"/>
+                <a:ea typeface="微軟正黑體" pitchFamily="34" charset="-120"/>
+              </a:rPr>
+              <a:t>  </a:t>
+            </a:r>
+            <a:r>
+              <a:rPr lang="zh-TW" altLang="en-US" sz="4800" b="1" dirty="0">
+                <a:solidFill>
+                  <a:srgbClr val="000066"/>
+                </a:solidFill>
+                <a:latin typeface="微軟正黑體" pitchFamily="34" charset="-120"/>
+                <a:ea typeface="微軟正黑體" pitchFamily="34" charset="-120"/>
+              </a:rPr>
+              <a:t>靠著耶穌得勝</a:t>
+            </a:r>
+          </a:p>
+          <a:p>
+            <a:pPr algn="ctr">
+              <a:buNone/>
+            </a:pPr>
+            <a:r>
+              <a:rPr lang="zh-TW" altLang="en-US" sz="4800" b="1" dirty="0">
+                <a:solidFill>
+                  <a:srgbClr val="000066"/>
+                </a:solidFill>
+                <a:latin typeface="微軟正黑體" pitchFamily="34" charset="-120"/>
+                <a:ea typeface="微軟正黑體" pitchFamily="34" charset="-120"/>
+              </a:rPr>
+              <a:t>不必驚怕挫</a:t>
+            </a:r>
+            <a:r>
+              <a:rPr lang="zh-TW" altLang="en-US" sz="4800" b="1" dirty="0">
+                <a:solidFill>
+                  <a:srgbClr val="000066"/>
+                </a:solidFill>
+                <a:latin typeface="微軟正黑體" pitchFamily="34" charset="-120"/>
+                <a:ea typeface="微軟正黑體" pitchFamily="34" charset="-120"/>
+              </a:rPr>
+              <a:t>敗</a:t>
+            </a:r>
+            <a:r>
+              <a:rPr lang="en-US" altLang="zh-TW" sz="4800" b="1" dirty="0">
+                <a:solidFill>
+                  <a:srgbClr val="000066"/>
+                </a:solidFill>
+                <a:latin typeface="微軟正黑體" pitchFamily="34" charset="-120"/>
+                <a:ea typeface="微軟正黑體" pitchFamily="34" charset="-120"/>
+              </a:rPr>
+              <a:t>  </a:t>
+            </a:r>
+            <a:r>
+              <a:rPr lang="zh-TW" altLang="en-US" sz="4800" b="1" dirty="0">
+                <a:solidFill>
+                  <a:srgbClr val="000066"/>
+                </a:solidFill>
+                <a:latin typeface="微軟正黑體" pitchFamily="34" charset="-120"/>
+                <a:ea typeface="微軟正黑體" pitchFamily="34" charset="-120"/>
+              </a:rPr>
+              <a:t>確</a:t>
+            </a:r>
+            <a:r>
+              <a:rPr lang="zh-TW" altLang="en-US" sz="4800" b="1" dirty="0">
+                <a:solidFill>
+                  <a:srgbClr val="000066"/>
+                </a:solidFill>
+                <a:latin typeface="微軟正黑體" pitchFamily="34" charset="-120"/>
+                <a:ea typeface="微軟正黑體" pitchFamily="34" charset="-120"/>
+              </a:rPr>
+              <a:t>知主恩更廣闊</a:t>
+            </a:r>
+          </a:p>
+        </p:txBody>
+      </p:sp>
+      <p:sp>
+        <p:nvSpPr>
+          <p:cNvPr id="3" name="TextBox 2"/>
+          <p:cNvSpPr txBox="1"/>
+          <p:nvPr/>
+        </p:nvSpPr>
+        <p:spPr>
+          <a:xfrm>
+            <a:off x="0" y="3939903"/>
+            <a:ext cx="9143999" cy="646331"/>
+          </a:xfrm>
+          <a:prstGeom prst="rect">
+            <a:avLst/>
+          </a:prstGeom>
+          <a:noFill/>
+        </p:spPr>
+        <p:txBody>
+          <a:bodyPr wrap="square" rtlCol="0">
+            <a:spAutoFit/>
+          </a:bodyPr>
+          <a:lstStyle/>
+          <a:p>
+            <a:pPr algn="ctr"/>
+            <a:r>
+              <a:rPr lang="en-US" altLang="zh-TW" sz="3600" b="1" dirty="0" smtClean="0">
+                <a:solidFill>
+                  <a:srgbClr val="000066"/>
+                </a:solidFill>
+                <a:effectLst/>
+                <a:latin typeface="Microsoft JhengHei" panose="020B0604030504040204" pitchFamily="34" charset="-120"/>
+                <a:ea typeface="Microsoft JhengHei" panose="020B0604030504040204" pitchFamily="34" charset="-120"/>
+              </a:rPr>
+              <a:t>( </a:t>
+            </a:r>
+            <a:r>
+              <a:rPr lang="zh-CN" altLang="en-US" sz="3600" b="1" dirty="0" smtClean="0">
+                <a:solidFill>
+                  <a:srgbClr val="000066"/>
+                </a:solidFill>
+                <a:effectLst/>
+                <a:latin typeface="Microsoft JhengHei" panose="020B0604030504040204" pitchFamily="34" charset="-120"/>
+                <a:ea typeface="Microsoft JhengHei" panose="020B0604030504040204" pitchFamily="34" charset="-120"/>
+              </a:rPr>
+              <a:t>副 </a:t>
+            </a:r>
+            <a:r>
+              <a:rPr lang="en-US" altLang="zh-TW" sz="3600" b="1" dirty="0" smtClean="0">
+                <a:solidFill>
+                  <a:srgbClr val="000066"/>
+                </a:solidFill>
+                <a:effectLst/>
+                <a:latin typeface="Microsoft JhengHei" panose="020B0604030504040204" pitchFamily="34" charset="-120"/>
+                <a:ea typeface="Microsoft JhengHei" panose="020B0604030504040204" pitchFamily="34" charset="-120"/>
+              </a:rPr>
+              <a:t>)</a:t>
+            </a:r>
+            <a:endParaRPr lang="vi-VN" sz="3600" b="1" dirty="0">
+              <a:solidFill>
+                <a:srgbClr val="000066"/>
+              </a:solidFill>
+              <a:effectLst/>
+              <a:latin typeface="Microsoft JhengHei" panose="020B0604030504040204" pitchFamily="34" charset="-120"/>
+              <a:ea typeface="Microsoft JhengHei" panose="020B0604030504040204" pitchFamily="34" charset="-120"/>
+            </a:endParaRPr>
+          </a:p>
+        </p:txBody>
+      </p:sp>
+    </p:spTree>
+    <p:extLst>
+      <p:ext uri="{BB962C8B-B14F-4D97-AF65-F5344CB8AC3E}">
+        <p14:creationId xmlns:p14="http://schemas.microsoft.com/office/powerpoint/2010/main" val="3458994220"/>
+      </p:ext>
+    </p:extLst>
+  </p:cSld>
+  <p:clrMapOvr>
+    <a:masterClrMapping/>
+  </p:clrMapOvr>
+</p:sld>
+</file>
+
+<file path=ppt/slides/slide8.xml><?xml version="1.0" encoding="utf-8"?>
+<p:sld xmlns:a="http://schemas.openxmlformats.org/drawingml/2006/main" xmlns:r="http://schemas.openxmlformats.org/officeDocument/2006/relationships" xmlns:p="http://schemas.openxmlformats.org/presentationml/2006/main">
+  <p:cSld>
+    <p:spTree>
+      <p:nvGrpSpPr>
+        <p:cNvPr id="1" name=""/>
+        <p:cNvGrpSpPr/>
+        <p:nvPr/>
+      </p:nvGrpSpPr>
+      <p:grpSpPr>
+        <a:xfrm>
+          <a:off x="0" y="0"/>
+          <a:ext cx="0" cy="0"/>
+          <a:chOff x="0" y="0"/>
+          <a:chExt cx="0" cy="0"/>
+        </a:xfrm>
+      </p:grpSpPr>
       <p:sp>
         <p:nvSpPr>
           <p:cNvPr id="5" name="內容版面配置區 4"/>
@@ -3496,10 +4361,15 @@
             <p:ph idx="1"/>
           </p:nvPr>
         </p:nvSpPr>
-        <p:spPr/>
-        <p:txBody>
-          <a:bodyPr>
-            <a:noAutofit/>
+        <p:spPr>
+          <a:xfrm>
+            <a:off x="0" y="1563638"/>
+            <a:ext cx="9144000" cy="1803647"/>
+          </a:xfrm>
+        </p:spPr>
+        <p:txBody>
+          <a:bodyPr anchor="ctr">
+            <a:normAutofit/>
           </a:bodyPr>
           <a:lstStyle/>
           <a:p>
@@ -3507,91 +4377,121 @@
               <a:buNone/>
             </a:pPr>
             <a:r>
+              <a:rPr lang="zh-TW" altLang="en-US" sz="4800" b="1" dirty="0" smtClean="0">
+                <a:solidFill>
+                  <a:srgbClr val="000066"/>
+                </a:solidFill>
+                <a:latin typeface="微軟正黑體" pitchFamily="34" charset="-120"/>
+                <a:ea typeface="微軟正黑體" pitchFamily="34" charset="-120"/>
+              </a:rPr>
+              <a:t>是</a:t>
+            </a:r>
+            <a:r>
+              <a:rPr lang="zh-CN" altLang="en-US" sz="4800" b="1" dirty="0">
+                <a:solidFill>
+                  <a:srgbClr val="000066"/>
+                </a:solidFill>
+                <a:latin typeface="微軟正黑體" pitchFamily="34" charset="-120"/>
+                <a:ea typeface="微軟正黑體" pitchFamily="34" charset="-120"/>
+              </a:rPr>
+              <a:t>袮</a:t>
+            </a:r>
+            <a:r>
+              <a:rPr lang="zh-TW" altLang="en-US" sz="4800" b="1" dirty="0" smtClean="0">
+                <a:solidFill>
+                  <a:srgbClr val="000066"/>
+                </a:solidFill>
+                <a:latin typeface="微軟正黑體" pitchFamily="34" charset="-120"/>
+                <a:ea typeface="微軟正黑體" pitchFamily="34" charset="-120"/>
+              </a:rPr>
+              <a:t>帶</a:t>
+            </a:r>
+            <a:r>
               <a:rPr lang="zh-TW" altLang="en-US" sz="4800" b="1" dirty="0">
-                <a:latin typeface="Microsoft JhengHei" pitchFamily="34" charset="-120"/>
-                <a:ea typeface="Microsoft JhengHei" pitchFamily="34" charset="-120"/>
-              </a:rPr>
-              <a:t>靠著耶穌得</a:t>
-            </a:r>
-            <a:r>
-              <a:rPr lang="zh-TW" altLang="en-US" sz="4800" b="1" dirty="0" smtClean="0">
-                <a:latin typeface="Microsoft JhengHei" pitchFamily="34" charset="-120"/>
-                <a:ea typeface="Microsoft JhengHei" pitchFamily="34" charset="-120"/>
-              </a:rPr>
-              <a:t>勝</a:t>
-            </a:r>
-            <a:r>
-              <a:rPr lang="en-US" altLang="zh-TW" sz="4800" b="1" dirty="0">
-                <a:latin typeface="Microsoft JhengHei" pitchFamily="34" charset="-120"/>
-                <a:ea typeface="Microsoft JhengHei" pitchFamily="34" charset="-120"/>
-              </a:rPr>
-              <a:t> </a:t>
-            </a:r>
-            <a:r>
-              <a:rPr lang="en-US" altLang="zh-TW" sz="4800" b="1" dirty="0" smtClean="0">
-                <a:latin typeface="Microsoft JhengHei" pitchFamily="34" charset="-120"/>
-                <a:ea typeface="Microsoft JhengHei" pitchFamily="34" charset="-120"/>
-              </a:rPr>
-              <a:t> </a:t>
-            </a:r>
-            <a:r>
-              <a:rPr lang="zh-TW" altLang="en-US" sz="4800" b="1" dirty="0" smtClean="0">
-                <a:latin typeface="Microsoft JhengHei" pitchFamily="34" charset="-120"/>
-                <a:ea typeface="Microsoft JhengHei" pitchFamily="34" charset="-120"/>
-              </a:rPr>
-              <a:t>靠</a:t>
-            </a:r>
-            <a:r>
-              <a:rPr lang="zh-TW" altLang="en-US" sz="4800" b="1" dirty="0">
-                <a:latin typeface="Microsoft JhengHei" pitchFamily="34" charset="-120"/>
-                <a:ea typeface="Microsoft JhengHei" pitchFamily="34" charset="-120"/>
-              </a:rPr>
-              <a:t>著耶穌得勝</a:t>
-            </a:r>
-          </a:p>
-          <a:p>
-            <a:pPr algn="ctr">
-              <a:buNone/>
-            </a:pPr>
-            <a:r>
-              <a:rPr lang="zh-TW" altLang="en-US" sz="4800" b="1" dirty="0">
-                <a:latin typeface="Microsoft JhengHei" pitchFamily="34" charset="-120"/>
-                <a:ea typeface="Microsoft JhengHei" pitchFamily="34" charset="-120"/>
-              </a:rPr>
-              <a:t>不必驚怕挫敗</a:t>
-            </a:r>
-            <a:endParaRPr lang="en-US" altLang="zh-TW" sz="4800" b="1" dirty="0">
-              <a:latin typeface="Microsoft JhengHei" pitchFamily="34" charset="-120"/>
-              <a:ea typeface="Microsoft JhengHei" pitchFamily="34" charset="-120"/>
+                <a:solidFill>
+                  <a:srgbClr val="000066"/>
+                </a:solidFill>
+                <a:latin typeface="微軟正黑體" pitchFamily="34" charset="-120"/>
+                <a:ea typeface="微軟正黑體" pitchFamily="34" charset="-120"/>
+              </a:rPr>
+              <a:t>領著我得勝</a:t>
+            </a:r>
+          </a:p>
+        </p:txBody>
+      </p:sp>
+      <p:sp>
+        <p:nvSpPr>
+          <p:cNvPr id="3" name="TextBox 2"/>
+          <p:cNvSpPr txBox="1"/>
+          <p:nvPr/>
+        </p:nvSpPr>
+        <p:spPr>
+          <a:xfrm>
+            <a:off x="0" y="3939903"/>
+            <a:ext cx="9143999" cy="646331"/>
+          </a:xfrm>
+          <a:prstGeom prst="rect">
+            <a:avLst/>
+          </a:prstGeom>
+          <a:noFill/>
+        </p:spPr>
+        <p:txBody>
+          <a:bodyPr wrap="square" rtlCol="0">
+            <a:spAutoFit/>
+          </a:bodyPr>
+          <a:lstStyle/>
+          <a:p>
+            <a:pPr algn="ctr"/>
+            <a:r>
+              <a:rPr lang="en-US" altLang="zh-TW" sz="3600" b="1" dirty="0" smtClean="0">
+                <a:solidFill>
+                  <a:srgbClr val="000066"/>
+                </a:solidFill>
+                <a:effectLst/>
+                <a:latin typeface="Microsoft JhengHei" panose="020B0604030504040204" pitchFamily="34" charset="-120"/>
+                <a:ea typeface="Microsoft JhengHei" panose="020B0604030504040204" pitchFamily="34" charset="-120"/>
+              </a:rPr>
+              <a:t>( </a:t>
+            </a:r>
+            <a:r>
+              <a:rPr lang="zh-CN" altLang="en-US" sz="3600" b="1" dirty="0" smtClean="0">
+                <a:solidFill>
+                  <a:srgbClr val="000066"/>
+                </a:solidFill>
+                <a:effectLst/>
+                <a:latin typeface="Microsoft JhengHei" panose="020B0604030504040204" pitchFamily="34" charset="-120"/>
+                <a:ea typeface="Microsoft JhengHei" panose="020B0604030504040204" pitchFamily="34" charset="-120"/>
+              </a:rPr>
+              <a:t>副 </a:t>
+            </a:r>
+            <a:r>
+              <a:rPr lang="en-US" altLang="zh-TW" sz="3600" b="1" dirty="0" smtClean="0">
+                <a:solidFill>
+                  <a:srgbClr val="000066"/>
+                </a:solidFill>
+                <a:effectLst/>
+                <a:latin typeface="Microsoft JhengHei" panose="020B0604030504040204" pitchFamily="34" charset="-120"/>
+                <a:ea typeface="Microsoft JhengHei" panose="020B0604030504040204" pitchFamily="34" charset="-120"/>
+              </a:rPr>
+              <a:t>)</a:t>
+            </a:r>
+            <a:endParaRPr lang="vi-VN" sz="3600" b="1" dirty="0">
+              <a:solidFill>
+                <a:srgbClr val="000066"/>
+              </a:solidFill>
+              <a:effectLst/>
+              <a:latin typeface="Microsoft JhengHei" panose="020B0604030504040204" pitchFamily="34" charset="-120"/>
+              <a:ea typeface="Microsoft JhengHei" panose="020B0604030504040204" pitchFamily="34" charset="-120"/>
             </a:endParaRPr>
           </a:p>
-          <a:p>
-            <a:pPr algn="ctr">
-              <a:buNone/>
-            </a:pPr>
-            <a:r>
-              <a:rPr lang="zh-TW" altLang="en-US" sz="4800" b="1" dirty="0">
-                <a:latin typeface="Microsoft JhengHei" pitchFamily="34" charset="-120"/>
-                <a:ea typeface="Microsoft JhengHei" pitchFamily="34" charset="-120"/>
-              </a:rPr>
-              <a:t>確知主恩更廣闊</a:t>
-            </a:r>
-          </a:p>
-          <a:p>
-            <a:pPr algn="ctr">
-              <a:buNone/>
-            </a:pPr>
-            <a:r>
-              <a:rPr lang="zh-TW" altLang="en-US" sz="4800" b="1" dirty="0">
-                <a:latin typeface="Microsoft JhengHei" pitchFamily="34" charset="-120"/>
-                <a:ea typeface="Microsoft JhengHei" pitchFamily="34" charset="-120"/>
-              </a:rPr>
-              <a:t>是你帶領著我得勝</a:t>
-            </a:r>
-          </a:p>
         </p:txBody>
       </p:sp>
     </p:spTree>
+    <p:extLst>
+      <p:ext uri="{BB962C8B-B14F-4D97-AF65-F5344CB8AC3E}">
+        <p14:creationId xmlns:p14="http://schemas.microsoft.com/office/powerpoint/2010/main" val="2912033495"/>
+      </p:ext>
+    </p:extLst>
   </p:cSld>
   <p:clrMapOvr>
     <a:masterClrMapping/>
